--- a/slides/Week4_Memory_21.pptx
+++ b/slides/Week4_Memory_21.pptx
@@ -5,51 +5,46 @@
     <p:sldMasterId id="2147483648" r:id="rId1"/>
   </p:sldMasterIdLst>
   <p:notesMasterIdLst>
-    <p:notesMasterId r:id="rId44"/>
+    <p:notesMasterId r:id="rId39"/>
   </p:notesMasterIdLst>
   <p:sldIdLst>
-    <p:sldId id="298" r:id="rId2"/>
-    <p:sldId id="256" r:id="rId3"/>
-    <p:sldId id="257" r:id="rId4"/>
-    <p:sldId id="258" r:id="rId5"/>
-    <p:sldId id="259" r:id="rId6"/>
-    <p:sldId id="260" r:id="rId7"/>
-    <p:sldId id="261" r:id="rId8"/>
-    <p:sldId id="278" r:id="rId9"/>
-    <p:sldId id="262" r:id="rId10"/>
-    <p:sldId id="275" r:id="rId11"/>
-    <p:sldId id="279" r:id="rId12"/>
-    <p:sldId id="276" r:id="rId13"/>
-    <p:sldId id="277" r:id="rId14"/>
-    <p:sldId id="263" r:id="rId15"/>
-    <p:sldId id="264" r:id="rId16"/>
-    <p:sldId id="265" r:id="rId17"/>
-    <p:sldId id="266" r:id="rId18"/>
-    <p:sldId id="267" r:id="rId19"/>
-    <p:sldId id="268" r:id="rId20"/>
-    <p:sldId id="269" r:id="rId21"/>
-    <p:sldId id="270" r:id="rId22"/>
-    <p:sldId id="271" r:id="rId23"/>
-    <p:sldId id="272" r:id="rId24"/>
-    <p:sldId id="273" r:id="rId25"/>
-    <p:sldId id="274" r:id="rId26"/>
-    <p:sldId id="282" r:id="rId27"/>
-    <p:sldId id="281" r:id="rId28"/>
-    <p:sldId id="288" r:id="rId29"/>
-    <p:sldId id="284" r:id="rId30"/>
-    <p:sldId id="285" r:id="rId31"/>
-    <p:sldId id="286" r:id="rId32"/>
-    <p:sldId id="287" r:id="rId33"/>
-    <p:sldId id="289" r:id="rId34"/>
-    <p:sldId id="290" r:id="rId35"/>
-    <p:sldId id="291" r:id="rId36"/>
-    <p:sldId id="292" r:id="rId37"/>
-    <p:sldId id="296" r:id="rId38"/>
-    <p:sldId id="293" r:id="rId39"/>
-    <p:sldId id="294" r:id="rId40"/>
-    <p:sldId id="295" r:id="rId41"/>
-    <p:sldId id="299" r:id="rId42"/>
-    <p:sldId id="300" r:id="rId43"/>
+    <p:sldId id="256" r:id="rId2"/>
+    <p:sldId id="257" r:id="rId3"/>
+    <p:sldId id="258" r:id="rId4"/>
+    <p:sldId id="259" r:id="rId5"/>
+    <p:sldId id="260" r:id="rId6"/>
+    <p:sldId id="261" r:id="rId7"/>
+    <p:sldId id="262" r:id="rId8"/>
+    <p:sldId id="301" r:id="rId9"/>
+    <p:sldId id="276" r:id="rId10"/>
+    <p:sldId id="277" r:id="rId11"/>
+    <p:sldId id="263" r:id="rId12"/>
+    <p:sldId id="264" r:id="rId13"/>
+    <p:sldId id="265" r:id="rId14"/>
+    <p:sldId id="266" r:id="rId15"/>
+    <p:sldId id="267" r:id="rId16"/>
+    <p:sldId id="268" r:id="rId17"/>
+    <p:sldId id="269" r:id="rId18"/>
+    <p:sldId id="270" r:id="rId19"/>
+    <p:sldId id="271" r:id="rId20"/>
+    <p:sldId id="272" r:id="rId21"/>
+    <p:sldId id="273" r:id="rId22"/>
+    <p:sldId id="274" r:id="rId23"/>
+    <p:sldId id="282" r:id="rId24"/>
+    <p:sldId id="281" r:id="rId25"/>
+    <p:sldId id="288" r:id="rId26"/>
+    <p:sldId id="284" r:id="rId27"/>
+    <p:sldId id="285" r:id="rId28"/>
+    <p:sldId id="286" r:id="rId29"/>
+    <p:sldId id="287" r:id="rId30"/>
+    <p:sldId id="289" r:id="rId31"/>
+    <p:sldId id="290" r:id="rId32"/>
+    <p:sldId id="291" r:id="rId33"/>
+    <p:sldId id="292" r:id="rId34"/>
+    <p:sldId id="296" r:id="rId35"/>
+    <p:sldId id="293" r:id="rId36"/>
+    <p:sldId id="294" r:id="rId37"/>
+    <p:sldId id="295" r:id="rId38"/>
   </p:sldIdLst>
   <p:sldSz cx="9144000" cy="6858000" type="screen4x3"/>
   <p:notesSz cx="6858000" cy="9144000"/>
@@ -249,7 +244,7 @@
           <a:p>
             <a:fld id="{9DA5065F-D538-044A-9D79-150E1198B063}" type="datetimeFigureOut">
               <a:rPr lang="en-US" smtClean="0"/>
-              <a:t>11/9/20</a:t>
+              <a:t>12/23/20</a:t>
             </a:fld>
             <a:endParaRPr lang="en-US"/>
           </a:p>
@@ -581,7 +576,7 @@
           <a:p>
             <a:fld id="{A79B791A-E8E9-A447-93FA-B1EE82523E81}" type="slidenum">
               <a:rPr lang="en-US" smtClean="0"/>
-              <a:t>3</a:t>
+              <a:t>2</a:t>
             </a:fld>
             <a:endParaRPr lang="en-US"/>
           </a:p>
@@ -665,7 +660,7 @@
           <a:p>
             <a:fld id="{A79B791A-E8E9-A447-93FA-B1EE82523E81}" type="slidenum">
               <a:rPr lang="en-US" smtClean="0"/>
-              <a:t>17</a:t>
+              <a:t>13</a:t>
             </a:fld>
             <a:endParaRPr lang="en-US"/>
           </a:p>
@@ -674,7 +669,7 @@
     </p:spTree>
     <p:extLst>
       <p:ext uri="{BB962C8B-B14F-4D97-AF65-F5344CB8AC3E}">
-        <p14:creationId xmlns:p14="http://schemas.microsoft.com/office/powerpoint/2010/main" val="1881437313"/>
+        <p14:creationId xmlns:p14="http://schemas.microsoft.com/office/powerpoint/2010/main" val="4210517392"/>
       </p:ext>
     </p:extLst>
   </p:cSld>
@@ -739,17 +734,17 @@
             <a:spLocks noGrp="1"/>
           </p:cNvSpPr>
           <p:nvPr>
-            <p:ph type="sldNum" sz="quarter" idx="5"/>
-          </p:nvPr>
-        </p:nvSpPr>
-        <p:spPr/>
-        <p:txBody>
-          <a:bodyPr/>
-          <a:lstStyle/>
-          <a:p>
-            <a:fld id="{C707E107-2591-3E4B-A181-4208A20C2CA6}" type="slidenum">
+            <p:ph type="sldNum" sz="quarter" idx="10"/>
+          </p:nvPr>
+        </p:nvSpPr>
+        <p:spPr/>
+        <p:txBody>
+          <a:bodyPr/>
+          <a:lstStyle/>
+          <a:p>
+            <a:fld id="{A79B791A-E8E9-A447-93FA-B1EE82523E81}" type="slidenum">
               <a:rPr lang="en-US" smtClean="0"/>
-              <a:t>23</a:t>
+              <a:t>14</a:t>
             </a:fld>
             <a:endParaRPr lang="en-US"/>
           </a:p>
@@ -758,7 +753,7 @@
     </p:spTree>
     <p:extLst>
       <p:ext uri="{BB962C8B-B14F-4D97-AF65-F5344CB8AC3E}">
-        <p14:creationId xmlns:p14="http://schemas.microsoft.com/office/powerpoint/2010/main" val="4221718699"/>
+        <p14:creationId xmlns:p14="http://schemas.microsoft.com/office/powerpoint/2010/main" val="1881437313"/>
       </p:ext>
     </p:extLst>
   </p:cSld>
@@ -787,99 +782,54 @@
       </p:grpSpPr>
       <p:sp>
         <p:nvSpPr>
-          <p:cNvPr id="7" name="Rectangle 7"/>
-          <p:cNvSpPr>
-            <a:spLocks noGrp="1" noChangeArrowheads="1"/>
+          <p:cNvPr id="2" name="Slide Image Placeholder 1"/>
+          <p:cNvSpPr>
+            <a:spLocks noGrp="1" noRot="1" noChangeAspect="1"/>
+          </p:cNvSpPr>
+          <p:nvPr>
+            <p:ph type="sldImg"/>
+          </p:nvPr>
+        </p:nvSpPr>
+        <p:spPr/>
+      </p:sp>
+      <p:sp>
+        <p:nvSpPr>
+          <p:cNvPr id="3" name="Notes Placeholder 2"/>
+          <p:cNvSpPr>
+            <a:spLocks noGrp="1"/>
+          </p:cNvSpPr>
+          <p:nvPr>
+            <p:ph type="body" idx="1"/>
+          </p:nvPr>
+        </p:nvSpPr>
+        <p:spPr/>
+        <p:txBody>
+          <a:bodyPr/>
+          <a:lstStyle/>
+          <a:p>
+            <a:endParaRPr lang="en-US" dirty="0"/>
+          </a:p>
+        </p:txBody>
+      </p:sp>
+      <p:sp>
+        <p:nvSpPr>
+          <p:cNvPr id="4" name="Slide Number Placeholder 3"/>
+          <p:cNvSpPr>
+            <a:spLocks noGrp="1"/>
           </p:cNvSpPr>
           <p:nvPr>
             <p:ph type="sldNum" sz="quarter" idx="5"/>
           </p:nvPr>
         </p:nvSpPr>
-        <p:spPr>
-          <a:ln/>
-        </p:spPr>
-        <p:txBody>
-          <a:bodyPr/>
-          <a:lstStyle/>
-          <a:p>
-            <a:fld id="{A4253CC7-72D5-834A-9B8F-F17F46B14072}" type="slidenum">
-              <a:rPr lang="en-US" altLang="zh-TW"/>
-              <a:pPr/>
-              <a:t>29</a:t>
+        <p:spPr/>
+        <p:txBody>
+          <a:bodyPr/>
+          <a:lstStyle/>
+          <a:p>
+            <a:fld id="{C707E107-2591-3E4B-A181-4208A20C2CA6}" type="slidenum">
+              <a:rPr lang="en-US" smtClean="0"/>
+              <a:t>20</a:t>
             </a:fld>
-            <a:endParaRPr lang="en-US" altLang="zh-TW"/>
-          </a:p>
-        </p:txBody>
-      </p:sp>
-      <p:sp>
-        <p:nvSpPr>
-          <p:cNvPr id="149506" name="Rectangle 2"/>
-          <p:cNvSpPr>
-            <a:spLocks noGrp="1" noRot="1" noChangeAspect="1" noChangeArrowheads="1" noTextEdit="1"/>
-          </p:cNvSpPr>
-          <p:nvPr>
-            <p:ph type="sldImg"/>
-          </p:nvPr>
-        </p:nvSpPr>
-        <p:spPr bwMode="auto">
-          <a:xfrm>
-            <a:off x="1146175" y="685800"/>
-            <a:ext cx="4570413" cy="3427413"/>
-          </a:xfrm>
-          <a:prstGeom prst="rect">
-            <a:avLst/>
-          </a:prstGeom>
-          <a:solidFill>
-            <a:srgbClr val="FFFFFF"/>
-          </a:solidFill>
-          <a:ln>
-            <a:solidFill>
-              <a:srgbClr val="000000"/>
-            </a:solidFill>
-            <a:miter lim="800000"/>
-            <a:headEnd/>
-            <a:tailEnd/>
-          </a:ln>
-        </p:spPr>
-      </p:sp>
-      <p:sp>
-        <p:nvSpPr>
-          <p:cNvPr id="149507" name="Rectangle 3"/>
-          <p:cNvSpPr>
-            <a:spLocks noGrp="1" noChangeArrowheads="1"/>
-          </p:cNvSpPr>
-          <p:nvPr>
-            <p:ph type="body" idx="1"/>
-          </p:nvPr>
-        </p:nvSpPr>
-        <p:spPr bwMode="auto">
-          <a:xfrm>
-            <a:off x="914400" y="4343400"/>
-            <a:ext cx="5029200" cy="4114800"/>
-          </a:xfrm>
-          <a:prstGeom prst="rect">
-            <a:avLst/>
-          </a:prstGeom>
-          <a:solidFill>
-            <a:srgbClr val="FFFFFF"/>
-          </a:solidFill>
-          <a:ln>
-            <a:solidFill>
-              <a:srgbClr val="000000"/>
-            </a:solidFill>
-            <a:miter lim="800000"/>
-            <a:headEnd/>
-            <a:tailEnd/>
-          </a:ln>
-        </p:spPr>
-        <p:txBody>
-          <a:bodyPr lIns="86493" tIns="43247" rIns="86493" bIns="43247">
-            <a:prstTxWarp prst="textNoShape">
-              <a:avLst/>
-            </a:prstTxWarp>
-          </a:bodyPr>
-          <a:lstStyle/>
-          <a:p>
             <a:endParaRPr lang="en-US"/>
           </a:p>
         </p:txBody>
@@ -887,7 +837,7 @@
     </p:spTree>
     <p:extLst>
       <p:ext uri="{BB962C8B-B14F-4D97-AF65-F5344CB8AC3E}">
-        <p14:creationId xmlns:p14="http://schemas.microsoft.com/office/powerpoint/2010/main" val="407284675"/>
+        <p14:creationId xmlns:p14="http://schemas.microsoft.com/office/powerpoint/2010/main" val="4221718699"/>
       </p:ext>
     </p:extLst>
   </p:cSld>
@@ -931,10 +881,10 @@
           <a:bodyPr/>
           <a:lstStyle/>
           <a:p>
-            <a:fld id="{3200CEB4-F593-FF44-BB53-3E1E7DBFB938}" type="slidenum">
+            <a:fld id="{A4253CC7-72D5-834A-9B8F-F17F46B14072}" type="slidenum">
               <a:rPr lang="en-US" altLang="zh-TW"/>
               <a:pPr/>
-              <a:t>30</a:t>
+              <a:t>26</a:t>
             </a:fld>
             <a:endParaRPr lang="en-US" altLang="zh-TW"/>
           </a:p>
@@ -942,7 +892,7 @@
       </p:sp>
       <p:sp>
         <p:nvSpPr>
-          <p:cNvPr id="192514" name="Rectangle 2"/>
+          <p:cNvPr id="149506" name="Rectangle 2"/>
           <p:cNvSpPr>
             <a:spLocks noGrp="1" noRot="1" noChangeAspect="1" noChangeArrowheads="1" noTextEdit="1"/>
           </p:cNvSpPr>
@@ -950,13 +900,30 @@
             <p:ph type="sldImg"/>
           </p:nvPr>
         </p:nvSpPr>
-        <p:spPr>
-          <a:ln/>
+        <p:spPr bwMode="auto">
+          <a:xfrm>
+            <a:off x="1146175" y="685800"/>
+            <a:ext cx="4570413" cy="3427413"/>
+          </a:xfrm>
+          <a:prstGeom prst="rect">
+            <a:avLst/>
+          </a:prstGeom>
+          <a:solidFill>
+            <a:srgbClr val="FFFFFF"/>
+          </a:solidFill>
+          <a:ln>
+            <a:solidFill>
+              <a:srgbClr val="000000"/>
+            </a:solidFill>
+            <a:miter lim="800000"/>
+            <a:headEnd/>
+            <a:tailEnd/>
+          </a:ln>
         </p:spPr>
       </p:sp>
       <p:sp>
         <p:nvSpPr>
-          <p:cNvPr id="192515" name="Rectangle 3"/>
+          <p:cNvPr id="149507" name="Rectangle 3"/>
           <p:cNvSpPr>
             <a:spLocks noGrp="1" noChangeArrowheads="1"/>
           </p:cNvSpPr>
@@ -964,9 +931,32 @@
             <p:ph type="body" idx="1"/>
           </p:nvPr>
         </p:nvSpPr>
-        <p:spPr/>
-        <p:txBody>
-          <a:bodyPr/>
+        <p:spPr bwMode="auto">
+          <a:xfrm>
+            <a:off x="914400" y="4343400"/>
+            <a:ext cx="5029200" cy="4114800"/>
+          </a:xfrm>
+          <a:prstGeom prst="rect">
+            <a:avLst/>
+          </a:prstGeom>
+          <a:solidFill>
+            <a:srgbClr val="FFFFFF"/>
+          </a:solidFill>
+          <a:ln>
+            <a:solidFill>
+              <a:srgbClr val="000000"/>
+            </a:solidFill>
+            <a:miter lim="800000"/>
+            <a:headEnd/>
+            <a:tailEnd/>
+          </a:ln>
+        </p:spPr>
+        <p:txBody>
+          <a:bodyPr lIns="86493" tIns="43247" rIns="86493" bIns="43247">
+            <a:prstTxWarp prst="textNoShape">
+              <a:avLst/>
+            </a:prstTxWarp>
+          </a:bodyPr>
           <a:lstStyle/>
           <a:p>
             <a:endParaRPr lang="en-US"/>
@@ -976,7 +966,7 @@
     </p:spTree>
     <p:extLst>
       <p:ext uri="{BB962C8B-B14F-4D97-AF65-F5344CB8AC3E}">
-        <p14:creationId xmlns:p14="http://schemas.microsoft.com/office/powerpoint/2010/main" val="631592800"/>
+        <p14:creationId xmlns:p14="http://schemas.microsoft.com/office/powerpoint/2010/main" val="407284675"/>
       </p:ext>
     </p:extLst>
   </p:cSld>
@@ -1020,10 +1010,10 @@
           <a:bodyPr/>
           <a:lstStyle/>
           <a:p>
-            <a:fld id="{9562B47F-899B-2342-91A3-D38E26944293}" type="slidenum">
+            <a:fld id="{3200CEB4-F593-FF44-BB53-3E1E7DBFB938}" type="slidenum">
               <a:rPr lang="en-US" altLang="zh-TW"/>
               <a:pPr/>
-              <a:t>31</a:t>
+              <a:t>27</a:t>
             </a:fld>
             <a:endParaRPr lang="en-US" altLang="zh-TW"/>
           </a:p>
@@ -1031,7 +1021,7 @@
       </p:sp>
       <p:sp>
         <p:nvSpPr>
-          <p:cNvPr id="193538" name="Rectangle 2"/>
+          <p:cNvPr id="192514" name="Rectangle 2"/>
           <p:cNvSpPr>
             <a:spLocks noGrp="1" noRot="1" noChangeAspect="1" noChangeArrowheads="1" noTextEdit="1"/>
           </p:cNvSpPr>
@@ -1045,7 +1035,7 @@
       </p:sp>
       <p:sp>
         <p:nvSpPr>
-          <p:cNvPr id="193539" name="Rectangle 3"/>
+          <p:cNvPr id="192515" name="Rectangle 3"/>
           <p:cNvSpPr>
             <a:spLocks noGrp="1" noChangeArrowheads="1"/>
           </p:cNvSpPr>
@@ -1065,7 +1055,7 @@
     </p:spTree>
     <p:extLst>
       <p:ext uri="{BB962C8B-B14F-4D97-AF65-F5344CB8AC3E}">
-        <p14:creationId xmlns:p14="http://schemas.microsoft.com/office/powerpoint/2010/main" val="1973857807"/>
+        <p14:creationId xmlns:p14="http://schemas.microsoft.com/office/powerpoint/2010/main" val="631592800"/>
       </p:ext>
     </p:extLst>
   </p:cSld>
@@ -1109,10 +1099,10 @@
           <a:bodyPr/>
           <a:lstStyle/>
           <a:p>
-            <a:fld id="{DB474B9C-4CF2-9B4C-A10D-A820951B3541}" type="slidenum">
+            <a:fld id="{9562B47F-899B-2342-91A3-D38E26944293}" type="slidenum">
               <a:rPr lang="en-US" altLang="zh-TW"/>
               <a:pPr/>
-              <a:t>33</a:t>
+              <a:t>28</a:t>
             </a:fld>
             <a:endParaRPr lang="en-US" altLang="zh-TW"/>
           </a:p>
@@ -1120,7 +1110,7 @@
       </p:sp>
       <p:sp>
         <p:nvSpPr>
-          <p:cNvPr id="194562" name="Rectangle 2"/>
+          <p:cNvPr id="193538" name="Rectangle 2"/>
           <p:cNvSpPr>
             <a:spLocks noGrp="1" noRot="1" noChangeAspect="1" noChangeArrowheads="1" noTextEdit="1"/>
           </p:cNvSpPr>
@@ -1134,7 +1124,7 @@
       </p:sp>
       <p:sp>
         <p:nvSpPr>
-          <p:cNvPr id="194563" name="Rectangle 3"/>
+          <p:cNvPr id="193539" name="Rectangle 3"/>
           <p:cNvSpPr>
             <a:spLocks noGrp="1" noChangeArrowheads="1"/>
           </p:cNvSpPr>
@@ -1154,7 +1144,7 @@
     </p:spTree>
     <p:extLst>
       <p:ext uri="{BB962C8B-B14F-4D97-AF65-F5344CB8AC3E}">
-        <p14:creationId xmlns:p14="http://schemas.microsoft.com/office/powerpoint/2010/main" val="797635724"/>
+        <p14:creationId xmlns:p14="http://schemas.microsoft.com/office/powerpoint/2010/main" val="1973857807"/>
       </p:ext>
     </p:extLst>
   </p:cSld>
@@ -1198,10 +1188,10 @@
           <a:bodyPr/>
           <a:lstStyle/>
           <a:p>
-            <a:fld id="{D773E28B-D3D8-F34E-BD2A-B6B4845EF72D}" type="slidenum">
+            <a:fld id="{DB474B9C-4CF2-9B4C-A10D-A820951B3541}" type="slidenum">
               <a:rPr lang="en-US" altLang="zh-TW"/>
               <a:pPr/>
-              <a:t>34</a:t>
+              <a:t>30</a:t>
             </a:fld>
             <a:endParaRPr lang="en-US" altLang="zh-TW"/>
           </a:p>
@@ -1209,7 +1199,7 @@
       </p:sp>
       <p:sp>
         <p:nvSpPr>
-          <p:cNvPr id="195586" name="Rectangle 2"/>
+          <p:cNvPr id="194562" name="Rectangle 2"/>
           <p:cNvSpPr>
             <a:spLocks noGrp="1" noRot="1" noChangeAspect="1" noChangeArrowheads="1" noTextEdit="1"/>
           </p:cNvSpPr>
@@ -1223,7 +1213,7 @@
       </p:sp>
       <p:sp>
         <p:nvSpPr>
-          <p:cNvPr id="195587" name="Rectangle 3"/>
+          <p:cNvPr id="194563" name="Rectangle 3"/>
           <p:cNvSpPr>
             <a:spLocks noGrp="1" noChangeArrowheads="1"/>
           </p:cNvSpPr>
@@ -1243,7 +1233,7 @@
     </p:spTree>
     <p:extLst>
       <p:ext uri="{BB962C8B-B14F-4D97-AF65-F5344CB8AC3E}">
-        <p14:creationId xmlns:p14="http://schemas.microsoft.com/office/powerpoint/2010/main" val="1887494290"/>
+        <p14:creationId xmlns:p14="http://schemas.microsoft.com/office/powerpoint/2010/main" val="797635724"/>
       </p:ext>
     </p:extLst>
   </p:cSld>
@@ -1272,6 +1262,95 @@
       </p:grpSpPr>
       <p:sp>
         <p:nvSpPr>
+          <p:cNvPr id="7" name="Rectangle 7"/>
+          <p:cNvSpPr>
+            <a:spLocks noGrp="1" noChangeArrowheads="1"/>
+          </p:cNvSpPr>
+          <p:nvPr>
+            <p:ph type="sldNum" sz="quarter" idx="5"/>
+          </p:nvPr>
+        </p:nvSpPr>
+        <p:spPr>
+          <a:ln/>
+        </p:spPr>
+        <p:txBody>
+          <a:bodyPr/>
+          <a:lstStyle/>
+          <a:p>
+            <a:fld id="{D773E28B-D3D8-F34E-BD2A-B6B4845EF72D}" type="slidenum">
+              <a:rPr lang="en-US" altLang="zh-TW"/>
+              <a:pPr/>
+              <a:t>31</a:t>
+            </a:fld>
+            <a:endParaRPr lang="en-US" altLang="zh-TW"/>
+          </a:p>
+        </p:txBody>
+      </p:sp>
+      <p:sp>
+        <p:nvSpPr>
+          <p:cNvPr id="195586" name="Rectangle 2"/>
+          <p:cNvSpPr>
+            <a:spLocks noGrp="1" noRot="1" noChangeAspect="1" noChangeArrowheads="1" noTextEdit="1"/>
+          </p:cNvSpPr>
+          <p:nvPr>
+            <p:ph type="sldImg"/>
+          </p:nvPr>
+        </p:nvSpPr>
+        <p:spPr>
+          <a:ln/>
+        </p:spPr>
+      </p:sp>
+      <p:sp>
+        <p:nvSpPr>
+          <p:cNvPr id="195587" name="Rectangle 3"/>
+          <p:cNvSpPr>
+            <a:spLocks noGrp="1" noChangeArrowheads="1"/>
+          </p:cNvSpPr>
+          <p:nvPr>
+            <p:ph type="body" idx="1"/>
+          </p:nvPr>
+        </p:nvSpPr>
+        <p:spPr/>
+        <p:txBody>
+          <a:bodyPr/>
+          <a:lstStyle/>
+          <a:p>
+            <a:endParaRPr lang="en-US"/>
+          </a:p>
+        </p:txBody>
+      </p:sp>
+    </p:spTree>
+    <p:extLst>
+      <p:ext uri="{BB962C8B-B14F-4D97-AF65-F5344CB8AC3E}">
+        <p14:creationId xmlns:p14="http://schemas.microsoft.com/office/powerpoint/2010/main" val="1887494290"/>
+      </p:ext>
+    </p:extLst>
+  </p:cSld>
+  <p:clrMapOvr>
+    <a:masterClrMapping/>
+  </p:clrMapOvr>
+</p:notes>
+</file>
+
+<file path=ppt/notesSlides/notesSlide18.xml><?xml version="1.0" encoding="utf-8"?>
+<p:notes xmlns:a="http://schemas.openxmlformats.org/drawingml/2006/main" xmlns:r="http://schemas.openxmlformats.org/officeDocument/2006/relationships" xmlns:p="http://schemas.openxmlformats.org/presentationml/2006/main">
+  <p:cSld>
+    <p:spTree>
+      <p:nvGrpSpPr>
+        <p:cNvPr id="1" name=""/>
+        <p:cNvGrpSpPr/>
+        <p:nvPr/>
+      </p:nvGrpSpPr>
+      <p:grpSpPr>
+        <a:xfrm>
+          <a:off x="0" y="0"/>
+          <a:ext cx="0" cy="0"/>
+          <a:chOff x="0" y="0"/>
+          <a:chExt cx="0" cy="0"/>
+        </a:xfrm>
+      </p:grpSpPr>
+      <p:sp>
+        <p:nvSpPr>
           <p:cNvPr id="2" name="Slide Image Placeholder 1"/>
           <p:cNvSpPr>
             <a:spLocks noGrp="1" noRot="1" noChangeAspect="1"/>
@@ -1318,7 +1397,7 @@
           <a:p>
             <a:fld id="{C707E107-2591-3E4B-A181-4208A20C2CA6}" type="slidenum">
               <a:rPr lang="en-US" smtClean="0"/>
-              <a:t>40</a:t>
+              <a:t>37</a:t>
             </a:fld>
             <a:endParaRPr lang="en-US"/>
           </a:p>
@@ -1402,7 +1481,7 @@
           <a:p>
             <a:fld id="{A79B791A-E8E9-A447-93FA-B1EE82523E81}" type="slidenum">
               <a:rPr lang="en-US" smtClean="0"/>
-              <a:t>4</a:t>
+              <a:t>3</a:t>
             </a:fld>
             <a:endParaRPr lang="en-US"/>
           </a:p>
@@ -1486,7 +1565,7 @@
           <a:p>
             <a:fld id="{A79B791A-E8E9-A447-93FA-B1EE82523E81}" type="slidenum">
               <a:rPr lang="en-US" smtClean="0"/>
-              <a:t>5</a:t>
+              <a:t>4</a:t>
             </a:fld>
             <a:endParaRPr lang="en-US"/>
           </a:p>
@@ -1570,7 +1649,7 @@
           <a:p>
             <a:fld id="{A79B791A-E8E9-A447-93FA-B1EE82523E81}" type="slidenum">
               <a:rPr lang="en-US" smtClean="0"/>
-              <a:t>6</a:t>
+              <a:t>5</a:t>
             </a:fld>
             <a:endParaRPr lang="en-US"/>
           </a:p>
@@ -1654,7 +1733,7 @@
           <a:p>
             <a:fld id="{A79B791A-E8E9-A447-93FA-B1EE82523E81}" type="slidenum">
               <a:rPr lang="en-US" smtClean="0"/>
-              <a:t>7</a:t>
+              <a:t>6</a:t>
             </a:fld>
             <a:endParaRPr lang="en-US"/>
           </a:p>
@@ -1755,7 +1834,7 @@
           <a:p>
             <a:fld id="{A79B791A-E8E9-A447-93FA-B1EE82523E81}" type="slidenum">
               <a:rPr lang="en-US" smtClean="0"/>
-              <a:t>9</a:t>
+              <a:t>7</a:t>
             </a:fld>
             <a:endParaRPr lang="en-US"/>
           </a:p>
@@ -1764,7 +1843,7 @@
     </p:spTree>
     <p:extLst>
       <p:ext uri="{BB962C8B-B14F-4D97-AF65-F5344CB8AC3E}">
-        <p14:creationId xmlns:p14="http://schemas.microsoft.com/office/powerpoint/2010/main" val="2075024795"/>
+        <p14:creationId xmlns:p14="http://schemas.microsoft.com/office/powerpoint/2010/main" val="1866905154"/>
       </p:ext>
     </p:extLst>
   </p:cSld>
@@ -1829,17 +1908,17 @@
             <a:spLocks noGrp="1"/>
           </p:cNvSpPr>
           <p:nvPr>
-            <p:ph type="sldNum" sz="quarter" idx="10"/>
-          </p:nvPr>
-        </p:nvSpPr>
-        <p:spPr/>
-        <p:txBody>
-          <a:bodyPr/>
-          <a:lstStyle/>
-          <a:p>
-            <a:fld id="{A79B791A-E8E9-A447-93FA-B1EE82523E81}" type="slidenum">
+            <p:ph type="sldNum" sz="quarter" idx="5"/>
+          </p:nvPr>
+        </p:nvSpPr>
+        <p:spPr/>
+        <p:txBody>
+          <a:bodyPr/>
+          <a:lstStyle/>
+          <a:p>
+            <a:fld id="{C707E107-2591-3E4B-A181-4208A20C2CA6}" type="slidenum">
               <a:rPr lang="en-US" smtClean="0"/>
-              <a:t>14</a:t>
+              <a:t>8</a:t>
             </a:fld>
             <a:endParaRPr lang="en-US"/>
           </a:p>
@@ -1848,7 +1927,7 @@
     </p:spTree>
     <p:extLst>
       <p:ext uri="{BB962C8B-B14F-4D97-AF65-F5344CB8AC3E}">
-        <p14:creationId xmlns:p14="http://schemas.microsoft.com/office/powerpoint/2010/main" val="3732737950"/>
+        <p14:creationId xmlns:p14="http://schemas.microsoft.com/office/powerpoint/2010/main" val="2445811941"/>
       </p:ext>
     </p:extLst>
   </p:cSld>
@@ -1902,9 +1981,7 @@
           <a:bodyPr/>
           <a:lstStyle/>
           <a:p>
-            <a:endParaRPr lang="en-US" baseline="0" dirty="0">
-              <a:effectLst/>
-            </a:endParaRPr>
+            <a:endParaRPr lang="en-US" dirty="0"/>
           </a:p>
         </p:txBody>
       </p:sp>
@@ -1925,7 +2002,7 @@
           <a:p>
             <a:fld id="{A79B791A-E8E9-A447-93FA-B1EE82523E81}" type="slidenum">
               <a:rPr lang="en-US" smtClean="0"/>
-              <a:t>15</a:t>
+              <a:t>11</a:t>
             </a:fld>
             <a:endParaRPr lang="en-US"/>
           </a:p>
@@ -1934,7 +2011,7 @@
     </p:spTree>
     <p:extLst>
       <p:ext uri="{BB962C8B-B14F-4D97-AF65-F5344CB8AC3E}">
-        <p14:creationId xmlns:p14="http://schemas.microsoft.com/office/powerpoint/2010/main" val="1331044461"/>
+        <p14:creationId xmlns:p14="http://schemas.microsoft.com/office/powerpoint/2010/main" val="3732737950"/>
       </p:ext>
     </p:extLst>
   </p:cSld>
@@ -1988,7 +2065,9 @@
           <a:bodyPr/>
           <a:lstStyle/>
           <a:p>
-            <a:endParaRPr lang="en-US" dirty="0"/>
+            <a:endParaRPr lang="en-US" baseline="0" dirty="0">
+              <a:effectLst/>
+            </a:endParaRPr>
           </a:p>
         </p:txBody>
       </p:sp>
@@ -2009,7 +2088,7 @@
           <a:p>
             <a:fld id="{A79B791A-E8E9-A447-93FA-B1EE82523E81}" type="slidenum">
               <a:rPr lang="en-US" smtClean="0"/>
-              <a:t>16</a:t>
+              <a:t>12</a:t>
             </a:fld>
             <a:endParaRPr lang="en-US"/>
           </a:p>
@@ -2018,7 +2097,7 @@
     </p:spTree>
     <p:extLst>
       <p:ext uri="{BB962C8B-B14F-4D97-AF65-F5344CB8AC3E}">
-        <p14:creationId xmlns:p14="http://schemas.microsoft.com/office/powerpoint/2010/main" val="4210517392"/>
+        <p14:creationId xmlns:p14="http://schemas.microsoft.com/office/powerpoint/2010/main" val="1331044461"/>
       </p:ext>
     </p:extLst>
   </p:cSld>
@@ -2207,7 +2286,7 @@
           <a:p>
             <a:fld id="{45A2A569-92BD-D746-9E43-07CD8FB535A8}" type="datetimeFigureOut">
               <a:rPr lang="en-US" smtClean="0"/>
-              <a:t>11/9/20</a:t>
+              <a:t>12/23/20</a:t>
             </a:fld>
             <a:endParaRPr lang="en-US"/>
           </a:p>
@@ -2375,7 +2454,7 @@
           <a:p>
             <a:fld id="{45A2A569-92BD-D746-9E43-07CD8FB535A8}" type="datetimeFigureOut">
               <a:rPr lang="en-US" smtClean="0"/>
-              <a:t>11/9/20</a:t>
+              <a:t>12/23/20</a:t>
             </a:fld>
             <a:endParaRPr lang="en-US"/>
           </a:p>
@@ -2553,7 +2632,7 @@
           <a:p>
             <a:fld id="{45A2A569-92BD-D746-9E43-07CD8FB535A8}" type="datetimeFigureOut">
               <a:rPr lang="en-US" smtClean="0"/>
-              <a:t>11/9/20</a:t>
+              <a:t>12/23/20</a:t>
             </a:fld>
             <a:endParaRPr lang="en-US"/>
           </a:p>
@@ -2721,7 +2800,7 @@
           <a:p>
             <a:fld id="{45A2A569-92BD-D746-9E43-07CD8FB535A8}" type="datetimeFigureOut">
               <a:rPr lang="en-US" smtClean="0"/>
-              <a:t>11/9/20</a:t>
+              <a:t>12/23/20</a:t>
             </a:fld>
             <a:endParaRPr lang="en-US"/>
           </a:p>
@@ -2966,7 +3045,7 @@
           <a:p>
             <a:fld id="{45A2A569-92BD-D746-9E43-07CD8FB535A8}" type="datetimeFigureOut">
               <a:rPr lang="en-US" smtClean="0"/>
-              <a:t>11/9/20</a:t>
+              <a:t>12/23/20</a:t>
             </a:fld>
             <a:endParaRPr lang="en-US"/>
           </a:p>
@@ -3251,7 +3330,7 @@
           <a:p>
             <a:fld id="{45A2A569-92BD-D746-9E43-07CD8FB535A8}" type="datetimeFigureOut">
               <a:rPr lang="en-US" smtClean="0"/>
-              <a:t>11/9/20</a:t>
+              <a:t>12/23/20</a:t>
             </a:fld>
             <a:endParaRPr lang="en-US"/>
           </a:p>
@@ -3670,7 +3749,7 @@
           <a:p>
             <a:fld id="{45A2A569-92BD-D746-9E43-07CD8FB535A8}" type="datetimeFigureOut">
               <a:rPr lang="en-US" smtClean="0"/>
-              <a:t>11/9/20</a:t>
+              <a:t>12/23/20</a:t>
             </a:fld>
             <a:endParaRPr lang="en-US"/>
           </a:p>
@@ -3787,7 +3866,7 @@
           <a:p>
             <a:fld id="{45A2A569-92BD-D746-9E43-07CD8FB535A8}" type="datetimeFigureOut">
               <a:rPr lang="en-US" smtClean="0"/>
-              <a:t>11/9/20</a:t>
+              <a:t>12/23/20</a:t>
             </a:fld>
             <a:endParaRPr lang="en-US"/>
           </a:p>
@@ -3882,7 +3961,7 @@
           <a:p>
             <a:fld id="{45A2A569-92BD-D746-9E43-07CD8FB535A8}" type="datetimeFigureOut">
               <a:rPr lang="en-US" smtClean="0"/>
-              <a:t>11/9/20</a:t>
+              <a:t>12/23/20</a:t>
             </a:fld>
             <a:endParaRPr lang="en-US"/>
           </a:p>
@@ -4157,7 +4236,7 @@
           <a:p>
             <a:fld id="{45A2A569-92BD-D746-9E43-07CD8FB535A8}" type="datetimeFigureOut">
               <a:rPr lang="en-US" smtClean="0"/>
-              <a:t>11/9/20</a:t>
+              <a:t>12/23/20</a:t>
             </a:fld>
             <a:endParaRPr lang="en-US"/>
           </a:p>
@@ -4409,7 +4488,7 @@
           <a:p>
             <a:fld id="{45A2A569-92BD-D746-9E43-07CD8FB535A8}" type="datetimeFigureOut">
               <a:rPr lang="en-US" smtClean="0"/>
-              <a:t>11/9/20</a:t>
+              <a:t>12/23/20</a:t>
             </a:fld>
             <a:endParaRPr lang="en-US"/>
           </a:p>
@@ -4620,7 +4699,7 @@
           <a:p>
             <a:fld id="{45A2A569-92BD-D746-9E43-07CD8FB535A8}" type="datetimeFigureOut">
               <a:rPr lang="en-US" smtClean="0"/>
-              <a:t>11/9/20</a:t>
+              <a:t>12/23/20</a:t>
             </a:fld>
             <a:endParaRPr lang="en-US"/>
           </a:p>
@@ -4997,92 +5076,53 @@
       </p:grpSpPr>
       <p:sp>
         <p:nvSpPr>
-          <p:cNvPr id="2" name="Title 1">
-            <a:extLst>
-              <a:ext uri="{FF2B5EF4-FFF2-40B4-BE49-F238E27FC236}">
-                <a16:creationId xmlns:a16="http://schemas.microsoft.com/office/drawing/2014/main" id="{DE30857E-E10A-8D4A-AFF1-94C8968E8DC1}"/>
-              </a:ext>
-            </a:extLst>
-          </p:cNvPr>
-          <p:cNvSpPr>
-            <a:spLocks noGrp="1"/>
-          </p:cNvSpPr>
-          <p:nvPr>
-            <p:ph type="title"/>
-          </p:nvPr>
-        </p:nvSpPr>
-        <p:spPr/>
-        <p:txBody>
-          <a:bodyPr/>
+          <p:cNvPr id="2" name="Title 1"/>
+          <p:cNvSpPr>
+            <a:spLocks noGrp="1"/>
+          </p:cNvSpPr>
+          <p:nvPr>
+            <p:ph type="ctrTitle"/>
+          </p:nvPr>
+        </p:nvSpPr>
+        <p:spPr/>
+        <p:txBody>
+          <a:bodyPr>
+            <a:normAutofit fontScale="90000"/>
+          </a:bodyPr>
           <a:lstStyle/>
           <a:p>
             <a:r>
               <a:rPr lang="en-US" dirty="0"/>
-              <a:t>Our Cognitive Rehab Journey</a:t>
-            </a:r>
-          </a:p>
-        </p:txBody>
-      </p:sp>
-      <p:sp>
-        <p:nvSpPr>
-          <p:cNvPr id="3" name="Content Placeholder 2">
-            <a:extLst>
-              <a:ext uri="{FF2B5EF4-FFF2-40B4-BE49-F238E27FC236}">
-                <a16:creationId xmlns:a16="http://schemas.microsoft.com/office/drawing/2014/main" id="{8C126CCD-6A80-EC45-8C5C-653288944456}"/>
-              </a:ext>
-            </a:extLst>
-          </p:cNvPr>
-          <p:cNvSpPr>
-            <a:spLocks noGrp="1"/>
-          </p:cNvSpPr>
-          <p:nvPr>
-            <p:ph idx="1"/>
-          </p:nvPr>
-        </p:nvSpPr>
-        <p:spPr/>
-        <p:txBody>
-          <a:bodyPr>
-            <a:normAutofit fontScale="92500"/>
-          </a:bodyPr>
-          <a:lstStyle/>
-          <a:p>
-            <a:r>
+              <a:t>Memory:</a:t>
+            </a:r>
+            <a:br>
               <a:rPr lang="en-US" dirty="0"/>
-              <a:t>Fundamentals: etiologies; types of impairments; treatment frameworks; assessment frameworks</a:t>
-            </a:r>
-          </a:p>
-          <a:p>
+            </a:br>
             <a:r>
               <a:rPr lang="en-US" dirty="0"/>
-              <a:t>Cognitive Domains/Therapy Approaches</a:t>
-            </a:r>
-          </a:p>
-          <a:p>
-            <a:pPr lvl="1"/>
+              <a:t> Theory, Assessment and Treatment</a:t>
+            </a:r>
+          </a:p>
+        </p:txBody>
+      </p:sp>
+      <p:sp>
+        <p:nvSpPr>
+          <p:cNvPr id="3" name="Subtitle 2"/>
+          <p:cNvSpPr>
+            <a:spLocks noGrp="1"/>
+          </p:cNvSpPr>
+          <p:nvPr>
+            <p:ph type="subTitle" idx="1"/>
+          </p:nvPr>
+        </p:nvSpPr>
+        <p:spPr/>
+        <p:txBody>
+          <a:bodyPr/>
+          <a:lstStyle/>
+          <a:p>
             <a:r>
               <a:rPr lang="en-US" dirty="0"/>
-              <a:t>All Domains/Training ATC using principles of systematic instruction</a:t>
-            </a:r>
-          </a:p>
-          <a:p>
-            <a:pPr lvl="1"/>
-            <a:r>
-              <a:rPr lang="en-US" dirty="0"/>
-              <a:t>Attention/Training Direct Cognitive Processes (DAT)</a:t>
-            </a:r>
-          </a:p>
-          <a:p>
-            <a:pPr lvl="1"/>
-            <a:r>
-              <a:rPr lang="en-US" dirty="0"/>
-              <a:t>Memory/Task Specific Training + (Spaced Retrieval)</a:t>
-            </a:r>
-          </a:p>
-          <a:p>
-            <a:pPr lvl="1"/>
-            <a:r>
-              <a:rPr lang="en-US" dirty="0"/>
-              <a:t>Executive Functions/Cognitive Strategy Training using principles of systematic instruction</a:t>
+              <a:t>Winter 2021</a:t>
             </a:r>
           </a:p>
         </p:txBody>
@@ -5090,7 +5130,7 @@
     </p:spTree>
     <p:extLst>
       <p:ext uri="{BB962C8B-B14F-4D97-AF65-F5344CB8AC3E}">
-        <p14:creationId xmlns:p14="http://schemas.microsoft.com/office/powerpoint/2010/main" val="799246382"/>
+        <p14:creationId xmlns:p14="http://schemas.microsoft.com/office/powerpoint/2010/main" val="3390273943"/>
       </p:ext>
     </p:extLst>
   </p:cSld>
@@ -5119,9 +5159,9 @@
       </p:grpSpPr>
       <p:sp>
         <p:nvSpPr>
-          <p:cNvPr id="21506" name="Rectangle 2"/>
-          <p:cNvSpPr>
-            <a:spLocks noGrp="1" noChangeArrowheads="1"/>
+          <p:cNvPr id="25601" name="Title 1"/>
+          <p:cNvSpPr>
+            <a:spLocks noGrp="1"/>
           </p:cNvSpPr>
           <p:nvPr>
             <p:ph type="title"/>
@@ -5129,16 +5169,12 @@
         </p:nvSpPr>
         <p:spPr/>
         <p:txBody>
-          <a:bodyPr>
-            <a:normAutofit/>
-          </a:bodyPr>
-          <a:lstStyle/>
-          <a:p>
-            <a:pPr eaLnBrk="1" hangingPunct="1">
-              <a:defRPr/>
-            </a:pPr>
-            <a:r>
-              <a:rPr lang="en-US" sz="3000">
+          <a:bodyPr/>
+          <a:lstStyle/>
+          <a:p>
+            <a:pPr eaLnBrk="1" hangingPunct="1"/>
+            <a:r>
+              <a:rPr lang="en-US">
                 <a:solidFill>
                   <a:srgbClr val="7B9899"/>
                 </a:solidFill>
@@ -5146,37 +5182,16 @@
                 <a:ea typeface="ＭＳ Ｐゴシック" charset="0"/>
                 <a:cs typeface="ＭＳ Ｐゴシック" charset="0"/>
               </a:rPr>
-              <a:t>Types of memory</a:t>
-            </a:r>
-            <a:br>
-              <a:rPr lang="en-US" sz="3000">
-                <a:solidFill>
-                  <a:srgbClr val="7B9899"/>
-                </a:solidFill>
-                <a:latin typeface="Georgia" charset="0"/>
-                <a:ea typeface="ＭＳ Ｐゴシック" charset="0"/>
-                <a:cs typeface="ＭＳ Ｐゴシック" charset="0"/>
-              </a:rPr>
-            </a:br>
-            <a:r>
-              <a:rPr lang="en-US" sz="3000">
-                <a:solidFill>
-                  <a:srgbClr val="7B9899"/>
-                </a:solidFill>
-                <a:latin typeface="Georgia" charset="0"/>
-                <a:ea typeface="ＭＳ Ｐゴシック" charset="0"/>
-                <a:cs typeface="ＭＳ Ｐゴシック" charset="0"/>
-              </a:rPr>
-              <a:t>Everyday memory</a:t>
-            </a:r>
-          </a:p>
-        </p:txBody>
-      </p:sp>
-      <p:sp>
-        <p:nvSpPr>
-          <p:cNvPr id="23554" name="Rectangle 3"/>
-          <p:cNvSpPr>
-            <a:spLocks noGrp="1" noChangeArrowheads="1"/>
+              <a:t>Posttraumatic amnesia</a:t>
+            </a:r>
+          </a:p>
+        </p:txBody>
+      </p:sp>
+      <p:sp>
+        <p:nvSpPr>
+          <p:cNvPr id="25602" name="Content Placeholder 2"/>
+          <p:cNvSpPr>
+            <a:spLocks noGrp="1"/>
           </p:cNvSpPr>
           <p:nvPr>
             <p:ph sz="quarter" idx="1"/>
@@ -5192,14 +5207,13 @@
           <a:bodyPr/>
           <a:lstStyle/>
           <a:p>
-            <a:pPr eaLnBrk="1" hangingPunct="1"/>
+            <a:pPr lvl="1" eaLnBrk="1" hangingPunct="1"/>
             <a:r>
               <a:rPr lang="en-US">
                 <a:latin typeface="Georgia" charset="0"/>
                 <a:ea typeface="ＭＳ Ｐゴシック" charset="0"/>
-                <a:cs typeface="ＭＳ Ｐゴシック" charset="0"/>
-              </a:rPr>
-              <a:t>Prospective memory</a:t>
+              </a:rPr>
+              <a:t>Difficulty forming new memories</a:t>
             </a:r>
           </a:p>
           <a:p>
@@ -5209,50 +5223,23 @@
                 <a:latin typeface="Georgia" charset="0"/>
                 <a:ea typeface="ＭＳ Ｐゴシック" charset="0"/>
               </a:rPr>
-              <a:t>Remembering to carry out intended action in the absence of explicit reminder to do so</a:t>
-            </a:r>
-          </a:p>
-          <a:p>
-            <a:pPr lvl="1" eaLnBrk="1" hangingPunct="1"/>
-            <a:r>
-              <a:rPr lang="en-US">
-                <a:latin typeface="Georgia" charset="0"/>
-                <a:ea typeface="ＭＳ Ｐゴシック" charset="0"/>
-              </a:rPr>
-              <a:t>Event-based vs. Time based prospective memory</a:t>
+              <a:t>Tends to gradually improve</a:t>
             </a:r>
           </a:p>
           <a:p>
             <a:pPr eaLnBrk="1" hangingPunct="1"/>
-            <a:r>
-              <a:rPr lang="en-US">
-                <a:latin typeface="Georgia" charset="0"/>
-                <a:ea typeface="ＭＳ Ｐゴシック" charset="0"/>
-                <a:cs typeface="ＭＳ Ｐゴシック" charset="0"/>
-              </a:rPr>
-              <a:t>Metamemory</a:t>
-            </a:r>
-          </a:p>
-          <a:p>
-            <a:pPr eaLnBrk="1" hangingPunct="1">
-              <a:buFontTx/>
-              <a:buNone/>
-            </a:pPr>
-            <a:r>
-              <a:rPr lang="en-US">
-                <a:latin typeface="Georgia" charset="0"/>
-                <a:ea typeface="ＭＳ Ｐゴシック" charset="0"/>
-                <a:cs typeface="ＭＳ Ｐゴシック" charset="0"/>
-              </a:rPr>
-              <a:t>(What are these; what brain systems do you think they might be dependent upon?)</a:t>
-            </a:r>
+            <a:endParaRPr lang="en-US">
+              <a:latin typeface="Georgia" charset="0"/>
+              <a:ea typeface="ＭＳ Ｐゴシック" charset="0"/>
+              <a:cs typeface="ＭＳ Ｐゴシック" charset="0"/>
+            </a:endParaRPr>
           </a:p>
         </p:txBody>
       </p:sp>
     </p:spTree>
     <p:extLst>
       <p:ext uri="{BB962C8B-B14F-4D97-AF65-F5344CB8AC3E}">
-        <p14:creationId xmlns:p14="http://schemas.microsoft.com/office/powerpoint/2010/main" val="2706694000"/>
+        <p14:creationId xmlns:p14="http://schemas.microsoft.com/office/powerpoint/2010/main" val="682495200"/>
       </p:ext>
     </p:extLst>
   </p:cSld>
@@ -5296,7 +5283,7 @@
           <a:p>
             <a:r>
               <a:rPr lang="en-US" dirty="0"/>
-              <a:t>Prospective Memory Intervention</a:t>
+              <a:t>Why is memory theory important?</a:t>
             </a:r>
           </a:p>
         </p:txBody>
@@ -5313,43 +5300,36 @@
         </p:nvSpPr>
         <p:spPr/>
         <p:txBody>
-          <a:bodyPr/>
+          <a:bodyPr>
+            <a:normAutofit/>
+          </a:bodyPr>
           <a:lstStyle/>
           <a:p>
             <a:r>
               <a:rPr lang="en-US" dirty="0"/>
-              <a:t>Shum and colleagues evaluated several approaches for treating prospective memory impairments what were they?</a:t>
+              <a:t>We want to strengthen encoding, consolidation and storage.</a:t>
             </a:r>
           </a:p>
           <a:p>
             <a:r>
               <a:rPr lang="en-US" dirty="0"/>
-              <a:t>Your turn: </a:t>
+              <a:t>Instructional techniques can emphasize procedural memory pathways in those whose declarative memory pathways are damaged.</a:t>
             </a:r>
           </a:p>
           <a:p>
             <a:pPr lvl="1"/>
             <a:r>
               <a:rPr lang="en-US" dirty="0"/>
-              <a:t>In five minutes clap your hands (5 min time based pm task)</a:t>
-            </a:r>
-          </a:p>
-          <a:p>
-            <a:pPr lvl="1"/>
+              <a:t>Sohlberg &amp; </a:t>
+            </a:r>
+            <a:r>
+              <a:rPr lang="en-US" dirty="0" err="1"/>
+              <a:t>Turkstra</a:t>
+            </a:r>
             <a:r>
               <a:rPr lang="en-US" dirty="0"/>
-              <a:t>When you return to your seat after the break, compliment someone at your table </a:t>
-            </a:r>
-            <a:r>
-              <a:rPr lang="en-US"/>
-              <a:t>(event based task)</a:t>
-            </a:r>
-          </a:p>
-          <a:p>
-            <a:pPr marL="457200" lvl="1" indent="0">
-              <a:buNone/>
-            </a:pPr>
-            <a:endParaRPr lang="en-US" dirty="0"/>
+              <a:t> text provides map to do this</a:t>
+            </a:r>
           </a:p>
           <a:p>
             <a:endParaRPr lang="en-US" dirty="0"/>
@@ -5359,7 +5339,7 @@
     </p:spTree>
     <p:extLst>
       <p:ext uri="{BB962C8B-B14F-4D97-AF65-F5344CB8AC3E}">
-        <p14:creationId xmlns:p14="http://schemas.microsoft.com/office/powerpoint/2010/main" val="731505375"/>
+        <p14:creationId xmlns:p14="http://schemas.microsoft.com/office/powerpoint/2010/main" val="2484300024"/>
       </p:ext>
     </p:extLst>
   </p:cSld>
@@ -5388,9 +5368,9 @@
       </p:grpSpPr>
       <p:sp>
         <p:nvSpPr>
-          <p:cNvPr id="24577" name="Rectangle 2"/>
-          <p:cNvSpPr>
-            <a:spLocks noGrp="1" noChangeArrowheads="1"/>
+          <p:cNvPr id="9" name="Title 8"/>
+          <p:cNvSpPr>
+            <a:spLocks noGrp="1"/>
           </p:cNvSpPr>
           <p:nvPr>
             <p:ph type="title"/>
@@ -5401,26 +5381,21 @@
           <a:bodyPr/>
           <a:lstStyle/>
           <a:p>
-            <a:pPr eaLnBrk="1" hangingPunct="1"/>
-            <a:r>
-              <a:rPr lang="en-US">
-                <a:solidFill>
-                  <a:srgbClr val="7B9899"/>
-                </a:solidFill>
-                <a:latin typeface="Georgia" charset="0"/>
-                <a:ea typeface="ＭＳ Ｐゴシック" charset="0"/>
-                <a:cs typeface="ＭＳ Ｐゴシック" charset="0"/>
-              </a:rPr>
-              <a:t>Amnesia Terms</a:t>
-            </a:r>
-          </a:p>
-        </p:txBody>
-      </p:sp>
-      <p:sp>
-        <p:nvSpPr>
-          <p:cNvPr id="24578" name="Rectangle 3"/>
-          <p:cNvSpPr>
-            <a:spLocks noGrp="1" noChangeArrowheads="1"/>
+            <a:pPr>
+              <a:defRPr/>
+            </a:pPr>
+            <a:r>
+              <a:rPr lang="en-US" dirty="0"/>
+              <a:t>Learning is enhanced when…</a:t>
+            </a:r>
+          </a:p>
+        </p:txBody>
+      </p:sp>
+      <p:sp>
+        <p:nvSpPr>
+          <p:cNvPr id="21506" name="Content Placeholder 9"/>
+          <p:cNvSpPr>
+            <a:spLocks noGrp="1"/>
           </p:cNvSpPr>
           <p:nvPr>
             <p:ph sz="quarter" idx="1"/>
@@ -5443,17 +5418,7 @@
                 <a:ea typeface="ＭＳ Ｐゴシック" charset="0"/>
                 <a:cs typeface="ＭＳ Ｐゴシック" charset="0"/>
               </a:rPr>
-              <a:t>Anterograde amnesia</a:t>
-            </a:r>
-          </a:p>
-          <a:p>
-            <a:pPr lvl="1" eaLnBrk="1" hangingPunct="1"/>
-            <a:r>
-              <a:rPr lang="en-US">
-                <a:latin typeface="Georgia" charset="0"/>
-                <a:ea typeface="ＭＳ Ｐゴシック" charset="0"/>
-              </a:rPr>
-              <a:t>Problem with encoding, storing or retrieving information that can be used in the future</a:t>
+              <a:t>Deeper levels of processing are activated</a:t>
             </a:r>
           </a:p>
           <a:p>
@@ -5464,70 +5429,36 @@
                 <a:ea typeface="ＭＳ Ｐゴシック" charset="0"/>
                 <a:cs typeface="ＭＳ Ｐゴシック" charset="0"/>
               </a:rPr>
-              <a:t>Retrograde amnesia</a:t>
-            </a:r>
-          </a:p>
-          <a:p>
-            <a:pPr lvl="1" eaLnBrk="1" hangingPunct="1"/>
+              <a:t>Material is elaborated</a:t>
+            </a:r>
+          </a:p>
+          <a:p>
+            <a:pPr eaLnBrk="1" hangingPunct="1">
+              <a:buFontTx/>
+              <a:buNone/>
+            </a:pPr>
             <a:r>
               <a:rPr lang="en-US">
                 <a:latin typeface="Georgia" charset="0"/>
                 <a:ea typeface="ＭＳ Ｐゴシック" charset="0"/>
-              </a:rPr>
-              <a:t>Loss of access to events that happened in the past, typically before the onset of the disease</a:t>
-            </a:r>
-          </a:p>
-          <a:p>
-            <a:pPr lvl="1" eaLnBrk="1" hangingPunct="1"/>
-            <a:r>
-              <a:rPr lang="en-US">
-                <a:latin typeface="Georgia" charset="0"/>
-                <a:ea typeface="ＭＳ Ｐゴシック" charset="0"/>
-              </a:rPr>
-              <a:t> Can occur on a gradient </a:t>
-            </a:r>
-            <a:r>
-              <a:rPr lang="ja-JP" altLang="en-US">
-                <a:latin typeface="Georgia" charset="0"/>
-                <a:ea typeface="ＭＳ Ｐゴシック" charset="0"/>
-              </a:rPr>
-              <a:t>“</a:t>
-            </a:r>
-            <a:r>
-              <a:rPr lang="en-US" altLang="ja-JP">
-                <a:latin typeface="Georgia" charset="0"/>
-                <a:ea typeface="ＭＳ Ｐゴシック" charset="0"/>
-              </a:rPr>
-              <a:t>shrinking RA</a:t>
-            </a:r>
-            <a:r>
-              <a:rPr lang="ja-JP" altLang="en-US">
-                <a:latin typeface="Georgia" charset="0"/>
-                <a:ea typeface="ＭＳ Ｐゴシック" charset="0"/>
-              </a:rPr>
-              <a:t>”</a:t>
-            </a:r>
-            <a:endParaRPr lang="en-US" altLang="ja-JP">
+                <a:cs typeface="ＭＳ Ｐゴシック" charset="0"/>
+              </a:rPr>
+              <a:t>This increases the number of potential routes to retrieval..</a:t>
+            </a:r>
+          </a:p>
+          <a:p>
+            <a:endParaRPr lang="en-US">
               <a:latin typeface="Georgia" charset="0"/>
               <a:ea typeface="ＭＳ Ｐゴシック" charset="0"/>
+              <a:cs typeface="ＭＳ Ｐゴシック" charset="0"/>
             </a:endParaRPr>
-          </a:p>
-          <a:p>
-            <a:pPr lvl="1" eaLnBrk="1" hangingPunct="1"/>
-            <a:r>
-              <a:rPr lang="en-US">
-                <a:latin typeface="Georgia" charset="0"/>
-                <a:ea typeface="ＭＳ Ｐゴシック" charset="0"/>
-              </a:rPr>
-              <a:t>Often co-occurs with anterograde amnesia</a:t>
-            </a:r>
           </a:p>
         </p:txBody>
       </p:sp>
     </p:spTree>
     <p:extLst>
       <p:ext uri="{BB962C8B-B14F-4D97-AF65-F5344CB8AC3E}">
-        <p14:creationId xmlns:p14="http://schemas.microsoft.com/office/powerpoint/2010/main" val="468996438"/>
+        <p14:creationId xmlns:p14="http://schemas.microsoft.com/office/powerpoint/2010/main" val="3580081838"/>
       </p:ext>
     </p:extLst>
   </p:cSld>
@@ -5556,9 +5487,9 @@
       </p:grpSpPr>
       <p:sp>
         <p:nvSpPr>
-          <p:cNvPr id="25601" name="Title 1"/>
-          <p:cNvSpPr>
-            <a:spLocks noGrp="1"/>
+          <p:cNvPr id="26625" name="Rectangle 2"/>
+          <p:cNvSpPr>
+            <a:spLocks noGrp="1" noChangeArrowheads="1"/>
           </p:cNvSpPr>
           <p:nvPr>
             <p:ph type="title"/>
@@ -5579,16 +5510,16 @@
                 <a:ea typeface="ＭＳ Ｐゴシック" charset="0"/>
                 <a:cs typeface="ＭＳ Ｐゴシック" charset="0"/>
               </a:rPr>
-              <a:t>Posttraumatic amnesia</a:t>
-            </a:r>
-          </a:p>
-        </p:txBody>
-      </p:sp>
-      <p:sp>
-        <p:nvSpPr>
-          <p:cNvPr id="25602" name="Content Placeholder 2"/>
-          <p:cNvSpPr>
-            <a:spLocks noGrp="1"/>
+              <a:t>What Makes Memories Last?</a:t>
+            </a:r>
+          </a:p>
+        </p:txBody>
+      </p:sp>
+      <p:sp>
+        <p:nvSpPr>
+          <p:cNvPr id="26626" name="Rectangle 3"/>
+          <p:cNvSpPr>
+            <a:spLocks noGrp="1" noChangeArrowheads="1"/>
           </p:cNvSpPr>
           <p:nvPr>
             <p:ph sz="quarter" idx="1"/>
@@ -5604,28 +5535,147 @@
           <a:bodyPr/>
           <a:lstStyle/>
           <a:p>
-            <a:pPr lvl="1" eaLnBrk="1" hangingPunct="1"/>
-            <a:r>
-              <a:rPr lang="en-US">
+            <a:pPr eaLnBrk="1" hangingPunct="1">
+              <a:lnSpc>
+                <a:spcPct val="80000"/>
+              </a:lnSpc>
+            </a:pPr>
+            <a:r>
+              <a:rPr lang="en-US" sz="2800" dirty="0">
                 <a:latin typeface="Georgia" charset="0"/>
                 <a:ea typeface="ＭＳ Ｐゴシック" charset="0"/>
-              </a:rPr>
-              <a:t>Difficulty forming new memories</a:t>
-            </a:r>
-          </a:p>
-          <a:p>
-            <a:pPr lvl="1" eaLnBrk="1" hangingPunct="1"/>
-            <a:r>
-              <a:rPr lang="en-US">
+                <a:cs typeface="ＭＳ Ｐゴシック" charset="0"/>
+              </a:rPr>
+              <a:t>Self-relevance</a:t>
+            </a:r>
+          </a:p>
+          <a:p>
+            <a:pPr eaLnBrk="1" hangingPunct="1">
+              <a:lnSpc>
+                <a:spcPct val="80000"/>
+              </a:lnSpc>
+            </a:pPr>
+            <a:r>
+              <a:rPr lang="en-US" sz="2800" dirty="0">
                 <a:latin typeface="Georgia" charset="0"/>
                 <a:ea typeface="ＭＳ Ｐゴシック" charset="0"/>
-              </a:rPr>
-              <a:t>Tends to gradually improve</a:t>
-            </a:r>
-          </a:p>
-          <a:p>
-            <a:pPr eaLnBrk="1" hangingPunct="1"/>
-            <a:endParaRPr lang="en-US">
+                <a:cs typeface="ＭＳ Ｐゴシック" charset="0"/>
+              </a:rPr>
+              <a:t>Reactivation pattern</a:t>
+            </a:r>
+          </a:p>
+          <a:p>
+            <a:pPr eaLnBrk="1" hangingPunct="1">
+              <a:lnSpc>
+                <a:spcPct val="80000"/>
+              </a:lnSpc>
+            </a:pPr>
+            <a:r>
+              <a:rPr lang="en-US" sz="2800" dirty="0">
+                <a:latin typeface="Georgia" charset="0"/>
+                <a:ea typeface="ＭＳ Ｐゴシック" charset="0"/>
+                <a:cs typeface="ＭＳ Ｐゴシック" charset="0"/>
+              </a:rPr>
+              <a:t>Cognitive significance</a:t>
+            </a:r>
+          </a:p>
+          <a:p>
+            <a:pPr eaLnBrk="1" hangingPunct="1">
+              <a:lnSpc>
+                <a:spcPct val="80000"/>
+              </a:lnSpc>
+            </a:pPr>
+            <a:r>
+              <a:rPr lang="en-US" sz="2800" dirty="0">
+                <a:latin typeface="Georgia" charset="0"/>
+                <a:ea typeface="ＭＳ Ｐゴシック" charset="0"/>
+                <a:cs typeface="ＭＳ Ｐゴシック" charset="0"/>
+              </a:rPr>
+              <a:t>Sensory diversity</a:t>
+            </a:r>
+          </a:p>
+          <a:p>
+            <a:pPr eaLnBrk="1" hangingPunct="1">
+              <a:lnSpc>
+                <a:spcPct val="80000"/>
+              </a:lnSpc>
+            </a:pPr>
+            <a:r>
+              <a:rPr lang="en-US" sz="2800" dirty="0">
+                <a:latin typeface="Georgia" charset="0"/>
+                <a:ea typeface="ＭＳ Ｐゴシック" charset="0"/>
+                <a:cs typeface="ＭＳ Ｐゴシック" charset="0"/>
+              </a:rPr>
+              <a:t>Distinctiveness</a:t>
+            </a:r>
+          </a:p>
+          <a:p>
+            <a:pPr eaLnBrk="1" hangingPunct="1">
+              <a:lnSpc>
+                <a:spcPct val="80000"/>
+              </a:lnSpc>
+            </a:pPr>
+            <a:r>
+              <a:rPr lang="en-US" sz="2800" dirty="0">
+                <a:latin typeface="Georgia" charset="0"/>
+                <a:ea typeface="ＭＳ Ｐゴシック" charset="0"/>
+                <a:cs typeface="ＭＳ Ｐゴシック" charset="0"/>
+              </a:rPr>
+              <a:t>Exposure duration</a:t>
+            </a:r>
+          </a:p>
+          <a:p>
+            <a:pPr eaLnBrk="1" hangingPunct="1">
+              <a:lnSpc>
+                <a:spcPct val="80000"/>
+              </a:lnSpc>
+            </a:pPr>
+            <a:r>
+              <a:rPr lang="en-US" sz="2800" dirty="0">
+                <a:latin typeface="Georgia" charset="0"/>
+                <a:ea typeface="ＭＳ Ｐゴシック" charset="0"/>
+                <a:cs typeface="ＭＳ Ｐゴシック" charset="0"/>
+              </a:rPr>
+              <a:t>Motivational significance</a:t>
+            </a:r>
+          </a:p>
+          <a:p>
+            <a:pPr eaLnBrk="1" hangingPunct="1">
+              <a:lnSpc>
+                <a:spcPct val="80000"/>
+              </a:lnSpc>
+            </a:pPr>
+            <a:r>
+              <a:rPr lang="en-US" sz="2800" dirty="0">
+                <a:latin typeface="Georgia" charset="0"/>
+                <a:ea typeface="ＭＳ Ｐゴシック" charset="0"/>
+                <a:cs typeface="ＭＳ Ｐゴシック" charset="0"/>
+              </a:rPr>
+              <a:t>Emotional significance</a:t>
+            </a:r>
+          </a:p>
+          <a:p>
+            <a:pPr eaLnBrk="1" hangingPunct="1">
+              <a:lnSpc>
+                <a:spcPct val="80000"/>
+              </a:lnSpc>
+            </a:pPr>
+            <a:r>
+              <a:rPr lang="en-US" sz="2800" dirty="0">
+                <a:latin typeface="Georgia" charset="0"/>
+                <a:ea typeface="ＭＳ Ｐゴシック" charset="0"/>
+                <a:cs typeface="ＭＳ Ｐゴシック" charset="0"/>
+              </a:rPr>
+              <a:t>Predictability</a:t>
+            </a:r>
+          </a:p>
+          <a:p>
+            <a:pPr eaLnBrk="1" hangingPunct="1">
+              <a:lnSpc>
+                <a:spcPct val="80000"/>
+              </a:lnSpc>
+            </a:pPr>
+            <a:endParaRPr lang="en-US" sz="2800" dirty="0">
               <a:latin typeface="Georgia" charset="0"/>
               <a:ea typeface="ＭＳ Ｐゴシック" charset="0"/>
               <a:cs typeface="ＭＳ Ｐゴシック" charset="0"/>
@@ -5636,7 +5686,7 @@
     </p:spTree>
     <p:extLst>
       <p:ext uri="{BB962C8B-B14F-4D97-AF65-F5344CB8AC3E}">
-        <p14:creationId xmlns:p14="http://schemas.microsoft.com/office/powerpoint/2010/main" val="682495200"/>
+        <p14:creationId xmlns:p14="http://schemas.microsoft.com/office/powerpoint/2010/main" val="1169932213"/>
       </p:ext>
     </p:extLst>
   </p:cSld>
@@ -5675,12 +5725,14 @@
         </p:nvSpPr>
         <p:spPr/>
         <p:txBody>
-          <a:bodyPr/>
+          <a:bodyPr>
+            <a:normAutofit fontScale="90000"/>
+          </a:bodyPr>
           <a:lstStyle/>
           <a:p>
             <a:r>
               <a:rPr lang="en-US" dirty="0"/>
-              <a:t>Why is memory theory important?</a:t>
+              <a:t>Instruction Should be Based on Client’s Profile</a:t>
             </a:r>
           </a:p>
         </p:txBody>
@@ -5698,49 +5750,53 @@
         <p:spPr/>
         <p:txBody>
           <a:bodyPr>
-            <a:normAutofit/>
+            <a:normAutofit fontScale="92500" lnSpcReduction="10000"/>
           </a:bodyPr>
           <a:lstStyle/>
           <a:p>
             <a:r>
               <a:rPr lang="en-US" dirty="0"/>
-              <a:t>We want to strengthen encoding, consolidation and storage.</a:t>
+              <a:t>What parts of memory are preserved versus impaired</a:t>
+            </a:r>
+          </a:p>
+          <a:p>
+            <a:r>
+              <a:rPr lang="en-US" dirty="0"/>
+              <a:t>Will client need a highly structured, error free learning regimen?</a:t>
+            </a:r>
+          </a:p>
+          <a:p>
+            <a:r>
+              <a:rPr lang="en-US" dirty="0"/>
+              <a:t>What other considerations should drive the design of instruction?</a:t>
             </a:r>
           </a:p>
           <a:p>
             <a:pPr lvl="1"/>
             <a:r>
               <a:rPr lang="en-US" dirty="0"/>
-              <a:t>What does the O’Neil-</a:t>
-            </a:r>
-            <a:r>
-              <a:rPr lang="en-US" dirty="0" err="1"/>
-              <a:t>Pirozzi</a:t>
-            </a:r>
+              <a:t>Cognitive-linguistic function</a:t>
+            </a:r>
+          </a:p>
+          <a:p>
+            <a:pPr lvl="1"/>
             <a:r>
               <a:rPr lang="en-US" dirty="0"/>
-              <a:t> et al. article offer that builds on this concept?</a:t>
-            </a:r>
-          </a:p>
-          <a:p>
+              <a:t>Physical sensory abilities</a:t>
+            </a:r>
+          </a:p>
+          <a:p>
+            <a:pPr lvl="1"/>
             <a:r>
               <a:rPr lang="en-US" dirty="0"/>
-              <a:t>Instructional techniques can emphasize procedural memory pathways in those whose declarative memory pathways are damaged.</a:t>
+              <a:t>Psychosocial function</a:t>
             </a:r>
           </a:p>
           <a:p>
             <a:pPr lvl="1"/>
             <a:r>
               <a:rPr lang="en-US" dirty="0"/>
-              <a:t>Sohlberg &amp; </a:t>
-            </a:r>
-            <a:r>
-              <a:rPr lang="en-US" dirty="0" err="1"/>
-              <a:t>Turkstra</a:t>
-            </a:r>
-            <a:r>
-              <a:rPr lang="en-US" dirty="0"/>
-              <a:t> text provides map to do this</a:t>
+              <a:t>Social connection</a:t>
             </a:r>
           </a:p>
           <a:p>
@@ -5751,7 +5807,7 @@
     </p:spTree>
     <p:extLst>
       <p:ext uri="{BB962C8B-B14F-4D97-AF65-F5344CB8AC3E}">
-        <p14:creationId xmlns:p14="http://schemas.microsoft.com/office/powerpoint/2010/main" val="2484300024"/>
+        <p14:creationId xmlns:p14="http://schemas.microsoft.com/office/powerpoint/2010/main" val="2571494075"/>
       </p:ext>
     </p:extLst>
   </p:cSld>
@@ -5780,7 +5836,7 @@
       </p:grpSpPr>
       <p:sp>
         <p:nvSpPr>
-          <p:cNvPr id="9" name="Title 8"/>
+          <p:cNvPr id="2" name="Title 1"/>
           <p:cNvSpPr>
             <a:spLocks noGrp="1"/>
           </p:cNvSpPr>
@@ -5793,84 +5849,130 @@
           <a:bodyPr/>
           <a:lstStyle/>
           <a:p>
-            <a:pPr>
-              <a:defRPr/>
-            </a:pPr>
             <a:r>
               <a:rPr lang="en-US" dirty="0"/>
-              <a:t>Learning is enhanced when…</a:t>
-            </a:r>
-          </a:p>
-        </p:txBody>
-      </p:sp>
-      <p:sp>
-        <p:nvSpPr>
-          <p:cNvPr id="21506" name="Content Placeholder 9"/>
-          <p:cNvSpPr>
-            <a:spLocks noGrp="1"/>
-          </p:cNvSpPr>
-          <p:nvPr>
-            <p:ph sz="quarter" idx="1"/>
-          </p:nvPr>
-        </p:nvSpPr>
-        <p:spPr>
-          <a:xfrm>
-            <a:off x="301625" y="1527175"/>
-            <a:ext cx="8504238" cy="4572000"/>
-          </a:xfrm>
-        </p:spPr>
-        <p:txBody>
-          <a:bodyPr/>
-          <a:lstStyle/>
-          <a:p>
-            <a:pPr eaLnBrk="1" hangingPunct="1"/>
-            <a:r>
-              <a:rPr lang="en-US">
-                <a:latin typeface="Georgia" charset="0"/>
-                <a:ea typeface="ＭＳ Ｐゴシック" charset="0"/>
-                <a:cs typeface="ＭＳ Ｐゴシック" charset="0"/>
-              </a:rPr>
-              <a:t>Deeper levels of processing are activated</a:t>
-            </a:r>
-          </a:p>
-          <a:p>
-            <a:pPr eaLnBrk="1" hangingPunct="1"/>
-            <a:r>
-              <a:rPr lang="en-US">
-                <a:latin typeface="Georgia" charset="0"/>
-                <a:ea typeface="ＭＳ Ｐゴシック" charset="0"/>
-                <a:cs typeface="ＭＳ Ｐゴシック" charset="0"/>
-              </a:rPr>
-              <a:t>Material is elaborated</a:t>
-            </a:r>
-          </a:p>
-          <a:p>
-            <a:pPr eaLnBrk="1" hangingPunct="1">
-              <a:buFontTx/>
+              <a:t>Applying Memory Theory </a:t>
+            </a:r>
+          </a:p>
+        </p:txBody>
+      </p:sp>
+      <p:sp>
+        <p:nvSpPr>
+          <p:cNvPr id="3" name="Content Placeholder 2"/>
+          <p:cNvSpPr>
+            <a:spLocks noGrp="1"/>
+          </p:cNvSpPr>
+          <p:nvPr>
+            <p:ph idx="1"/>
+          </p:nvPr>
+        </p:nvSpPr>
+        <p:spPr/>
+        <p:txBody>
+          <a:bodyPr/>
+          <a:lstStyle/>
+          <a:p>
+            <a:r>
+              <a:rPr lang="en-US" dirty="0"/>
+              <a:t>Client’s primary issue is with encoding because working memory is reduced </a:t>
+            </a:r>
+          </a:p>
+          <a:p>
+            <a:pPr marL="400050" lvl="1" indent="0">
               <a:buNone/>
             </a:pPr>
             <a:r>
-              <a:rPr lang="en-US">
-                <a:latin typeface="Georgia" charset="0"/>
-                <a:ea typeface="ＭＳ Ｐゴシック" charset="0"/>
-                <a:cs typeface="ＭＳ Ｐゴシック" charset="0"/>
-              </a:rPr>
-              <a:t>This increases the number of potential routes to retrieval..</a:t>
-            </a:r>
-          </a:p>
-          <a:p>
-            <a:endParaRPr lang="en-US">
-              <a:latin typeface="Georgia" charset="0"/>
-              <a:ea typeface="ＭＳ Ｐゴシック" charset="0"/>
-              <a:cs typeface="ＭＳ Ｐゴシック" charset="0"/>
-            </a:endParaRPr>
+              <a:rPr lang="en-US" dirty="0">
+                <a:latin typeface="Wingdings"/>
+                <a:ea typeface="Wingdings"/>
+                <a:cs typeface="Wingdings"/>
+                <a:sym typeface="Wingdings"/>
+              </a:rPr>
+              <a:t> </a:t>
+            </a:r>
+            <a:r>
+              <a:rPr lang="en-US" dirty="0">
+                <a:latin typeface="+mj-lt"/>
+                <a:ea typeface="Wingdings"/>
+                <a:cs typeface="Wingdings"/>
+                <a:sym typeface="Wingdings"/>
+              </a:rPr>
+              <a:t>administer direct attention training</a:t>
+            </a:r>
+          </a:p>
+          <a:p>
+            <a:r>
+              <a:rPr lang="en-US" dirty="0">
+                <a:latin typeface="+mj-lt"/>
+                <a:ea typeface="Wingdings"/>
+                <a:cs typeface="Wingdings"/>
+                <a:sym typeface="Wingdings"/>
+              </a:rPr>
+              <a:t>Client’s primary issue is with consolidation and storage</a:t>
+            </a:r>
+          </a:p>
+          <a:p>
+            <a:pPr marL="400050" lvl="1" indent="0">
+              <a:buNone/>
+            </a:pPr>
+            <a:r>
+              <a:rPr lang="en-US" dirty="0">
+                <a:latin typeface="Wingdings"/>
+                <a:ea typeface="Wingdings"/>
+                <a:cs typeface="Wingdings"/>
+                <a:sym typeface="Wingdings"/>
+              </a:rPr>
+              <a:t> </a:t>
+            </a:r>
+            <a:r>
+              <a:rPr lang="en-US" dirty="0">
+                <a:latin typeface="+mj-lt"/>
+                <a:ea typeface="Wingdings"/>
+                <a:cs typeface="Wingdings"/>
+                <a:sym typeface="Wingdings"/>
+              </a:rPr>
+              <a:t>circumvent using procedural learning and SI</a:t>
+            </a:r>
+          </a:p>
+          <a:p>
+            <a:r>
+              <a:rPr lang="en-US" dirty="0">
+                <a:latin typeface="+mj-lt"/>
+                <a:ea typeface="Wingdings"/>
+                <a:cs typeface="Wingdings"/>
+                <a:sym typeface="Wingdings"/>
+              </a:rPr>
+              <a:t>Client’s primary issue is with retrieval</a:t>
+            </a:r>
+          </a:p>
+          <a:p>
+            <a:pPr marL="400050" lvl="1" indent="0">
+              <a:buNone/>
+            </a:pPr>
+            <a:r>
+              <a:rPr lang="en-US" dirty="0">
+                <a:latin typeface="Wingdings"/>
+                <a:ea typeface="Wingdings"/>
+                <a:cs typeface="Wingdings"/>
+                <a:sym typeface="Wingdings"/>
+              </a:rPr>
+              <a:t> </a:t>
+            </a:r>
+            <a:r>
+              <a:rPr lang="en-US" dirty="0">
+                <a:ea typeface="Wingdings"/>
+                <a:cs typeface="Wingdings"/>
+                <a:sym typeface="Wingdings"/>
+              </a:rPr>
+              <a:t>circumvent by teaching recall strategies</a:t>
+            </a:r>
+            <a:endParaRPr lang="en-US" dirty="0"/>
           </a:p>
         </p:txBody>
       </p:sp>
     </p:spTree>
     <p:extLst>
       <p:ext uri="{BB962C8B-B14F-4D97-AF65-F5344CB8AC3E}">
-        <p14:creationId xmlns:p14="http://schemas.microsoft.com/office/powerpoint/2010/main" val="3580081838"/>
+        <p14:creationId xmlns:p14="http://schemas.microsoft.com/office/powerpoint/2010/main" val="256177666"/>
       </p:ext>
     </p:extLst>
   </p:cSld>
@@ -5899,7 +6001,7 @@
       </p:grpSpPr>
       <p:sp>
         <p:nvSpPr>
-          <p:cNvPr id="26625" name="Rectangle 2"/>
+          <p:cNvPr id="27649" name="Rectangle 2"/>
           <p:cNvSpPr>
             <a:spLocks noGrp="1" noChangeArrowheads="1"/>
           </p:cNvSpPr>
@@ -5922,14 +6024,14 @@
                 <a:ea typeface="ＭＳ Ｐゴシック" charset="0"/>
                 <a:cs typeface="ＭＳ Ｐゴシック" charset="0"/>
               </a:rPr>
-              <a:t>What Makes Memories Last?</a:t>
-            </a:r>
-          </a:p>
-        </p:txBody>
-      </p:sp>
-      <p:sp>
-        <p:nvSpPr>
-          <p:cNvPr id="26626" name="Rectangle 3"/>
+              <a:t>Assessment of Memory</a:t>
+            </a:r>
+          </a:p>
+        </p:txBody>
+      </p:sp>
+      <p:sp>
+        <p:nvSpPr>
+          <p:cNvPr id="27650" name="Rectangle 3"/>
           <p:cNvSpPr>
             <a:spLocks noGrp="1" noChangeArrowheads="1"/>
           </p:cNvSpPr>
@@ -5949,156 +6051,135 @@
           <a:p>
             <a:pPr eaLnBrk="1" hangingPunct="1">
               <a:lnSpc>
-                <a:spcPct val="80000"/>
+                <a:spcPct val="90000"/>
               </a:lnSpc>
             </a:pPr>
             <a:r>
-              <a:rPr lang="en-US" sz="2800" dirty="0">
+              <a:rPr lang="en-US" b="1">
+                <a:solidFill>
+                  <a:schemeClr val="hlink"/>
+                </a:solidFill>
                 <a:latin typeface="Georgia" charset="0"/>
                 <a:ea typeface="ＭＳ Ｐゴシック" charset="0"/>
                 <a:cs typeface="ＭＳ Ｐゴシック" charset="0"/>
               </a:rPr>
-              <a:t>Self-relevance</a:t>
+              <a:t>Episodic memory</a:t>
             </a:r>
           </a:p>
           <a:p>
             <a:pPr eaLnBrk="1" hangingPunct="1">
               <a:lnSpc>
-                <a:spcPct val="80000"/>
+                <a:spcPct val="90000"/>
               </a:lnSpc>
             </a:pPr>
             <a:r>
-              <a:rPr lang="en-US" sz="2800" dirty="0">
+              <a:rPr lang="en-US" b="1">
+                <a:solidFill>
+                  <a:schemeClr val="hlink"/>
+                </a:solidFill>
                 <a:latin typeface="Georgia" charset="0"/>
                 <a:ea typeface="ＭＳ Ｐゴシック" charset="0"/>
                 <a:cs typeface="ＭＳ Ｐゴシック" charset="0"/>
               </a:rPr>
-              <a:t>Reactivation pattern</a:t>
+              <a:t>Semantic memory</a:t>
             </a:r>
           </a:p>
           <a:p>
             <a:pPr eaLnBrk="1" hangingPunct="1">
               <a:lnSpc>
-                <a:spcPct val="80000"/>
+                <a:spcPct val="90000"/>
               </a:lnSpc>
             </a:pPr>
             <a:r>
-              <a:rPr lang="en-US" sz="2800" dirty="0">
+              <a:rPr lang="en-US" b="1">
+                <a:solidFill>
+                  <a:schemeClr val="hlink"/>
+                </a:solidFill>
                 <a:latin typeface="Georgia" charset="0"/>
                 <a:ea typeface="ＭＳ Ｐゴシック" charset="0"/>
                 <a:cs typeface="ＭＳ Ｐゴシック" charset="0"/>
               </a:rPr>
-              <a:t>Cognitive significance</a:t>
+              <a:t>Working (short term/attentional) memory</a:t>
             </a:r>
           </a:p>
           <a:p>
             <a:pPr eaLnBrk="1" hangingPunct="1">
               <a:lnSpc>
-                <a:spcPct val="80000"/>
+                <a:spcPct val="90000"/>
               </a:lnSpc>
             </a:pPr>
             <a:r>
-              <a:rPr lang="en-US" sz="2800" dirty="0">
+              <a:rPr lang="en-US" b="1">
+                <a:solidFill>
+                  <a:srgbClr val="4EB82E"/>
+                </a:solidFill>
                 <a:latin typeface="Georgia" charset="0"/>
                 <a:ea typeface="ＭＳ Ｐゴシック" charset="0"/>
                 <a:cs typeface="ＭＳ Ｐゴシック" charset="0"/>
               </a:rPr>
-              <a:t>Sensory diversity</a:t>
+              <a:t>Perceptual (agnosias)</a:t>
             </a:r>
           </a:p>
           <a:p>
             <a:pPr eaLnBrk="1" hangingPunct="1">
               <a:lnSpc>
-                <a:spcPct val="80000"/>
+                <a:spcPct val="90000"/>
               </a:lnSpc>
             </a:pPr>
             <a:r>
-              <a:rPr lang="en-US" sz="2800" dirty="0">
+              <a:rPr lang="en-US" b="1">
+                <a:solidFill>
+                  <a:srgbClr val="4EB82E"/>
+                </a:solidFill>
                 <a:latin typeface="Georgia" charset="0"/>
                 <a:ea typeface="ＭＳ Ｐゴシック" charset="0"/>
                 <a:cs typeface="ＭＳ Ｐゴシック" charset="0"/>
               </a:rPr>
-              <a:t>Distinctiveness</a:t>
+              <a:t>Procedural</a:t>
             </a:r>
           </a:p>
           <a:p>
             <a:pPr eaLnBrk="1" hangingPunct="1">
               <a:lnSpc>
-                <a:spcPct val="80000"/>
+                <a:spcPct val="90000"/>
               </a:lnSpc>
             </a:pPr>
             <a:r>
-              <a:rPr lang="en-US" sz="2800" dirty="0">
+              <a:rPr lang="en-US" b="1">
+                <a:solidFill>
+                  <a:srgbClr val="4EB82E"/>
+                </a:solidFill>
                 <a:latin typeface="Georgia" charset="0"/>
                 <a:ea typeface="ＭＳ Ｐゴシック" charset="0"/>
                 <a:cs typeface="ＭＳ Ｐゴシック" charset="0"/>
               </a:rPr>
-              <a:t>Exposure duration</a:t>
+              <a:t>Priming</a:t>
             </a:r>
           </a:p>
           <a:p>
             <a:pPr eaLnBrk="1" hangingPunct="1">
               <a:lnSpc>
-                <a:spcPct val="80000"/>
+                <a:spcPct val="90000"/>
               </a:lnSpc>
             </a:pPr>
             <a:r>
-              <a:rPr lang="en-US" sz="2800" dirty="0">
+              <a:rPr lang="en-US" b="1">
+                <a:solidFill>
+                  <a:srgbClr val="4EB82E"/>
+                </a:solidFill>
                 <a:latin typeface="Georgia" charset="0"/>
                 <a:ea typeface="ＭＳ Ｐゴシック" charset="0"/>
                 <a:cs typeface="ＭＳ Ｐゴシック" charset="0"/>
               </a:rPr>
-              <a:t>Motivational significance</a:t>
-            </a:r>
-          </a:p>
-          <a:p>
-            <a:pPr eaLnBrk="1" hangingPunct="1">
-              <a:lnSpc>
-                <a:spcPct val="80000"/>
-              </a:lnSpc>
-            </a:pPr>
-            <a:r>
-              <a:rPr lang="en-US" sz="2800" dirty="0">
-                <a:latin typeface="Georgia" charset="0"/>
-                <a:ea typeface="ＭＳ Ｐゴシック" charset="0"/>
-                <a:cs typeface="ＭＳ Ｐゴシック" charset="0"/>
-              </a:rPr>
-              <a:t>Emotional significance</a:t>
-            </a:r>
-          </a:p>
-          <a:p>
-            <a:pPr eaLnBrk="1" hangingPunct="1">
-              <a:lnSpc>
-                <a:spcPct val="80000"/>
-              </a:lnSpc>
-            </a:pPr>
-            <a:r>
-              <a:rPr lang="en-US" sz="2800" dirty="0">
-                <a:latin typeface="Georgia" charset="0"/>
-                <a:ea typeface="ＭＳ Ｐゴシック" charset="0"/>
-                <a:cs typeface="ＭＳ Ｐゴシック" charset="0"/>
-              </a:rPr>
-              <a:t>Predictability</a:t>
-            </a:r>
-          </a:p>
-          <a:p>
-            <a:pPr eaLnBrk="1" hangingPunct="1">
-              <a:lnSpc>
-                <a:spcPct val="80000"/>
-              </a:lnSpc>
-            </a:pPr>
-            <a:endParaRPr lang="en-US" sz="2800" dirty="0">
-              <a:latin typeface="Georgia" charset="0"/>
-              <a:ea typeface="ＭＳ Ｐゴシック" charset="0"/>
-              <a:cs typeface="ＭＳ Ｐゴシック" charset="0"/>
-            </a:endParaRPr>
+              <a:t>Emotional/motivational</a:t>
+            </a:r>
           </a:p>
         </p:txBody>
       </p:sp>
     </p:spTree>
     <p:extLst>
       <p:ext uri="{BB962C8B-B14F-4D97-AF65-F5344CB8AC3E}">
-        <p14:creationId xmlns:p14="http://schemas.microsoft.com/office/powerpoint/2010/main" val="1169932213"/>
+        <p14:creationId xmlns:p14="http://schemas.microsoft.com/office/powerpoint/2010/main" val="3020989212"/>
       </p:ext>
     </p:extLst>
   </p:cSld>
@@ -6127,9 +6208,9 @@
       </p:grpSpPr>
       <p:sp>
         <p:nvSpPr>
-          <p:cNvPr id="2" name="Title 1"/>
-          <p:cNvSpPr>
-            <a:spLocks noGrp="1"/>
+          <p:cNvPr id="28673" name="Rectangle 2"/>
+          <p:cNvSpPr>
+            <a:spLocks noGrp="1" noChangeArrowheads="1"/>
           </p:cNvSpPr>
           <p:nvPr>
             <p:ph type="title"/>
@@ -6137,89 +6218,123 @@
         </p:nvSpPr>
         <p:spPr/>
         <p:txBody>
-          <a:bodyPr>
-            <a:normAutofit fontScale="90000"/>
-          </a:bodyPr>
-          <a:lstStyle/>
-          <a:p>
-            <a:r>
-              <a:rPr lang="en-US" dirty="0"/>
-              <a:t>Instruction Should be Based on Client’s Profile</a:t>
-            </a:r>
-          </a:p>
-        </p:txBody>
-      </p:sp>
-      <p:sp>
-        <p:nvSpPr>
-          <p:cNvPr id="3" name="Content Placeholder 2"/>
-          <p:cNvSpPr>
-            <a:spLocks noGrp="1"/>
-          </p:cNvSpPr>
-          <p:nvPr>
-            <p:ph idx="1"/>
-          </p:nvPr>
-        </p:nvSpPr>
-        <p:spPr/>
-        <p:txBody>
-          <a:bodyPr>
-            <a:normAutofit fontScale="92500" lnSpcReduction="10000"/>
-          </a:bodyPr>
-          <a:lstStyle/>
-          <a:p>
-            <a:r>
-              <a:rPr lang="en-US" dirty="0"/>
-              <a:t>What parts of memory are preserved versus impaired</a:t>
-            </a:r>
-          </a:p>
-          <a:p>
-            <a:r>
-              <a:rPr lang="en-US" dirty="0"/>
-              <a:t>Will client need a highly structured, error free learning regimen?</a:t>
-            </a:r>
-          </a:p>
-          <a:p>
-            <a:r>
-              <a:rPr lang="en-US" dirty="0"/>
-              <a:t>What other considerations should drive the design of instruction?</a:t>
-            </a:r>
-          </a:p>
-          <a:p>
-            <a:pPr lvl="1"/>
-            <a:r>
-              <a:rPr lang="en-US" dirty="0"/>
-              <a:t>Cognitive-linguistic function</a:t>
-            </a:r>
-          </a:p>
-          <a:p>
-            <a:pPr lvl="1"/>
-            <a:r>
-              <a:rPr lang="en-US" dirty="0"/>
-              <a:t>Physical sensory abilities</a:t>
-            </a:r>
-          </a:p>
-          <a:p>
-            <a:pPr lvl="1"/>
-            <a:r>
-              <a:rPr lang="en-US" dirty="0"/>
-              <a:t>Psychosocial function</a:t>
-            </a:r>
-          </a:p>
-          <a:p>
-            <a:pPr lvl="1"/>
-            <a:r>
-              <a:rPr lang="en-US" dirty="0"/>
-              <a:t>Social connection</a:t>
-            </a:r>
-          </a:p>
-          <a:p>
-            <a:endParaRPr lang="en-US" dirty="0"/>
+          <a:bodyPr/>
+          <a:lstStyle/>
+          <a:p>
+            <a:pPr eaLnBrk="1" hangingPunct="1"/>
+            <a:r>
+              <a:rPr lang="en-US">
+                <a:solidFill>
+                  <a:srgbClr val="7B9899"/>
+                </a:solidFill>
+                <a:latin typeface="Georgia" charset="0"/>
+                <a:ea typeface="ＭＳ Ｐゴシック" charset="0"/>
+                <a:cs typeface="ＭＳ Ｐゴシック" charset="0"/>
+              </a:rPr>
+              <a:t>Assessment Questions</a:t>
+            </a:r>
+          </a:p>
+        </p:txBody>
+      </p:sp>
+      <p:sp>
+        <p:nvSpPr>
+          <p:cNvPr id="28674" name="Rectangle 3"/>
+          <p:cNvSpPr>
+            <a:spLocks noGrp="1" noChangeArrowheads="1"/>
+          </p:cNvSpPr>
+          <p:nvPr>
+            <p:ph sz="quarter" idx="1"/>
+          </p:nvPr>
+        </p:nvSpPr>
+        <p:spPr>
+          <a:xfrm>
+            <a:off x="301625" y="1527175"/>
+            <a:ext cx="8504238" cy="4572000"/>
+          </a:xfrm>
+        </p:spPr>
+        <p:txBody>
+          <a:bodyPr/>
+          <a:lstStyle/>
+          <a:p>
+            <a:pPr eaLnBrk="1" hangingPunct="1"/>
+            <a:r>
+              <a:rPr lang="en-US" sz="2800">
+                <a:latin typeface="Georgia" charset="0"/>
+                <a:ea typeface="ＭＳ Ｐゴシック" charset="0"/>
+                <a:cs typeface="ＭＳ Ｐゴシック" charset="0"/>
+              </a:rPr>
+              <a:t>Is there a memory impairment?</a:t>
+            </a:r>
+          </a:p>
+          <a:p>
+            <a:pPr eaLnBrk="1" hangingPunct="1"/>
+            <a:r>
+              <a:rPr lang="en-US" sz="2800">
+                <a:latin typeface="Georgia" charset="0"/>
+                <a:ea typeface="ＭＳ Ｐゴシック" charset="0"/>
+                <a:cs typeface="ＭＳ Ｐゴシック" charset="0"/>
+              </a:rPr>
+              <a:t>If so, how severe?</a:t>
+            </a:r>
+          </a:p>
+          <a:p>
+            <a:pPr eaLnBrk="1" hangingPunct="1"/>
+            <a:r>
+              <a:rPr lang="en-US" sz="2800">
+                <a:latin typeface="Georgia" charset="0"/>
+                <a:ea typeface="ＭＳ Ｐゴシック" charset="0"/>
+                <a:cs typeface="ＭＳ Ｐゴシック" charset="0"/>
+              </a:rPr>
+              <a:t>What memory systems &amp; domains are affected?</a:t>
+            </a:r>
+          </a:p>
+          <a:p>
+            <a:pPr eaLnBrk="1" hangingPunct="1"/>
+            <a:r>
+              <a:rPr lang="en-US" sz="2800">
+                <a:latin typeface="Georgia" charset="0"/>
+                <a:ea typeface="ＭＳ Ｐゴシック" charset="0"/>
+                <a:cs typeface="ＭＳ Ｐゴシック" charset="0"/>
+              </a:rPr>
+              <a:t>Prognosis &amp; prediction?</a:t>
+            </a:r>
+          </a:p>
+          <a:p>
+            <a:pPr eaLnBrk="1" hangingPunct="1"/>
+            <a:r>
+              <a:rPr lang="en-US" sz="2800">
+                <a:latin typeface="Georgia" charset="0"/>
+                <a:ea typeface="ＭＳ Ｐゴシック" charset="0"/>
+                <a:cs typeface="ＭＳ Ｐゴシック" charset="0"/>
+              </a:rPr>
+              <a:t>How do/will memory problems affect everyday functioning?</a:t>
+            </a:r>
+          </a:p>
+          <a:p>
+            <a:pPr eaLnBrk="1" hangingPunct="1"/>
+            <a:r>
+              <a:rPr lang="en-US" sz="2800">
+                <a:latin typeface="Georgia" charset="0"/>
+                <a:ea typeface="ＭＳ Ｐゴシック" charset="0"/>
+                <a:cs typeface="ＭＳ Ｐゴシック" charset="0"/>
+              </a:rPr>
+              <a:t>What will help?</a:t>
+            </a:r>
+          </a:p>
+          <a:p>
+            <a:pPr eaLnBrk="1" hangingPunct="1"/>
+            <a:endParaRPr lang="en-US" sz="2800">
+              <a:latin typeface="Georgia" charset="0"/>
+              <a:ea typeface="ＭＳ Ｐゴシック" charset="0"/>
+              <a:cs typeface="ＭＳ Ｐゴシック" charset="0"/>
+            </a:endParaRPr>
           </a:p>
         </p:txBody>
       </p:sp>
     </p:spTree>
     <p:extLst>
       <p:ext uri="{BB962C8B-B14F-4D97-AF65-F5344CB8AC3E}">
-        <p14:creationId xmlns:p14="http://schemas.microsoft.com/office/powerpoint/2010/main" val="2571494075"/>
+        <p14:creationId xmlns:p14="http://schemas.microsoft.com/office/powerpoint/2010/main" val="1805674362"/>
       </p:ext>
     </p:extLst>
   </p:cSld>
@@ -6248,9 +6363,9 @@
       </p:grpSpPr>
       <p:sp>
         <p:nvSpPr>
-          <p:cNvPr id="2" name="Title 1"/>
-          <p:cNvSpPr>
-            <a:spLocks noGrp="1"/>
+          <p:cNvPr id="29697" name="Rectangle 2"/>
+          <p:cNvSpPr>
+            <a:spLocks noGrp="1" noChangeArrowheads="1"/>
           </p:cNvSpPr>
           <p:nvPr>
             <p:ph type="title"/>
@@ -6261,130 +6376,98 @@
           <a:bodyPr/>
           <a:lstStyle/>
           <a:p>
-            <a:r>
-              <a:rPr lang="en-US" dirty="0"/>
-              <a:t>Applying Memory Theory </a:t>
-            </a:r>
-          </a:p>
-        </p:txBody>
-      </p:sp>
-      <p:sp>
-        <p:nvSpPr>
-          <p:cNvPr id="3" name="Content Placeholder 2"/>
-          <p:cNvSpPr>
-            <a:spLocks noGrp="1"/>
-          </p:cNvSpPr>
-          <p:nvPr>
-            <p:ph idx="1"/>
-          </p:nvPr>
-        </p:nvSpPr>
-        <p:spPr/>
-        <p:txBody>
-          <a:bodyPr/>
-          <a:lstStyle/>
-          <a:p>
-            <a:r>
-              <a:rPr lang="en-US" dirty="0"/>
-              <a:t>Client’s primary issue is with encoding because working memory is reduced </a:t>
-            </a:r>
-          </a:p>
-          <a:p>
-            <a:pPr marL="400050" lvl="1" indent="0">
-              <a:buNone/>
-            </a:pPr>
-            <a:r>
-              <a:rPr lang="en-US" dirty="0">
-                <a:latin typeface="Wingdings"/>
-                <a:ea typeface="Wingdings"/>
-                <a:cs typeface="Wingdings"/>
-                <a:sym typeface="Wingdings"/>
-              </a:rPr>
-              <a:t> </a:t>
-            </a:r>
-            <a:r>
-              <a:rPr lang="en-US" dirty="0">
-                <a:latin typeface="+mj-lt"/>
-                <a:ea typeface="Wingdings"/>
-                <a:cs typeface="Wingdings"/>
-                <a:sym typeface="Wingdings"/>
-              </a:rPr>
-              <a:t>administer direct attention training</a:t>
-            </a:r>
-          </a:p>
-          <a:p>
-            <a:r>
-              <a:rPr lang="en-US" dirty="0">
-                <a:latin typeface="+mj-lt"/>
-                <a:ea typeface="Wingdings"/>
-                <a:cs typeface="Wingdings"/>
-                <a:sym typeface="Wingdings"/>
-              </a:rPr>
-              <a:t>Client’s primary issue is with consolidation and storage</a:t>
-            </a:r>
-          </a:p>
-          <a:p>
-            <a:pPr marL="400050" lvl="1" indent="0">
-              <a:buNone/>
-            </a:pPr>
-            <a:r>
-              <a:rPr lang="en-US" dirty="0">
-                <a:latin typeface="Wingdings"/>
-                <a:ea typeface="Wingdings"/>
-                <a:cs typeface="Wingdings"/>
-                <a:sym typeface="Wingdings"/>
-              </a:rPr>
-              <a:t> </a:t>
-            </a:r>
-            <a:r>
-              <a:rPr lang="en-US" dirty="0">
-                <a:latin typeface="+mj-lt"/>
-                <a:ea typeface="Wingdings"/>
-                <a:cs typeface="Wingdings"/>
-                <a:sym typeface="Wingdings"/>
-              </a:rPr>
-              <a:t>circumvent using procedural learning and SI</a:t>
-            </a:r>
-          </a:p>
-          <a:p>
-            <a:r>
-              <a:rPr lang="en-US" dirty="0">
-                <a:latin typeface="+mj-lt"/>
-                <a:ea typeface="Wingdings"/>
-                <a:cs typeface="Wingdings"/>
-                <a:sym typeface="Wingdings"/>
-              </a:rPr>
-              <a:t>Client’s primary issue is with retrieval</a:t>
-            </a:r>
-          </a:p>
-          <a:p>
-            <a:pPr marL="400050" lvl="1" indent="0">
-              <a:buNone/>
-            </a:pPr>
-            <a:r>
-              <a:rPr lang="en-US" dirty="0">
-                <a:latin typeface="Wingdings"/>
-                <a:ea typeface="Wingdings"/>
-                <a:cs typeface="Wingdings"/>
-                <a:sym typeface="Wingdings"/>
-              </a:rPr>
-              <a:t> </a:t>
-            </a:r>
-            <a:r>
-              <a:rPr lang="en-US" dirty="0">
-                <a:ea typeface="Wingdings"/>
-                <a:cs typeface="Wingdings"/>
-                <a:sym typeface="Wingdings"/>
-              </a:rPr>
-              <a:t>circumvent by teaching recall strategies</a:t>
-            </a:r>
-            <a:endParaRPr lang="en-US" dirty="0"/>
+            <a:pPr eaLnBrk="1" hangingPunct="1"/>
+            <a:r>
+              <a:rPr lang="en-US" sz="3000">
+                <a:solidFill>
+                  <a:srgbClr val="7B9899"/>
+                </a:solidFill>
+                <a:latin typeface="Georgia" charset="0"/>
+                <a:ea typeface="ＭＳ Ｐゴシック" charset="0"/>
+                <a:cs typeface="ＭＳ Ｐゴシック" charset="0"/>
+              </a:rPr>
+              <a:t>Contributions to Clinical Memory Assessment</a:t>
+            </a:r>
+          </a:p>
+        </p:txBody>
+      </p:sp>
+      <p:sp>
+        <p:nvSpPr>
+          <p:cNvPr id="29698" name="Rectangle 3"/>
+          <p:cNvSpPr>
+            <a:spLocks noGrp="1" noChangeArrowheads="1"/>
+          </p:cNvSpPr>
+          <p:nvPr>
+            <p:ph sz="quarter" idx="1"/>
+          </p:nvPr>
+        </p:nvSpPr>
+        <p:spPr>
+          <a:xfrm>
+            <a:off x="301625" y="1527175"/>
+            <a:ext cx="8504238" cy="4572000"/>
+          </a:xfrm>
+        </p:spPr>
+        <p:txBody>
+          <a:bodyPr/>
+          <a:lstStyle/>
+          <a:p>
+            <a:pPr eaLnBrk="1" hangingPunct="1"/>
+            <a:r>
+              <a:rPr lang="en-US">
+                <a:latin typeface="Georgia" charset="0"/>
+                <a:ea typeface="ＭＳ Ｐゴシック" charset="0"/>
+                <a:cs typeface="ＭＳ Ｐゴシック" charset="0"/>
+              </a:rPr>
+              <a:t>Patient symptoms</a:t>
+            </a:r>
+          </a:p>
+          <a:p>
+            <a:pPr eaLnBrk="1" hangingPunct="1"/>
+            <a:r>
+              <a:rPr lang="en-US">
+                <a:latin typeface="Georgia" charset="0"/>
+                <a:ea typeface="ＭＳ Ｐゴシック" charset="0"/>
+                <a:cs typeface="ＭＳ Ｐゴシック" charset="0"/>
+              </a:rPr>
+              <a:t>Perspective of carers/family</a:t>
+            </a:r>
+          </a:p>
+          <a:p>
+            <a:pPr eaLnBrk="1" hangingPunct="1"/>
+            <a:r>
+              <a:rPr lang="en-US">
+                <a:latin typeface="Georgia" charset="0"/>
+                <a:ea typeface="ＭＳ Ｐゴシック" charset="0"/>
+                <a:cs typeface="ＭＳ Ｐゴシック" charset="0"/>
+              </a:rPr>
+              <a:t>Diary based observations</a:t>
+            </a:r>
+          </a:p>
+          <a:p>
+            <a:pPr eaLnBrk="1" hangingPunct="1"/>
+            <a:r>
+              <a:rPr lang="en-US">
+                <a:latin typeface="Georgia" charset="0"/>
+                <a:ea typeface="ＭＳ Ｐゴシック" charset="0"/>
+                <a:cs typeface="ＭＳ Ｐゴシック" charset="0"/>
+              </a:rPr>
+              <a:t>Memory tests</a:t>
+            </a:r>
+          </a:p>
+          <a:p>
+            <a:pPr eaLnBrk="1" hangingPunct="1"/>
+            <a:endParaRPr lang="en-US">
+              <a:latin typeface="Georgia" charset="0"/>
+              <a:ea typeface="ＭＳ Ｐゴシック" charset="0"/>
+              <a:cs typeface="ＭＳ Ｐゴシック" charset="0"/>
+            </a:endParaRPr>
           </a:p>
         </p:txBody>
       </p:sp>
     </p:spTree>
     <p:extLst>
       <p:ext uri="{BB962C8B-B14F-4D97-AF65-F5344CB8AC3E}">
-        <p14:creationId xmlns:p14="http://schemas.microsoft.com/office/powerpoint/2010/main" val="256177666"/>
+        <p14:creationId xmlns:p14="http://schemas.microsoft.com/office/powerpoint/2010/main" val="1003984493"/>
       </p:ext>
     </p:extLst>
   </p:cSld>
@@ -6413,7 +6496,7 @@
       </p:grpSpPr>
       <p:sp>
         <p:nvSpPr>
-          <p:cNvPr id="27649" name="Rectangle 2"/>
+          <p:cNvPr id="27650" name="Rectangle 2"/>
           <p:cNvSpPr>
             <a:spLocks noGrp="1" noChangeArrowheads="1"/>
           </p:cNvSpPr>
@@ -6423,12 +6506,16 @@
         </p:nvSpPr>
         <p:spPr/>
         <p:txBody>
-          <a:bodyPr/>
-          <a:lstStyle/>
-          <a:p>
-            <a:pPr eaLnBrk="1" hangingPunct="1"/>
-            <a:r>
-              <a:rPr lang="en-US">
+          <a:bodyPr>
+            <a:normAutofit/>
+          </a:bodyPr>
+          <a:lstStyle/>
+          <a:p>
+            <a:pPr eaLnBrk="1" hangingPunct="1">
+              <a:defRPr/>
+            </a:pPr>
+            <a:r>
+              <a:rPr lang="en-US" sz="2900">
                 <a:solidFill>
                   <a:srgbClr val="7B9899"/>
                 </a:solidFill>
@@ -6436,14 +6523,43 @@
                 <a:ea typeface="ＭＳ Ｐゴシック" charset="0"/>
                 <a:cs typeface="ＭＳ Ｐゴシック" charset="0"/>
               </a:rPr>
-              <a:t>Assessment of Memory</a:t>
-            </a:r>
-          </a:p>
-        </p:txBody>
-      </p:sp>
-      <p:sp>
-        <p:nvSpPr>
-          <p:cNvPr id="27650" name="Rectangle 3"/>
+              <a:t>Testing</a:t>
+            </a:r>
+            <a:br>
+              <a:rPr lang="en-US" sz="2900">
+                <a:solidFill>
+                  <a:srgbClr val="7B9899"/>
+                </a:solidFill>
+                <a:latin typeface="Georgia" charset="0"/>
+                <a:ea typeface="ＭＳ Ｐゴシック" charset="0"/>
+                <a:cs typeface="ＭＳ Ｐゴシック" charset="0"/>
+              </a:rPr>
+            </a:br>
+            <a:r>
+              <a:rPr lang="en-US" sz="2900">
+                <a:solidFill>
+                  <a:srgbClr val="7B9899"/>
+                </a:solidFill>
+                <a:latin typeface="Georgia" charset="0"/>
+                <a:ea typeface="ＭＳ Ｐゴシック" charset="0"/>
+                <a:cs typeface="ＭＳ Ｐゴシック" charset="0"/>
+              </a:rPr>
+              <a:t>(Informal/Formal-Unstandardized)</a:t>
+            </a:r>
+            <a:endParaRPr lang="en-US" sz="3000">
+              <a:solidFill>
+                <a:srgbClr val="7B9899"/>
+              </a:solidFill>
+              <a:latin typeface="Georgia" charset="0"/>
+              <a:ea typeface="ＭＳ Ｐゴシック" charset="0"/>
+              <a:cs typeface="ＭＳ Ｐゴシック" charset="0"/>
+            </a:endParaRPr>
+          </a:p>
+        </p:txBody>
+      </p:sp>
+      <p:sp>
+        <p:nvSpPr>
+          <p:cNvPr id="30722" name="Rectangle 3"/>
           <p:cNvSpPr>
             <a:spLocks noGrp="1" noChangeArrowheads="1"/>
           </p:cNvSpPr>
@@ -6461,129 +6577,47 @@
           <a:bodyPr/>
           <a:lstStyle/>
           <a:p>
-            <a:pPr eaLnBrk="1" hangingPunct="1">
-              <a:lnSpc>
-                <a:spcPct val="90000"/>
-              </a:lnSpc>
-            </a:pPr>
-            <a:r>
-              <a:rPr lang="en-US" b="1">
-                <a:solidFill>
-                  <a:schemeClr val="hlink"/>
-                </a:solidFill>
+            <a:pPr eaLnBrk="1" hangingPunct="1"/>
+            <a:r>
+              <a:rPr lang="en-US">
                 <a:latin typeface="Georgia" charset="0"/>
                 <a:ea typeface="ＭＳ Ｐゴシック" charset="0"/>
                 <a:cs typeface="ＭＳ Ｐゴシック" charset="0"/>
               </a:rPr>
-              <a:t>Episodic memory</a:t>
-            </a:r>
-          </a:p>
-          <a:p>
-            <a:pPr eaLnBrk="1" hangingPunct="1">
-              <a:lnSpc>
-                <a:spcPct val="90000"/>
-              </a:lnSpc>
-            </a:pPr>
-            <a:r>
-              <a:rPr lang="en-US" b="1">
-                <a:solidFill>
-                  <a:schemeClr val="hlink"/>
-                </a:solidFill>
+              <a:t>Clinical Interview (spontaneous account, symptoms, impact, agreement)</a:t>
+            </a:r>
+          </a:p>
+          <a:p>
+            <a:pPr eaLnBrk="1" hangingPunct="1"/>
+            <a:r>
+              <a:rPr lang="en-US">
                 <a:latin typeface="Georgia" charset="0"/>
                 <a:ea typeface="ＭＳ Ｐゴシック" charset="0"/>
                 <a:cs typeface="ＭＳ Ｐゴシック" charset="0"/>
               </a:rPr>
-              <a:t>Semantic memory</a:t>
-            </a:r>
-          </a:p>
-          <a:p>
-            <a:pPr eaLnBrk="1" hangingPunct="1">
-              <a:lnSpc>
-                <a:spcPct val="90000"/>
-              </a:lnSpc>
-            </a:pPr>
-            <a:r>
-              <a:rPr lang="en-US" b="1">
-                <a:solidFill>
-                  <a:schemeClr val="hlink"/>
-                </a:solidFill>
+              <a:t>Questionnaires/rating scales for acute (e.g., GOAT)</a:t>
+            </a:r>
+          </a:p>
+          <a:p>
+            <a:pPr eaLnBrk="1" hangingPunct="1"/>
+            <a:r>
+              <a:rPr lang="en-US">
                 <a:latin typeface="Georgia" charset="0"/>
                 <a:ea typeface="ＭＳ Ｐゴシック" charset="0"/>
                 <a:cs typeface="ＭＳ Ｐゴシック" charset="0"/>
               </a:rPr>
-              <a:t>Working (short term/attentional) memory</a:t>
-            </a:r>
-          </a:p>
-          <a:p>
-            <a:pPr eaLnBrk="1" hangingPunct="1">
-              <a:lnSpc>
-                <a:spcPct val="90000"/>
-              </a:lnSpc>
-            </a:pPr>
-            <a:r>
-              <a:rPr lang="en-US" b="1">
-                <a:solidFill>
-                  <a:srgbClr val="4EB82E"/>
-                </a:solidFill>
+              <a:t>Questionnaires/rating scales for post acute (Memory Questionnaire; Cognitive Symptoms Checklist (Ohara, et al., 1993)</a:t>
+            </a:r>
+          </a:p>
+          <a:p>
+            <a:pPr eaLnBrk="1" hangingPunct="1"/>
+            <a:r>
+              <a:rPr lang="en-US">
                 <a:latin typeface="Georgia" charset="0"/>
                 <a:ea typeface="ＭＳ Ｐゴシック" charset="0"/>
                 <a:cs typeface="ＭＳ Ｐゴシック" charset="0"/>
               </a:rPr>
-              <a:t>Perceptual (agnosias)</a:t>
-            </a:r>
-          </a:p>
-          <a:p>
-            <a:pPr eaLnBrk="1" hangingPunct="1">
-              <a:lnSpc>
-                <a:spcPct val="90000"/>
-              </a:lnSpc>
-            </a:pPr>
-            <a:r>
-              <a:rPr lang="en-US" b="1">
-                <a:solidFill>
-                  <a:srgbClr val="4EB82E"/>
-                </a:solidFill>
-                <a:latin typeface="Georgia" charset="0"/>
-                <a:ea typeface="ＭＳ Ｐゴシック" charset="0"/>
-                <a:cs typeface="ＭＳ Ｐゴシック" charset="0"/>
-              </a:rPr>
-              <a:t>Procedural</a:t>
-            </a:r>
-          </a:p>
-          <a:p>
-            <a:pPr eaLnBrk="1" hangingPunct="1">
-              <a:lnSpc>
-                <a:spcPct val="90000"/>
-              </a:lnSpc>
-            </a:pPr>
-            <a:r>
-              <a:rPr lang="en-US" b="1">
-                <a:solidFill>
-                  <a:srgbClr val="4EB82E"/>
-                </a:solidFill>
-                <a:latin typeface="Georgia" charset="0"/>
-                <a:ea typeface="ＭＳ Ｐゴシック" charset="0"/>
-                <a:cs typeface="ＭＳ Ｐゴシック" charset="0"/>
-              </a:rPr>
-              <a:t>Priming</a:t>
-            </a:r>
-          </a:p>
-          <a:p>
-            <a:pPr eaLnBrk="1" hangingPunct="1">
-              <a:lnSpc>
-                <a:spcPct val="90000"/>
-              </a:lnSpc>
-            </a:pPr>
-            <a:r>
-              <a:rPr lang="en-US" b="1">
-                <a:solidFill>
-                  <a:srgbClr val="4EB82E"/>
-                </a:solidFill>
-                <a:latin typeface="Georgia" charset="0"/>
-                <a:ea typeface="ＭＳ Ｐゴシック" charset="0"/>
-                <a:cs typeface="ＭＳ Ｐゴシック" charset="0"/>
-              </a:rPr>
-              <a:t>Emotional/motivational</a:t>
+              <a:t>Diaries/charts (formal to informal)</a:t>
             </a:r>
           </a:p>
         </p:txBody>
@@ -6591,7 +6625,7 @@
     </p:spTree>
     <p:extLst>
       <p:ext uri="{BB962C8B-B14F-4D97-AF65-F5344CB8AC3E}">
-        <p14:creationId xmlns:p14="http://schemas.microsoft.com/office/powerpoint/2010/main" val="3020989212"/>
+        <p14:creationId xmlns:p14="http://schemas.microsoft.com/office/powerpoint/2010/main" val="667350022"/>
       </p:ext>
     </p:extLst>
   </p:cSld>
@@ -6620,53 +6654,84 @@
       </p:grpSpPr>
       <p:sp>
         <p:nvSpPr>
-          <p:cNvPr id="2" name="Title 1"/>
-          <p:cNvSpPr>
-            <a:spLocks noGrp="1"/>
-          </p:cNvSpPr>
-          <p:nvPr>
-            <p:ph type="ctrTitle"/>
-          </p:nvPr>
-        </p:nvSpPr>
-        <p:spPr/>
-        <p:txBody>
-          <a:bodyPr>
-            <a:normAutofit fontScale="90000"/>
-          </a:bodyPr>
-          <a:lstStyle/>
-          <a:p>
-            <a:r>
-              <a:rPr lang="en-US" dirty="0"/>
-              <a:t>Memory:</a:t>
-            </a:r>
-            <a:br>
-              <a:rPr lang="en-US" dirty="0"/>
-            </a:br>
-            <a:r>
-              <a:rPr lang="en-US" dirty="0"/>
-              <a:t> Theory, Assessment and Treatment</a:t>
-            </a:r>
-          </a:p>
-        </p:txBody>
-      </p:sp>
-      <p:sp>
-        <p:nvSpPr>
-          <p:cNvPr id="3" name="Subtitle 2"/>
-          <p:cNvSpPr>
-            <a:spLocks noGrp="1"/>
-          </p:cNvSpPr>
-          <p:nvPr>
-            <p:ph type="subTitle" idx="1"/>
-          </p:nvPr>
-        </p:nvSpPr>
-        <p:spPr/>
-        <p:txBody>
-          <a:bodyPr/>
-          <a:lstStyle/>
-          <a:p>
-            <a:r>
-              <a:rPr lang="en-US" dirty="0"/>
-              <a:t>Winter 2020</a:t>
+          <p:cNvPr id="15361" name="Rectangle 2"/>
+          <p:cNvSpPr>
+            <a:spLocks noGrp="1" noChangeArrowheads="1"/>
+          </p:cNvSpPr>
+          <p:nvPr>
+            <p:ph type="title"/>
+          </p:nvPr>
+        </p:nvSpPr>
+        <p:spPr/>
+        <p:txBody>
+          <a:bodyPr/>
+          <a:lstStyle/>
+          <a:p>
+            <a:pPr eaLnBrk="1" hangingPunct="1"/>
+            <a:r>
+              <a:rPr lang="en-US" dirty="0">
+                <a:solidFill>
+                  <a:srgbClr val="7B9899"/>
+                </a:solidFill>
+                <a:latin typeface="Georgia" charset="0"/>
+                <a:ea typeface="ＭＳ Ｐゴシック" charset="0"/>
+                <a:cs typeface="ＭＳ Ｐゴシック" charset="0"/>
+              </a:rPr>
+              <a:t>Big Picture: Learning &amp; Memory</a:t>
+            </a:r>
+          </a:p>
+        </p:txBody>
+      </p:sp>
+      <p:sp>
+        <p:nvSpPr>
+          <p:cNvPr id="15362" name="Rectangle 3"/>
+          <p:cNvSpPr>
+            <a:spLocks noGrp="1" noChangeArrowheads="1"/>
+          </p:cNvSpPr>
+          <p:nvPr>
+            <p:ph sz="quarter" idx="1"/>
+          </p:nvPr>
+        </p:nvSpPr>
+        <p:spPr>
+          <a:xfrm>
+            <a:off x="301625" y="1527175"/>
+            <a:ext cx="8504238" cy="4572000"/>
+          </a:xfrm>
+        </p:spPr>
+        <p:txBody>
+          <a:bodyPr/>
+          <a:lstStyle/>
+          <a:p>
+            <a:pPr eaLnBrk="1" hangingPunct="1"/>
+            <a:r>
+              <a:rPr lang="en-US" dirty="0">
+                <a:latin typeface="Georgia" charset="0"/>
+                <a:ea typeface="ＭＳ Ｐゴシック" charset="0"/>
+                <a:cs typeface="ＭＳ Ｐゴシック" charset="0"/>
+              </a:rPr>
+              <a:t>Engage a wide range of brain regions</a:t>
+            </a:r>
+          </a:p>
+          <a:p>
+            <a:pPr eaLnBrk="1" hangingPunct="1"/>
+            <a:r>
+              <a:rPr lang="en-US" dirty="0">
+                <a:latin typeface="Georgia" charset="0"/>
+                <a:ea typeface="ＭＳ Ｐゴシック" charset="0"/>
+                <a:cs typeface="ＭＳ Ｐゴシック" charset="0"/>
+              </a:rPr>
+              <a:t>There are both modality &amp; material-specific channels for information encoding, storage &amp; even retrieval</a:t>
+            </a:r>
+          </a:p>
+          <a:p>
+            <a:pPr eaLnBrk="1" hangingPunct="1"/>
+            <a:r>
+              <a:rPr lang="en-US" dirty="0">
+                <a:latin typeface="Georgia" charset="0"/>
+                <a:ea typeface="ＭＳ Ｐゴシック" charset="0"/>
+                <a:cs typeface="ＭＳ Ｐゴシック" charset="0"/>
+              </a:rPr>
+              <a:t>Information is not represented statically in the brain--(e.g., attention, emotion, hormonal levels) influence, modify and rearrange our knowledge</a:t>
             </a:r>
           </a:p>
         </p:txBody>
@@ -6674,7 +6739,7 @@
     </p:spTree>
     <p:extLst>
       <p:ext uri="{BB962C8B-B14F-4D97-AF65-F5344CB8AC3E}">
-        <p14:creationId xmlns:p14="http://schemas.microsoft.com/office/powerpoint/2010/main" val="3390273943"/>
+        <p14:creationId xmlns:p14="http://schemas.microsoft.com/office/powerpoint/2010/main" val="436654101"/>
       </p:ext>
     </p:extLst>
   </p:cSld>
@@ -6703,7 +6768,7 @@
       </p:grpSpPr>
       <p:sp>
         <p:nvSpPr>
-          <p:cNvPr id="28673" name="Rectangle 2"/>
+          <p:cNvPr id="29698" name="Rectangle 2"/>
           <p:cNvSpPr>
             <a:spLocks noGrp="1" noChangeArrowheads="1"/>
           </p:cNvSpPr>
@@ -6713,12 +6778,16 @@
         </p:nvSpPr>
         <p:spPr/>
         <p:txBody>
-          <a:bodyPr/>
-          <a:lstStyle/>
-          <a:p>
-            <a:pPr eaLnBrk="1" hangingPunct="1"/>
-            <a:r>
-              <a:rPr lang="en-US">
+          <a:bodyPr>
+            <a:normAutofit/>
+          </a:bodyPr>
+          <a:lstStyle/>
+          <a:p>
+            <a:pPr eaLnBrk="1" hangingPunct="1">
+              <a:defRPr/>
+            </a:pPr>
+            <a:r>
+              <a:rPr lang="en-US" sz="3200">
                 <a:solidFill>
                   <a:srgbClr val="7B9899"/>
                 </a:solidFill>
@@ -6726,14 +6795,35 @@
                 <a:ea typeface="ＭＳ Ｐゴシック" charset="0"/>
                 <a:cs typeface="ＭＳ Ｐゴシック" charset="0"/>
               </a:rPr>
-              <a:t>Assessment Questions</a:t>
-            </a:r>
-          </a:p>
-        </p:txBody>
-      </p:sp>
-      <p:sp>
-        <p:nvSpPr>
-          <p:cNvPr id="28674" name="Rectangle 3"/>
+              <a:t>Testing</a:t>
+            </a:r>
+            <a:br>
+              <a:rPr lang="en-US" sz="3200">
+                <a:solidFill>
+                  <a:srgbClr val="7B9899"/>
+                </a:solidFill>
+                <a:latin typeface="Georgia" charset="0"/>
+                <a:ea typeface="ＭＳ Ｐゴシック" charset="0"/>
+                <a:cs typeface="ＭＳ Ｐゴシック" charset="0"/>
+              </a:rPr>
+            </a:br>
+            <a:r>
+              <a:rPr lang="en-US" sz="3200">
+                <a:solidFill>
+                  <a:srgbClr val="7B9899"/>
+                </a:solidFill>
+                <a:latin typeface="Georgia" charset="0"/>
+                <a:ea typeface="ＭＳ Ｐゴシック" charset="0"/>
+                <a:cs typeface="ＭＳ Ｐゴシック" charset="0"/>
+              </a:rPr>
+              <a:t>(Formal-Standardized)</a:t>
+            </a:r>
+          </a:p>
+        </p:txBody>
+      </p:sp>
+      <p:sp>
+        <p:nvSpPr>
+          <p:cNvPr id="31746" name="Rectangle 3"/>
           <p:cNvSpPr>
             <a:spLocks noGrp="1" noChangeArrowheads="1"/>
           </p:cNvSpPr>
@@ -6743,8 +6833,8 @@
         </p:nvSpPr>
         <p:spPr>
           <a:xfrm>
-            <a:off x="301625" y="1527175"/>
-            <a:ext cx="8504238" cy="4572000"/>
+            <a:off x="685800" y="1905000"/>
+            <a:ext cx="7772400" cy="4495800"/>
           </a:xfrm>
         </p:spPr>
         <p:txBody>
@@ -6758,7 +6848,7 @@
                 <a:ea typeface="ＭＳ Ｐゴシック" charset="0"/>
                 <a:cs typeface="ＭＳ Ｐゴシック" charset="0"/>
               </a:rPr>
-              <a:t>Is there a memory impairment?</a:t>
+              <a:t>Wechsler Memory Scales (six primary subtests--episodic, working/recognition, recall, learning)</a:t>
             </a:r>
           </a:p>
           <a:p>
@@ -6769,7 +6859,7 @@
                 <a:ea typeface="ＭＳ Ｐゴシック" charset="0"/>
                 <a:cs typeface="ＭＳ Ｐゴシック" charset="0"/>
               </a:rPr>
-              <a:t>If so, how severe?</a:t>
+              <a:t>RBMT (episodic, prospective/recognition, recall, learning</a:t>
             </a:r>
           </a:p>
           <a:p>
@@ -6780,7 +6870,7 @@
                 <a:ea typeface="ＭＳ Ｐゴシック" charset="0"/>
                 <a:cs typeface="ＭＳ Ｐゴシック" charset="0"/>
               </a:rPr>
-              <a:t>What memory systems &amp; domains are affected?</a:t>
+              <a:t>CVLT (episodic/recognition, recall, learning)</a:t>
             </a:r>
           </a:p>
           <a:p>
@@ -6791,29 +6881,7 @@
                 <a:ea typeface="ＭＳ Ｐゴシック" charset="0"/>
                 <a:cs typeface="ＭＳ Ｐゴシック" charset="0"/>
               </a:rPr>
-              <a:t>Prognosis &amp; prediction?</a:t>
-            </a:r>
-          </a:p>
-          <a:p>
-            <a:pPr eaLnBrk="1" hangingPunct="1"/>
-            <a:r>
-              <a:rPr lang="en-US" sz="2800">
-                <a:latin typeface="Georgia" charset="0"/>
-                <a:ea typeface="ＭＳ Ｐゴシック" charset="0"/>
-                <a:cs typeface="ＭＳ Ｐゴシック" charset="0"/>
-              </a:rPr>
-              <a:t>How do/will memory problems affect everyday functioning?</a:t>
-            </a:r>
-          </a:p>
-          <a:p>
-            <a:pPr eaLnBrk="1" hangingPunct="1"/>
-            <a:r>
-              <a:rPr lang="en-US" sz="2800">
-                <a:latin typeface="Georgia" charset="0"/>
-                <a:ea typeface="ＭＳ Ｐゴシック" charset="0"/>
-                <a:cs typeface="ＭＳ Ｐゴシック" charset="0"/>
-              </a:rPr>
-              <a:t>What will help?</a:t>
+              <a:t>Pyramid &amp; Palm Trees (semantic/recognition)</a:t>
             </a:r>
           </a:p>
           <a:p>
@@ -6829,7 +6897,7 @@
     </p:spTree>
     <p:extLst>
       <p:ext uri="{BB962C8B-B14F-4D97-AF65-F5344CB8AC3E}">
-        <p14:creationId xmlns:p14="http://schemas.microsoft.com/office/powerpoint/2010/main" val="1805674362"/>
+        <p14:creationId xmlns:p14="http://schemas.microsoft.com/office/powerpoint/2010/main" val="3866493572"/>
       </p:ext>
     </p:extLst>
   </p:cSld>
@@ -6858,7 +6926,7 @@
       </p:grpSpPr>
       <p:sp>
         <p:nvSpPr>
-          <p:cNvPr id="29697" name="Rectangle 2"/>
+          <p:cNvPr id="28674" name="Rectangle 2"/>
           <p:cNvSpPr>
             <a:spLocks noGrp="1" noChangeArrowheads="1"/>
           </p:cNvSpPr>
@@ -6868,12 +6936,16 @@
         </p:nvSpPr>
         <p:spPr/>
         <p:txBody>
-          <a:bodyPr/>
-          <a:lstStyle/>
-          <a:p>
-            <a:pPr eaLnBrk="1" hangingPunct="1"/>
-            <a:r>
-              <a:rPr lang="en-US" sz="3000">
+          <a:bodyPr>
+            <a:normAutofit/>
+          </a:bodyPr>
+          <a:lstStyle/>
+          <a:p>
+            <a:pPr eaLnBrk="1" hangingPunct="1">
+              <a:defRPr/>
+            </a:pPr>
+            <a:r>
+              <a:rPr lang="en-US" sz="3200">
                 <a:solidFill>
                   <a:srgbClr val="7B9899"/>
                 </a:solidFill>
@@ -6881,14 +6953,43 @@
                 <a:ea typeface="ＭＳ Ｐゴシック" charset="0"/>
                 <a:cs typeface="ＭＳ Ｐゴシック" charset="0"/>
               </a:rPr>
-              <a:t>Contributions to Clinical Memory Assessment</a:t>
-            </a:r>
-          </a:p>
-        </p:txBody>
-      </p:sp>
-      <p:sp>
-        <p:nvSpPr>
-          <p:cNvPr id="29698" name="Rectangle 3"/>
+              <a:t>Testing</a:t>
+            </a:r>
+            <a:br>
+              <a:rPr lang="en-US" sz="3200">
+                <a:solidFill>
+                  <a:srgbClr val="7B9899"/>
+                </a:solidFill>
+                <a:latin typeface="Georgia" charset="0"/>
+                <a:ea typeface="ＭＳ Ｐゴシック" charset="0"/>
+                <a:cs typeface="ＭＳ Ｐゴシック" charset="0"/>
+              </a:rPr>
+            </a:br>
+            <a:r>
+              <a:rPr lang="en-US" sz="3200">
+                <a:solidFill>
+                  <a:srgbClr val="7B9899"/>
+                </a:solidFill>
+                <a:latin typeface="Georgia" charset="0"/>
+                <a:ea typeface="ＭＳ Ｐゴシック" charset="0"/>
+                <a:cs typeface="ＭＳ Ｐゴシック" charset="0"/>
+              </a:rPr>
+              <a:t>(Formal-Standardized)</a:t>
+            </a:r>
+            <a:endParaRPr lang="en-US" sz="3000">
+              <a:solidFill>
+                <a:srgbClr val="7B9899"/>
+              </a:solidFill>
+              <a:latin typeface="Georgia" charset="0"/>
+              <a:ea typeface="ＭＳ Ｐゴシック" charset="0"/>
+              <a:cs typeface="ＭＳ Ｐゴシック" charset="0"/>
+            </a:endParaRPr>
+          </a:p>
+        </p:txBody>
+      </p:sp>
+      <p:sp>
+        <p:nvSpPr>
+          <p:cNvPr id="32770" name="Rectangle 3"/>
           <p:cNvSpPr>
             <a:spLocks noGrp="1" noChangeArrowheads="1"/>
           </p:cNvSpPr>
@@ -6906,52 +7007,57 @@
           <a:bodyPr/>
           <a:lstStyle/>
           <a:p>
-            <a:pPr eaLnBrk="1" hangingPunct="1"/>
-            <a:r>
-              <a:rPr lang="en-US">
+            <a:pPr eaLnBrk="1" hangingPunct="1">
+              <a:lnSpc>
+                <a:spcPct val="90000"/>
+              </a:lnSpc>
+            </a:pPr>
+            <a:r>
+              <a:rPr lang="en-US" sz="2800">
                 <a:latin typeface="Georgia" charset="0"/>
                 <a:ea typeface="ＭＳ Ｐゴシック" charset="0"/>
                 <a:cs typeface="ＭＳ Ｐゴシック" charset="0"/>
               </a:rPr>
-              <a:t>Patient symptoms</a:t>
-            </a:r>
-          </a:p>
-          <a:p>
-            <a:pPr eaLnBrk="1" hangingPunct="1"/>
-            <a:r>
-              <a:rPr lang="en-US">
+              <a:t>Consider task stimuli (pictorial, verbal), response modality (auditory, visual), mode of response (recall, cued, recognition), focus (new learning, retention)</a:t>
+            </a:r>
+          </a:p>
+          <a:p>
+            <a:pPr eaLnBrk="1" hangingPunct="1">
+              <a:lnSpc>
+                <a:spcPct val="90000"/>
+              </a:lnSpc>
+            </a:pPr>
+            <a:r>
+              <a:rPr lang="en-US" sz="2800">
                 <a:latin typeface="Georgia" charset="0"/>
                 <a:ea typeface="ＭＳ Ｐゴシック" charset="0"/>
                 <a:cs typeface="ＭＳ Ｐゴシック" charset="0"/>
               </a:rPr>
-              <a:t>Perspective of carers/family</a:t>
-            </a:r>
-          </a:p>
-          <a:p>
-            <a:pPr eaLnBrk="1" hangingPunct="1"/>
-            <a:r>
-              <a:rPr lang="en-US">
+              <a:t>Consider psychometrics: construct validity, face validity, reliability, norming, floor &amp; ceiling effects, ecological validity</a:t>
+            </a:r>
+          </a:p>
+          <a:p>
+            <a:pPr eaLnBrk="1" hangingPunct="1">
+              <a:lnSpc>
+                <a:spcPct val="90000"/>
+              </a:lnSpc>
+            </a:pPr>
+            <a:r>
+              <a:rPr lang="en-US" sz="2800">
                 <a:latin typeface="Georgia" charset="0"/>
                 <a:ea typeface="ＭＳ Ｐゴシック" charset="0"/>
                 <a:cs typeface="ＭＳ Ｐゴシック" charset="0"/>
               </a:rPr>
-              <a:t>Diary based observations</a:t>
-            </a:r>
-          </a:p>
-          <a:p>
-            <a:pPr eaLnBrk="1" hangingPunct="1"/>
-            <a:r>
-              <a:rPr lang="en-US">
-                <a:latin typeface="Georgia" charset="0"/>
-                <a:ea typeface="ＭＳ Ｐゴシック" charset="0"/>
-                <a:cs typeface="ＭＳ Ｐゴシック" charset="0"/>
-              </a:rPr>
-              <a:t>Memory tests</a:t>
-            </a:r>
-          </a:p>
-          <a:p>
-            <a:pPr eaLnBrk="1" hangingPunct="1"/>
-            <a:endParaRPr lang="en-US">
+              <a:t>Dynamic assessment by altering: distraction, practice, rehearsal, simplification of instructions, external incentives, external aids etc.</a:t>
+            </a:r>
+          </a:p>
+          <a:p>
+            <a:pPr eaLnBrk="1" hangingPunct="1">
+              <a:lnSpc>
+                <a:spcPct val="90000"/>
+              </a:lnSpc>
+            </a:pPr>
+            <a:endParaRPr lang="en-US" sz="2800">
               <a:latin typeface="Georgia" charset="0"/>
               <a:ea typeface="ＭＳ Ｐゴシック" charset="0"/>
               <a:cs typeface="ＭＳ Ｐゴシック" charset="0"/>
@@ -6962,7 +7068,7 @@
     </p:spTree>
     <p:extLst>
       <p:ext uri="{BB962C8B-B14F-4D97-AF65-F5344CB8AC3E}">
-        <p14:creationId xmlns:p14="http://schemas.microsoft.com/office/powerpoint/2010/main" val="1003984493"/>
+        <p14:creationId xmlns:p14="http://schemas.microsoft.com/office/powerpoint/2010/main" val="573846676"/>
       </p:ext>
     </p:extLst>
   </p:cSld>
@@ -6991,7 +7097,7 @@
       </p:grpSpPr>
       <p:sp>
         <p:nvSpPr>
-          <p:cNvPr id="27650" name="Rectangle 2"/>
+          <p:cNvPr id="31746" name="Rectangle 2"/>
           <p:cNvSpPr>
             <a:spLocks noGrp="1" noChangeArrowheads="1"/>
           </p:cNvSpPr>
@@ -7002,7 +7108,7 @@
         <p:spPr/>
         <p:txBody>
           <a:bodyPr>
-            <a:normAutofit/>
+            <a:normAutofit fontScale="90000"/>
           </a:bodyPr>
           <a:lstStyle/>
           <a:p>
@@ -7010,56 +7116,20 @@
               <a:defRPr/>
             </a:pPr>
             <a:r>
-              <a:rPr lang="en-US" sz="2900">
-                <a:solidFill>
-                  <a:srgbClr val="7B9899"/>
-                </a:solidFill>
-                <a:latin typeface="Georgia" charset="0"/>
-                <a:ea typeface="ＭＳ Ｐゴシック" charset="0"/>
-                <a:cs typeface="ＭＳ Ｐゴシック" charset="0"/>
-              </a:rPr>
-              <a:t>Testing</a:t>
-            </a:r>
-            <a:br>
-              <a:rPr lang="en-US" sz="2900">
-                <a:solidFill>
-                  <a:srgbClr val="7B9899"/>
-                </a:solidFill>
-                <a:latin typeface="Georgia" charset="0"/>
-                <a:ea typeface="ＭＳ Ｐゴシック" charset="0"/>
-                <a:cs typeface="ＭＳ Ｐゴシック" charset="0"/>
-              </a:rPr>
-            </a:br>
-            <a:r>
-              <a:rPr lang="en-US" sz="2900">
-                <a:solidFill>
-                  <a:srgbClr val="7B9899"/>
-                </a:solidFill>
-                <a:latin typeface="Georgia" charset="0"/>
-                <a:ea typeface="ＭＳ Ｐゴシック" charset="0"/>
-                <a:cs typeface="ＭＳ Ｐゴシック" charset="0"/>
-              </a:rPr>
-              <a:t>(Informal/Formal-Unstandardized)</a:t>
-            </a:r>
-            <a:endParaRPr lang="en-US" sz="3000">
-              <a:solidFill>
-                <a:srgbClr val="7B9899"/>
-              </a:solidFill>
-              <a:latin typeface="Georgia" charset="0"/>
-              <a:ea typeface="ＭＳ Ｐゴシック" charset="0"/>
-              <a:cs typeface="ＭＳ Ｐゴシック" charset="0"/>
-            </a:endParaRPr>
-          </a:p>
-        </p:txBody>
-      </p:sp>
-      <p:sp>
-        <p:nvSpPr>
-          <p:cNvPr id="30722" name="Rectangle 3"/>
+              <a:rPr lang="en-US" dirty="0"/>
+              <a:t>Six Possible Memory Intervention Approaches</a:t>
+            </a:r>
+          </a:p>
+        </p:txBody>
+      </p:sp>
+      <p:sp>
+        <p:nvSpPr>
+          <p:cNvPr id="31747" name="Rectangle 3"/>
           <p:cNvSpPr>
             <a:spLocks noGrp="1" noChangeArrowheads="1"/>
           </p:cNvSpPr>
           <p:nvPr>
-            <p:ph sz="quarter" idx="1"/>
+            <p:ph idx="1"/>
           </p:nvPr>
         </p:nvSpPr>
         <p:spPr>
@@ -7069,58 +7139,217 @@
           </a:xfrm>
         </p:spPr>
         <p:txBody>
-          <a:bodyPr/>
-          <a:lstStyle/>
-          <a:p>
-            <a:pPr eaLnBrk="1" hangingPunct="1"/>
-            <a:r>
-              <a:rPr lang="en-US">
-                <a:latin typeface="Georgia" charset="0"/>
-                <a:ea typeface="ＭＳ Ｐゴシック" charset="0"/>
-                <a:cs typeface="ＭＳ Ｐゴシック" charset="0"/>
-              </a:rPr>
-              <a:t>Clinical Interview (spontaneous account, symptoms, impact, agreement)</a:t>
-            </a:r>
-          </a:p>
-          <a:p>
-            <a:pPr eaLnBrk="1" hangingPunct="1"/>
-            <a:r>
-              <a:rPr lang="en-US">
-                <a:latin typeface="Georgia" charset="0"/>
-                <a:ea typeface="ＭＳ Ｐゴシック" charset="0"/>
-                <a:cs typeface="ＭＳ Ｐゴシック" charset="0"/>
-              </a:rPr>
-              <a:t>Questionnaires/rating scales for acute (e.g., GOAT)</a:t>
-            </a:r>
-          </a:p>
-          <a:p>
-            <a:pPr eaLnBrk="1" hangingPunct="1"/>
-            <a:r>
-              <a:rPr lang="en-US">
-                <a:latin typeface="Georgia" charset="0"/>
-                <a:ea typeface="ＭＳ Ｐゴシック" charset="0"/>
-                <a:cs typeface="ＭＳ Ｐゴシック" charset="0"/>
-              </a:rPr>
-              <a:t>Questionnaires/rating scales for post acute (Memory Questionnaire; Cognitive Symptoms Checklist (Ohara, et al., 1993)</a:t>
-            </a:r>
-          </a:p>
-          <a:p>
-            <a:pPr eaLnBrk="1" hangingPunct="1"/>
-            <a:r>
-              <a:rPr lang="en-US">
-                <a:latin typeface="Georgia" charset="0"/>
-                <a:ea typeface="ＭＳ Ｐゴシック" charset="0"/>
-                <a:cs typeface="ＭＳ Ｐゴシック" charset="0"/>
-              </a:rPr>
-              <a:t>Diaries/charts (formal to informal)</a:t>
-            </a:r>
+          <a:bodyPr>
+            <a:normAutofit lnSpcReduction="10000"/>
+          </a:bodyPr>
+          <a:lstStyle/>
+          <a:p>
+            <a:pPr eaLnBrk="1" hangingPunct="1">
+              <a:lnSpc>
+                <a:spcPct val="90000"/>
+              </a:lnSpc>
+              <a:defRPr/>
+            </a:pPr>
+            <a:r>
+              <a:rPr lang="en-US" sz="2800" b="1" dirty="0">
+                <a:solidFill>
+                  <a:srgbClr val="4EB82E"/>
+                </a:solidFill>
+              </a:rPr>
+              <a:t>Impairment based</a:t>
+            </a:r>
+            <a:r>
+              <a:rPr lang="en-US" sz="2800" dirty="0"/>
+              <a:t> </a:t>
+            </a:r>
+          </a:p>
+          <a:p>
+            <a:pPr lvl="1">
+              <a:lnSpc>
+                <a:spcPct val="90000"/>
+              </a:lnSpc>
+              <a:defRPr/>
+            </a:pPr>
+            <a:r>
+              <a:rPr lang="en-US" sz="2600" dirty="0"/>
+              <a:t>Drills (no evidence to support; Shum et al., 2011)</a:t>
+            </a:r>
+          </a:p>
+          <a:p>
+            <a:pPr marL="274638" lvl="1" indent="0">
+              <a:lnSpc>
+                <a:spcPct val="90000"/>
+              </a:lnSpc>
+              <a:buFont typeface="Wingdings" charset="0"/>
+              <a:buNone/>
+              <a:defRPr/>
+            </a:pPr>
+            <a:r>
+              <a:rPr lang="en-US" sz="2600" dirty="0"/>
+              <a:t>				</a:t>
+            </a:r>
+          </a:p>
+          <a:p>
+            <a:pPr marL="0" indent="0" algn="ctr" eaLnBrk="1" hangingPunct="1">
+              <a:lnSpc>
+                <a:spcPct val="90000"/>
+              </a:lnSpc>
+              <a:buFont typeface="Wingdings 2" charset="0"/>
+              <a:buNone/>
+              <a:defRPr/>
+            </a:pPr>
+            <a:r>
+              <a:rPr lang="en-US" sz="2800" b="1" dirty="0">
+                <a:solidFill>
+                  <a:srgbClr val="4EB82E"/>
+                </a:solidFill>
+              </a:rPr>
+              <a:t>VS</a:t>
+            </a:r>
+            <a:endParaRPr lang="en-US" sz="2800" dirty="0"/>
+          </a:p>
+          <a:p>
+            <a:pPr eaLnBrk="1" hangingPunct="1">
+              <a:lnSpc>
+                <a:spcPct val="90000"/>
+              </a:lnSpc>
+              <a:defRPr/>
+            </a:pPr>
+            <a:r>
+              <a:rPr lang="en-US" sz="2800" b="1" dirty="0">
+                <a:solidFill>
+                  <a:srgbClr val="4EB82E"/>
+                </a:solidFill>
+              </a:rPr>
+              <a:t>Domain specific/Task Specific/Compensatory</a:t>
+            </a:r>
+            <a:endParaRPr lang="en-US" sz="2800" dirty="0"/>
+          </a:p>
+          <a:p>
+            <a:pPr lvl="1">
+              <a:lnSpc>
+                <a:spcPct val="90000"/>
+              </a:lnSpc>
+              <a:defRPr/>
+            </a:pPr>
+            <a:r>
+              <a:rPr lang="en-US" sz="2600" b="1" dirty="0">
+                <a:solidFill>
+                  <a:schemeClr val="tx1"/>
+                </a:solidFill>
+              </a:rPr>
+              <a:t>Environmental management*</a:t>
+            </a:r>
+          </a:p>
+          <a:p>
+            <a:pPr lvl="1">
+              <a:lnSpc>
+                <a:spcPct val="90000"/>
+              </a:lnSpc>
+              <a:defRPr/>
+            </a:pPr>
+            <a:r>
+              <a:rPr lang="en-US" sz="2600" b="1" dirty="0">
+                <a:solidFill>
+                  <a:schemeClr val="tx1"/>
+                </a:solidFill>
+              </a:rPr>
+              <a:t>Functional Skills or Facts </a:t>
+            </a:r>
+            <a:r>
+              <a:rPr lang="en-US" sz="2600" b="1" dirty="0"/>
+              <a:t>T</a:t>
+            </a:r>
+            <a:r>
+              <a:rPr lang="en-US" sz="2600" b="1" dirty="0">
+                <a:solidFill>
+                  <a:schemeClr val="tx1"/>
+                </a:solidFill>
+              </a:rPr>
+              <a:t>raining*</a:t>
+            </a:r>
+          </a:p>
+          <a:p>
+            <a:pPr lvl="1">
+              <a:lnSpc>
+                <a:spcPct val="90000"/>
+              </a:lnSpc>
+              <a:defRPr/>
+            </a:pPr>
+            <a:r>
+              <a:rPr lang="en-US" sz="2600" b="1" dirty="0">
+                <a:solidFill>
+                  <a:schemeClr val="tx1"/>
+                </a:solidFill>
+              </a:rPr>
+              <a:t>External Aids/Assistive Technology*</a:t>
+            </a:r>
+          </a:p>
+          <a:p>
+            <a:pPr lvl="1">
+              <a:lnSpc>
+                <a:spcPct val="90000"/>
+              </a:lnSpc>
+              <a:defRPr/>
+            </a:pPr>
+            <a:r>
+              <a:rPr lang="en-US" sz="2600" b="1" dirty="0">
+                <a:solidFill>
+                  <a:schemeClr val="tx1"/>
+                </a:solidFill>
+              </a:rPr>
+              <a:t>Cognitive strategies to enhance memory*</a:t>
+            </a:r>
+          </a:p>
+          <a:p>
+            <a:pPr lvl="1">
+              <a:lnSpc>
+                <a:spcPct val="90000"/>
+              </a:lnSpc>
+              <a:defRPr/>
+            </a:pPr>
+            <a:r>
+              <a:rPr lang="en-US" sz="2600" b="1" dirty="0">
+                <a:solidFill>
+                  <a:schemeClr val="tx1"/>
+                </a:solidFill>
+              </a:rPr>
+              <a:t>Personalized Education</a:t>
+            </a:r>
+          </a:p>
+          <a:p>
+            <a:pPr marL="282575" lvl="1" indent="0">
+              <a:lnSpc>
+                <a:spcPct val="90000"/>
+              </a:lnSpc>
+              <a:buFont typeface="Wingdings" charset="0"/>
+              <a:buNone/>
+              <a:defRPr/>
+            </a:pPr>
+            <a:r>
+              <a:rPr lang="en-US" sz="2600" b="1" dirty="0">
+                <a:solidFill>
+                  <a:schemeClr val="accent1"/>
+                </a:solidFill>
+              </a:rPr>
+              <a:t>*Depend upon effective instruction—Use PIE framework</a:t>
+            </a:r>
+          </a:p>
+          <a:p>
+            <a:pPr eaLnBrk="1" hangingPunct="1">
+              <a:lnSpc>
+                <a:spcPct val="90000"/>
+              </a:lnSpc>
+              <a:defRPr/>
+            </a:pPr>
+            <a:endParaRPr lang="en-US" sz="2800" dirty="0"/>
           </a:p>
         </p:txBody>
       </p:sp>
     </p:spTree>
     <p:extLst>
       <p:ext uri="{BB962C8B-B14F-4D97-AF65-F5344CB8AC3E}">
-        <p14:creationId xmlns:p14="http://schemas.microsoft.com/office/powerpoint/2010/main" val="667350022"/>
+        <p14:creationId xmlns:p14="http://schemas.microsoft.com/office/powerpoint/2010/main" val="275048399"/>
       </p:ext>
     </p:extLst>
   </p:cSld>
@@ -7149,9 +7378,9 @@
       </p:grpSpPr>
       <p:sp>
         <p:nvSpPr>
-          <p:cNvPr id="29698" name="Rectangle 2"/>
-          <p:cNvSpPr>
-            <a:spLocks noGrp="1" noChangeArrowheads="1"/>
+          <p:cNvPr id="2" name="Title 1"/>
+          <p:cNvSpPr>
+            <a:spLocks noGrp="1"/>
           </p:cNvSpPr>
           <p:nvPr>
             <p:ph type="title"/>
@@ -7159,126 +7388,77 @@
         </p:nvSpPr>
         <p:spPr/>
         <p:txBody>
+          <a:bodyPr/>
+          <a:lstStyle/>
+          <a:p>
+            <a:r>
+              <a:rPr lang="en-US" dirty="0"/>
+              <a:t>Spaced Retrieval</a:t>
+            </a:r>
+          </a:p>
+        </p:txBody>
+      </p:sp>
+      <p:sp>
+        <p:nvSpPr>
+          <p:cNvPr id="3" name="Content Placeholder 2"/>
+          <p:cNvSpPr>
+            <a:spLocks noGrp="1"/>
+          </p:cNvSpPr>
+          <p:nvPr>
+            <p:ph idx="1"/>
+          </p:nvPr>
+        </p:nvSpPr>
+        <p:spPr/>
+        <p:txBody>
           <a:bodyPr>
-            <a:normAutofit/>
+            <a:normAutofit fontScale="92500" lnSpcReduction="10000"/>
           </a:bodyPr>
           <a:lstStyle/>
           <a:p>
-            <a:pPr eaLnBrk="1" hangingPunct="1">
-              <a:defRPr/>
+            <a:pPr marL="0" indent="0">
+              <a:buNone/>
             </a:pPr>
             <a:r>
-              <a:rPr lang="en-US" sz="3200">
-                <a:solidFill>
-                  <a:srgbClr val="7B9899"/>
-                </a:solidFill>
-                <a:latin typeface="Georgia" charset="0"/>
-                <a:ea typeface="ＭＳ Ｐゴシック" charset="0"/>
-                <a:cs typeface="ＭＳ Ｐゴシック" charset="0"/>
-              </a:rPr>
-              <a:t>Testing</a:t>
-            </a:r>
-            <a:br>
-              <a:rPr lang="en-US" sz="3200">
-                <a:solidFill>
-                  <a:srgbClr val="7B9899"/>
-                </a:solidFill>
-                <a:latin typeface="Georgia" charset="0"/>
-                <a:ea typeface="ＭＳ Ｐゴシック" charset="0"/>
-                <a:cs typeface="ＭＳ Ｐゴシック" charset="0"/>
-              </a:rPr>
-            </a:br>
-            <a:r>
-              <a:rPr lang="en-US" sz="3200">
-                <a:solidFill>
-                  <a:srgbClr val="7B9899"/>
-                </a:solidFill>
-                <a:latin typeface="Georgia" charset="0"/>
-                <a:ea typeface="ＭＳ Ｐゴシック" charset="0"/>
-                <a:cs typeface="ＭＳ Ｐゴシック" charset="0"/>
-              </a:rPr>
-              <a:t>(Formal-Standardized)</a:t>
-            </a:r>
-          </a:p>
-        </p:txBody>
-      </p:sp>
-      <p:sp>
-        <p:nvSpPr>
-          <p:cNvPr id="31746" name="Rectangle 3"/>
-          <p:cNvSpPr>
-            <a:spLocks noGrp="1" noChangeArrowheads="1"/>
-          </p:cNvSpPr>
-          <p:nvPr>
-            <p:ph sz="quarter" idx="1"/>
-          </p:nvPr>
-        </p:nvSpPr>
-        <p:spPr>
-          <a:xfrm>
-            <a:off x="685800" y="1905000"/>
-            <a:ext cx="7772400" cy="4495800"/>
-          </a:xfrm>
-        </p:spPr>
-        <p:txBody>
-          <a:bodyPr/>
-          <a:lstStyle/>
-          <a:p>
-            <a:pPr eaLnBrk="1" hangingPunct="1"/>
-            <a:r>
-              <a:rPr lang="en-US" sz="2800">
-                <a:latin typeface="Georgia" charset="0"/>
-                <a:ea typeface="ＭＳ Ｐゴシック" charset="0"/>
-                <a:cs typeface="ＭＳ Ｐゴシック" charset="0"/>
-              </a:rPr>
-              <a:t>Wechsler Memory Scales (six primary subtests--episodic, working/recognition, recall, learning)</a:t>
-            </a:r>
-          </a:p>
-          <a:p>
-            <a:pPr eaLnBrk="1" hangingPunct="1"/>
-            <a:r>
-              <a:rPr lang="en-US" sz="2800">
-                <a:latin typeface="Georgia" charset="0"/>
-                <a:ea typeface="ＭＳ Ｐゴシック" charset="0"/>
-                <a:cs typeface="ＭＳ Ｐゴシック" charset="0"/>
-              </a:rPr>
-              <a:t>RBMT (episodic, prospective/recognition, recall, learning</a:t>
-            </a:r>
-          </a:p>
-          <a:p>
-            <a:pPr eaLnBrk="1" hangingPunct="1"/>
-            <a:r>
-              <a:rPr lang="en-US" sz="2800">
-                <a:latin typeface="Georgia" charset="0"/>
-                <a:ea typeface="ＭＳ Ｐゴシック" charset="0"/>
-                <a:cs typeface="ＭＳ Ｐゴシック" charset="0"/>
-              </a:rPr>
-              <a:t>CVLT (episodic/recognition, recall, learning)</a:t>
-            </a:r>
-          </a:p>
-          <a:p>
-            <a:pPr eaLnBrk="1" hangingPunct="1"/>
-            <a:r>
-              <a:rPr lang="en-US" sz="2800">
-                <a:latin typeface="Georgia" charset="0"/>
-                <a:ea typeface="ＭＳ Ｐゴシック" charset="0"/>
-                <a:cs typeface="ＭＳ Ｐゴシック" charset="0"/>
-              </a:rPr>
-              <a:t>Pyramid &amp; Palm Trees (semantic/recognition)</a:t>
-            </a:r>
-          </a:p>
-          <a:p>
-            <a:pPr eaLnBrk="1" hangingPunct="1"/>
-            <a:endParaRPr lang="en-US" sz="2800">
-              <a:latin typeface="Georgia" charset="0"/>
-              <a:ea typeface="ＭＳ Ｐゴシック" charset="0"/>
-              <a:cs typeface="ＭＳ Ｐゴシック" charset="0"/>
-            </a:endParaRPr>
+              <a:rPr lang="en-US" dirty="0"/>
+              <a:t>Used to primarily train concepts and facts</a:t>
+            </a:r>
+          </a:p>
+          <a:p>
+            <a:r>
+              <a:rPr lang="en-US" dirty="0"/>
+              <a:t> “Active rehearsal” </a:t>
+            </a:r>
+          </a:p>
+          <a:p>
+            <a:r>
+              <a:rPr lang="en-US" dirty="0"/>
+              <a:t>Repeated and spaced retrieval facilitates learning</a:t>
+            </a:r>
+          </a:p>
+          <a:p>
+            <a:r>
+              <a:rPr lang="en-US" dirty="0"/>
+              <a:t>Minimizes errors but does not eliminate them</a:t>
+            </a:r>
+          </a:p>
+          <a:p>
+            <a:r>
+              <a:rPr lang="en-US" dirty="0"/>
+              <a:t>Been demonstrated to enhance memory performance on a range of tasks (face-name association, object recall, use of memory aids)</a:t>
+            </a:r>
+          </a:p>
+          <a:p>
+            <a:r>
+              <a:rPr lang="en-US" dirty="0"/>
+              <a:t>Most of the data in the dementia population with some in the ABI literature</a:t>
+            </a:r>
           </a:p>
         </p:txBody>
       </p:sp>
     </p:spTree>
     <p:extLst>
       <p:ext uri="{BB962C8B-B14F-4D97-AF65-F5344CB8AC3E}">
-        <p14:creationId xmlns:p14="http://schemas.microsoft.com/office/powerpoint/2010/main" val="3866493572"/>
+        <p14:creationId xmlns:p14="http://schemas.microsoft.com/office/powerpoint/2010/main" val="172072686"/>
       </p:ext>
     </p:extLst>
   </p:cSld>
@@ -7307,12 +7487,34 @@
       </p:grpSpPr>
       <p:sp>
         <p:nvSpPr>
-          <p:cNvPr id="28674" name="Rectangle 2"/>
-          <p:cNvSpPr>
-            <a:spLocks noGrp="1" noChangeArrowheads="1"/>
+          <p:cNvPr id="2" name="Title 1"/>
+          <p:cNvSpPr>
+            <a:spLocks noGrp="1"/>
           </p:cNvSpPr>
           <p:nvPr>
             <p:ph type="title"/>
+          </p:nvPr>
+        </p:nvSpPr>
+        <p:spPr/>
+        <p:txBody>
+          <a:bodyPr/>
+          <a:lstStyle/>
+          <a:p>
+            <a:r>
+              <a:rPr lang="en-US" dirty="0"/>
+              <a:t>Errorless Learning used in SR</a:t>
+            </a:r>
+          </a:p>
+        </p:txBody>
+      </p:sp>
+      <p:sp>
+        <p:nvSpPr>
+          <p:cNvPr id="3" name="Content Placeholder 2"/>
+          <p:cNvSpPr>
+            <a:spLocks noGrp="1"/>
+          </p:cNvSpPr>
+          <p:nvPr>
+            <p:ph idx="1"/>
           </p:nvPr>
         </p:nvSpPr>
         <p:spPr/>
@@ -7322,134 +7524,28 @@
           </a:bodyPr>
           <a:lstStyle/>
           <a:p>
-            <a:pPr eaLnBrk="1" hangingPunct="1">
-              <a:defRPr/>
-            </a:pPr>
-            <a:r>
-              <a:rPr lang="en-US" sz="3200">
-                <a:solidFill>
-                  <a:srgbClr val="7B9899"/>
-                </a:solidFill>
-                <a:latin typeface="Georgia" charset="0"/>
-                <a:ea typeface="ＭＳ Ｐゴシック" charset="0"/>
-                <a:cs typeface="ＭＳ Ｐゴシック" charset="0"/>
-              </a:rPr>
-              <a:t>Testing</a:t>
-            </a:r>
-            <a:br>
-              <a:rPr lang="en-US" sz="3200">
-                <a:solidFill>
-                  <a:srgbClr val="7B9899"/>
-                </a:solidFill>
-                <a:latin typeface="Georgia" charset="0"/>
-                <a:ea typeface="ＭＳ Ｐゴシック" charset="0"/>
-                <a:cs typeface="ＭＳ Ｐゴシック" charset="0"/>
-              </a:rPr>
-            </a:br>
-            <a:r>
-              <a:rPr lang="en-US" sz="3200">
-                <a:solidFill>
-                  <a:srgbClr val="7B9899"/>
-                </a:solidFill>
-                <a:latin typeface="Georgia" charset="0"/>
-                <a:ea typeface="ＭＳ Ｐゴシック" charset="0"/>
-                <a:cs typeface="ＭＳ Ｐゴシック" charset="0"/>
-              </a:rPr>
-              <a:t>(Formal-Standardized)</a:t>
-            </a:r>
-            <a:endParaRPr lang="en-US" sz="3000">
-              <a:solidFill>
-                <a:srgbClr val="7B9899"/>
-              </a:solidFill>
-              <a:latin typeface="Georgia" charset="0"/>
-              <a:ea typeface="ＭＳ Ｐゴシック" charset="0"/>
-              <a:cs typeface="ＭＳ Ｐゴシック" charset="0"/>
-            </a:endParaRPr>
-          </a:p>
-        </p:txBody>
-      </p:sp>
-      <p:sp>
-        <p:nvSpPr>
-          <p:cNvPr id="32770" name="Rectangle 3"/>
-          <p:cNvSpPr>
-            <a:spLocks noGrp="1" noChangeArrowheads="1"/>
-          </p:cNvSpPr>
-          <p:nvPr>
-            <p:ph sz="quarter" idx="1"/>
-          </p:nvPr>
-        </p:nvSpPr>
-        <p:spPr>
-          <a:xfrm>
-            <a:off x="301625" y="1527175"/>
-            <a:ext cx="8504238" cy="4572000"/>
-          </a:xfrm>
-        </p:spPr>
-        <p:txBody>
-          <a:bodyPr/>
-          <a:lstStyle/>
-          <a:p>
-            <a:pPr eaLnBrk="1" hangingPunct="1">
+            <a:pPr>
               <a:lnSpc>
                 <a:spcPct val="90000"/>
               </a:lnSpc>
             </a:pPr>
             <a:r>
-              <a:rPr lang="en-US" sz="2800">
-                <a:latin typeface="Georgia" charset="0"/>
-                <a:ea typeface="ＭＳ Ｐゴシック" charset="0"/>
-                <a:cs typeface="ＭＳ Ｐゴシック" charset="0"/>
-              </a:rPr>
-              <a:t>Consider task stimuli (pictorial, verbal), response modality (auditory, visual), mode of response (recall, cued, recognition), focus (new learning, retention)</a:t>
-            </a:r>
-          </a:p>
-          <a:p>
-            <a:pPr eaLnBrk="1" hangingPunct="1">
-              <a:lnSpc>
-                <a:spcPct val="90000"/>
-              </a:lnSpc>
-            </a:pPr>
-            <a:r>
-              <a:rPr lang="en-US" sz="2800">
-                <a:latin typeface="Georgia" charset="0"/>
-                <a:ea typeface="ＭＳ Ｐゴシック" charset="0"/>
-                <a:cs typeface="ＭＳ Ｐゴシック" charset="0"/>
-              </a:rPr>
-              <a:t>Consider psychometrics: construct validity, face validity, reliability, norming, floor &amp; ceiling effects, ecological validity</a:t>
-            </a:r>
-          </a:p>
-          <a:p>
-            <a:pPr eaLnBrk="1" hangingPunct="1">
-              <a:lnSpc>
-                <a:spcPct val="90000"/>
-              </a:lnSpc>
-            </a:pPr>
-            <a:r>
-              <a:rPr lang="en-US" sz="2800">
-                <a:latin typeface="Georgia" charset="0"/>
-                <a:ea typeface="ＭＳ Ｐゴシック" charset="0"/>
-                <a:cs typeface="ＭＳ Ｐゴシック" charset="0"/>
-              </a:rPr>
-              <a:t>Dynamic assessment by altering: distraction, practice, rehearsal, simplification of instructions, external incentives, external aids etc.</a:t>
-            </a:r>
-          </a:p>
-          <a:p>
-            <a:pPr eaLnBrk="1" hangingPunct="1">
-              <a:lnSpc>
-                <a:spcPct val="90000"/>
-              </a:lnSpc>
-            </a:pPr>
-            <a:endParaRPr lang="en-US" sz="2800">
-              <a:latin typeface="Georgia" charset="0"/>
-              <a:ea typeface="ＭＳ Ｐゴシック" charset="0"/>
-              <a:cs typeface="ＭＳ Ｐゴシック" charset="0"/>
-            </a:endParaRPr>
+              <a:rPr lang="en-US" dirty="0"/>
+              <a:t>Basic principle is: Error reduction by minimizing guessing</a:t>
+            </a:r>
+          </a:p>
+          <a:p>
+            <a:r>
+              <a:rPr lang="en-US" dirty="0"/>
+              <a:t>Errorless learning is an instructional technique part of a number of different approaches</a:t>
+            </a:r>
           </a:p>
         </p:txBody>
       </p:sp>
     </p:spTree>
     <p:extLst>
       <p:ext uri="{BB962C8B-B14F-4D97-AF65-F5344CB8AC3E}">
-        <p14:creationId xmlns:p14="http://schemas.microsoft.com/office/powerpoint/2010/main" val="573846676"/>
+        <p14:creationId xmlns:p14="http://schemas.microsoft.com/office/powerpoint/2010/main" val="1445477675"/>
       </p:ext>
     </p:extLst>
   </p:cSld>
@@ -7478,9 +7574,9 @@
       </p:grpSpPr>
       <p:sp>
         <p:nvSpPr>
-          <p:cNvPr id="31746" name="Rectangle 2"/>
-          <p:cNvSpPr>
-            <a:spLocks noGrp="1" noChangeArrowheads="1"/>
+          <p:cNvPr id="2" name="Title 1"/>
+          <p:cNvSpPr>
+            <a:spLocks noGrp="1"/>
           </p:cNvSpPr>
           <p:nvPr>
             <p:ph type="title"/>
@@ -7488,249 +7584,81 @@
         </p:nvSpPr>
         <p:spPr/>
         <p:txBody>
-          <a:bodyPr>
-            <a:normAutofit fontScale="90000"/>
-          </a:bodyPr>
-          <a:lstStyle/>
-          <a:p>
-            <a:pPr eaLnBrk="1" hangingPunct="1">
-              <a:defRPr/>
+          <a:bodyPr/>
+          <a:lstStyle/>
+          <a:p>
+            <a:r>
+              <a:rPr lang="en-US" dirty="0"/>
+              <a:t>Overview</a:t>
+            </a:r>
+          </a:p>
+        </p:txBody>
+      </p:sp>
+      <p:sp>
+        <p:nvSpPr>
+          <p:cNvPr id="3" name="Content Placeholder 2"/>
+          <p:cNvSpPr>
+            <a:spLocks noGrp="1"/>
+          </p:cNvSpPr>
+          <p:nvPr>
+            <p:ph idx="1"/>
+          </p:nvPr>
+        </p:nvSpPr>
+        <p:spPr/>
+        <p:txBody>
+          <a:bodyPr/>
+          <a:lstStyle/>
+          <a:p>
+            <a:pPr marL="457200" indent="-457200">
+              <a:spcBef>
+                <a:spcPct val="50000"/>
+              </a:spcBef>
             </a:pPr>
             <a:r>
-              <a:rPr lang="en-US" dirty="0"/>
-              <a:t>Six Possible Memory Intervention Approaches</a:t>
-            </a:r>
-          </a:p>
-        </p:txBody>
-      </p:sp>
-      <p:sp>
-        <p:nvSpPr>
-          <p:cNvPr id="31747" name="Rectangle 3"/>
-          <p:cNvSpPr>
-            <a:spLocks noGrp="1" noChangeArrowheads="1"/>
-          </p:cNvSpPr>
-          <p:nvPr>
-            <p:ph idx="1"/>
-          </p:nvPr>
-        </p:nvSpPr>
-        <p:spPr>
-          <a:xfrm>
-            <a:off x="301625" y="1527175"/>
-            <a:ext cx="8504238" cy="4572000"/>
-          </a:xfrm>
-        </p:spPr>
-        <p:txBody>
-          <a:bodyPr>
-            <a:normAutofit lnSpcReduction="10000"/>
-          </a:bodyPr>
-          <a:lstStyle/>
-          <a:p>
-            <a:pPr eaLnBrk="1" hangingPunct="1">
-              <a:lnSpc>
-                <a:spcPct val="90000"/>
-              </a:lnSpc>
-              <a:defRPr/>
+              <a:rPr lang="en-US" dirty="0">
+                <a:latin typeface="Times New Roman" pitchFamily="-65" charset="0"/>
+              </a:rPr>
+              <a:t>Identify Goals: ask client and caregivers </a:t>
+            </a:r>
+          </a:p>
+          <a:p>
+            <a:pPr marL="457200" indent="-457200">
+              <a:spcBef>
+                <a:spcPct val="50000"/>
+              </a:spcBef>
             </a:pPr>
             <a:r>
-              <a:rPr lang="en-US" sz="2800" b="1" dirty="0">
+              <a:rPr lang="en-US" dirty="0">
+                <a:latin typeface="Times New Roman" pitchFamily="-65" charset="0"/>
+              </a:rPr>
+              <a:t>Develop Verbal Prompt and Response using client’s own words </a:t>
+            </a:r>
+          </a:p>
+          <a:p>
+            <a:pPr marL="457200" indent="-457200">
+              <a:spcBef>
+                <a:spcPct val="50000"/>
+              </a:spcBef>
+            </a:pPr>
+            <a:r>
+              <a:rPr lang="en-US" dirty="0">
                 <a:solidFill>
-                  <a:srgbClr val="4EB82E"/>
+                  <a:schemeClr val="tx2"/>
                 </a:solidFill>
-              </a:rPr>
-              <a:t>Impairment based</a:t>
-            </a:r>
-            <a:r>
-              <a:rPr lang="en-US" sz="2800" dirty="0"/>
-              <a:t> </a:t>
-            </a:r>
-          </a:p>
-          <a:p>
-            <a:pPr lvl="1">
-              <a:lnSpc>
-                <a:spcPct val="90000"/>
-              </a:lnSpc>
-              <a:defRPr/>
-            </a:pPr>
-            <a:r>
-              <a:rPr lang="en-US" sz="2600" dirty="0"/>
-              <a:t>Drills (no evidence to support; Shum et al., 2011)</a:t>
-            </a:r>
-          </a:p>
-          <a:p>
-            <a:pPr marL="274638" lvl="1" indent="0">
-              <a:lnSpc>
-                <a:spcPct val="90000"/>
-              </a:lnSpc>
-              <a:buFont typeface="Wingdings" charset="0"/>
-              <a:buNone/>
-              <a:defRPr/>
-            </a:pPr>
-            <a:r>
-              <a:rPr lang="en-US" sz="2600" dirty="0"/>
-              <a:t>				</a:t>
-            </a:r>
-          </a:p>
-          <a:p>
-            <a:pPr marL="0" indent="0" algn="ctr" eaLnBrk="1" hangingPunct="1">
-              <a:lnSpc>
-                <a:spcPct val="90000"/>
-              </a:lnSpc>
-              <a:buFont typeface="Wingdings 2" charset="0"/>
-              <a:buNone/>
-              <a:defRPr/>
-            </a:pPr>
-            <a:r>
-              <a:rPr lang="en-US" sz="2800" b="1" dirty="0">
-                <a:solidFill>
-                  <a:srgbClr val="4EB82E"/>
-                </a:solidFill>
-              </a:rPr>
-              <a:t>VS</a:t>
-            </a:r>
-            <a:endParaRPr lang="en-US" sz="2800" dirty="0"/>
-          </a:p>
-          <a:p>
-            <a:pPr eaLnBrk="1" hangingPunct="1">
-              <a:lnSpc>
-                <a:spcPct val="90000"/>
-              </a:lnSpc>
-              <a:defRPr/>
-            </a:pPr>
-            <a:r>
-              <a:rPr lang="en-US" sz="2800" b="1" dirty="0">
-                <a:solidFill>
-                  <a:srgbClr val="4EB82E"/>
-                </a:solidFill>
-              </a:rPr>
-              <a:t>Domain specific/Task Specific/Compensatory</a:t>
-            </a:r>
-            <a:endParaRPr lang="en-US" sz="2800" dirty="0"/>
-          </a:p>
-          <a:p>
-            <a:pPr lvl="1">
-              <a:lnSpc>
-                <a:spcPct val="90000"/>
-              </a:lnSpc>
-              <a:defRPr/>
-            </a:pPr>
-            <a:r>
-              <a:rPr lang="en-US" sz="2600" b="1" dirty="0">
-                <a:solidFill>
-                  <a:schemeClr val="tx1"/>
-                </a:solidFill>
-              </a:rPr>
-              <a:t>Environmental management*</a:t>
-            </a:r>
-          </a:p>
-          <a:p>
-            <a:pPr lvl="1">
-              <a:lnSpc>
-                <a:spcPct val="90000"/>
-              </a:lnSpc>
-              <a:defRPr/>
-            </a:pPr>
-            <a:r>
-              <a:rPr lang="en-US" sz="2600" b="1" dirty="0">
-                <a:solidFill>
-                  <a:schemeClr val="tx1"/>
-                </a:solidFill>
-              </a:rPr>
-              <a:t>Functional Skills or Facts </a:t>
-            </a:r>
-            <a:r>
-              <a:rPr lang="en-US" sz="2600" b="1" dirty="0"/>
-              <a:t>T</a:t>
-            </a:r>
-            <a:r>
-              <a:rPr lang="en-US" sz="2600" b="1" dirty="0">
-                <a:solidFill>
-                  <a:schemeClr val="tx1"/>
-                </a:solidFill>
-              </a:rPr>
-              <a:t>raining*</a:t>
-            </a:r>
-          </a:p>
-          <a:p>
-            <a:pPr lvl="1">
-              <a:lnSpc>
-                <a:spcPct val="90000"/>
-              </a:lnSpc>
-              <a:defRPr/>
-            </a:pPr>
-            <a:r>
-              <a:rPr lang="en-US" sz="2600" b="1" dirty="0">
-                <a:solidFill>
-                  <a:schemeClr val="tx1"/>
-                </a:solidFill>
-              </a:rPr>
-              <a:t>External Aids/Assistive Technology*</a:t>
-            </a:r>
-          </a:p>
-          <a:p>
-            <a:pPr lvl="1">
-              <a:lnSpc>
-                <a:spcPct val="90000"/>
-              </a:lnSpc>
-              <a:defRPr/>
-            </a:pPr>
-            <a:r>
-              <a:rPr lang="en-US" sz="2600" b="1" dirty="0">
-                <a:solidFill>
-                  <a:schemeClr val="tx1"/>
-                </a:solidFill>
-              </a:rPr>
-              <a:t>Cognitive strategies to enhance memory*</a:t>
-            </a:r>
-          </a:p>
-          <a:p>
-            <a:pPr lvl="1">
-              <a:lnSpc>
-                <a:spcPct val="90000"/>
-              </a:lnSpc>
-              <a:defRPr/>
-            </a:pPr>
-            <a:r>
-              <a:rPr lang="en-US" sz="2600" b="1" dirty="0">
-                <a:solidFill>
-                  <a:schemeClr val="tx1"/>
-                </a:solidFill>
-              </a:rPr>
-              <a:t>Personalized Education</a:t>
-            </a:r>
-          </a:p>
-          <a:p>
-            <a:pPr marL="282575" lvl="1" indent="0">
-              <a:lnSpc>
-                <a:spcPct val="90000"/>
-              </a:lnSpc>
-              <a:buFont typeface="Wingdings" charset="0"/>
-              <a:buNone/>
-              <a:defRPr/>
-            </a:pPr>
-            <a:r>
-              <a:rPr lang="en-US" sz="2600" b="1" dirty="0">
-                <a:solidFill>
-                  <a:schemeClr val="accent1"/>
-                </a:solidFill>
-              </a:rPr>
-              <a:t>*Depend upon effective instruction—Use PIE framework</a:t>
-            </a:r>
-          </a:p>
-          <a:p>
-            <a:pPr eaLnBrk="1" hangingPunct="1">
-              <a:lnSpc>
-                <a:spcPct val="90000"/>
-              </a:lnSpc>
-              <a:defRPr/>
-            </a:pPr>
-            <a:endParaRPr lang="en-US" sz="2800" dirty="0"/>
+                <a:latin typeface="Times New Roman" pitchFamily="-65" charset="0"/>
+              </a:rPr>
+              <a:t> Practice phrasing before beginning to train</a:t>
+            </a:r>
+          </a:p>
+          <a:p>
+            <a:endParaRPr lang="en-US" dirty="0"/>
           </a:p>
         </p:txBody>
       </p:sp>
     </p:spTree>
     <p:extLst>
       <p:ext uri="{BB962C8B-B14F-4D97-AF65-F5344CB8AC3E}">
-        <p14:creationId xmlns:p14="http://schemas.microsoft.com/office/powerpoint/2010/main" val="275048399"/>
+        <p14:creationId xmlns:p14="http://schemas.microsoft.com/office/powerpoint/2010/main" val="617135159"/>
       </p:ext>
     </p:extLst>
   </p:cSld>
@@ -7759,9 +7687,66 @@
       </p:grpSpPr>
       <p:sp>
         <p:nvSpPr>
-          <p:cNvPr id="2" name="Title 1"/>
-          <p:cNvSpPr>
-            <a:spLocks noGrp="1"/>
+          <p:cNvPr id="148482" name="Rectangle 2"/>
+          <p:cNvSpPr>
+            <a:spLocks noChangeArrowheads="1"/>
+          </p:cNvSpPr>
+          <p:nvPr/>
+        </p:nvSpPr>
+        <p:spPr bwMode="auto">
+          <a:xfrm flipV="1">
+            <a:off x="609600" y="2002414"/>
+            <a:ext cx="7162800" cy="584776"/>
+          </a:xfrm>
+          <a:prstGeom prst="rect">
+            <a:avLst/>
+          </a:prstGeom>
+          <a:noFill/>
+          <a:ln w="12700" cap="sq">
+            <a:noFill/>
+            <a:miter lim="800000"/>
+            <a:headEnd type="none" w="sm" len="sm"/>
+            <a:tailEnd type="none" w="sm" len="sm"/>
+          </a:ln>
+          <a:effectLst/>
+        </p:spPr>
+        <p:txBody>
+          <a:bodyPr wrap="square">
+            <a:prstTxWarp prst="textNoShape">
+              <a:avLst/>
+            </a:prstTxWarp>
+            <a:spAutoFit/>
+          </a:bodyPr>
+          <a:lstStyle/>
+          <a:p>
+            <a:pPr eaLnBrk="1" hangingPunct="1">
+              <a:spcBef>
+                <a:spcPct val="50000"/>
+              </a:spcBef>
+            </a:pPr>
+            <a:r>
+              <a:rPr lang="en-US" dirty="0">
+                <a:solidFill>
+                  <a:schemeClr val="tx2"/>
+                </a:solidFill>
+                <a:latin typeface="Times New Roman" pitchFamily="-65" charset="0"/>
+              </a:rPr>
+              <a:t> </a:t>
+            </a:r>
+            <a:r>
+              <a:rPr lang="en-US" sz="3200" dirty="0">
+                <a:latin typeface="Times New Roman" pitchFamily="-65" charset="0"/>
+              </a:rPr>
+              <a:t> </a:t>
+            </a:r>
+          </a:p>
+        </p:txBody>
+      </p:sp>
+      <p:sp>
+        <p:nvSpPr>
+          <p:cNvPr id="148483" name="Rectangle 3"/>
+          <p:cNvSpPr>
+            <a:spLocks noGrp="1" noChangeArrowheads="1"/>
           </p:cNvSpPr>
           <p:nvPr>
             <p:ph type="title"/>
@@ -7774,14 +7759,14 @@
           <a:p>
             <a:r>
               <a:rPr lang="en-US" dirty="0"/>
-              <a:t>Spaced Retrieval</a:t>
-            </a:r>
-          </a:p>
-        </p:txBody>
-      </p:sp>
-      <p:sp>
-        <p:nvSpPr>
-          <p:cNvPr id="3" name="Content Placeholder 2"/>
+              <a:t>An example…</a:t>
+            </a:r>
+          </a:p>
+        </p:txBody>
+      </p:sp>
+      <p:sp>
+        <p:nvSpPr>
+          <p:cNvPr id="4" name="Content Placeholder 3"/>
           <p:cNvSpPr>
             <a:spLocks noGrp="1"/>
           </p:cNvSpPr>
@@ -7792,60 +7777,82 @@
         <p:spPr/>
         <p:txBody>
           <a:bodyPr>
-            <a:normAutofit fontScale="92500" lnSpcReduction="10000"/>
+            <a:noAutofit/>
           </a:bodyPr>
           <a:lstStyle/>
           <a:p>
-            <a:pPr marL="0" indent="0">
-              <a:buNone/>
+            <a:pPr>
+              <a:spcBef>
+                <a:spcPct val="50000"/>
+              </a:spcBef>
             </a:pPr>
             <a:r>
-              <a:rPr lang="en-US" dirty="0"/>
-              <a:t>Used to primarily train concepts and facts</a:t>
-            </a:r>
-          </a:p>
-          <a:p>
-            <a:r>
-              <a:rPr lang="en-US" dirty="0"/>
-              <a:t> “Active rehearsal” </a:t>
-            </a:r>
-          </a:p>
-          <a:p>
-            <a:r>
-              <a:rPr lang="en-US" dirty="0"/>
-              <a:t>Repeated and spaced retrieval facilitates learning</a:t>
-            </a:r>
-          </a:p>
-          <a:p>
-            <a:r>
-              <a:rPr lang="en-US" dirty="0"/>
-              <a:t>Minimizes errors but does not eliminate them</a:t>
-            </a:r>
-          </a:p>
-          <a:p>
-            <a:r>
-              <a:rPr lang="en-US" dirty="0"/>
-              <a:t>Been demonstrated to enhance memory performance on a range of tasks (face-name association, object recall, use of memory aids)</a:t>
-            </a:r>
-          </a:p>
-          <a:p>
-            <a:r>
-              <a:rPr lang="en-US" dirty="0"/>
-              <a:t>Most of the data in the dementia population with some in the ABI literature</a:t>
-            </a:r>
+              <a:rPr lang="en-US" sz="2800" dirty="0">
+                <a:latin typeface="Times New Roman" pitchFamily="-65" charset="0"/>
+              </a:rPr>
+              <a:t>“If you want to know what activities we have planned today, you can come over here and read this schedule.  </a:t>
+            </a:r>
+          </a:p>
+          <a:p>
+            <a:pPr>
+              <a:spcBef>
+                <a:spcPct val="50000"/>
+              </a:spcBef>
+            </a:pPr>
+            <a:r>
+              <a:rPr lang="en-US" sz="2800" b="1" dirty="0">
+                <a:latin typeface="Times New Roman" pitchFamily="-65" charset="0"/>
+              </a:rPr>
+              <a:t>Prompt:</a:t>
+            </a:r>
+            <a:r>
+              <a:rPr lang="en-US" sz="2800" dirty="0">
+                <a:latin typeface="Times New Roman" pitchFamily="-65" charset="0"/>
+              </a:rPr>
+              <a:t>  Where can you look to find out what is planned for the day?”</a:t>
+            </a:r>
+          </a:p>
+          <a:p>
+            <a:pPr>
+              <a:spcBef>
+                <a:spcPct val="50000"/>
+              </a:spcBef>
+            </a:pPr>
+            <a:r>
+              <a:rPr lang="en-US" sz="2800" b="1" dirty="0" err="1">
+                <a:latin typeface="Times New Roman" pitchFamily="-65" charset="0"/>
+              </a:rPr>
+              <a:t>Response:</a:t>
+            </a:r>
+            <a:r>
+              <a:rPr lang="en-US" sz="2800" dirty="0" err="1">
+                <a:latin typeface="Times New Roman" pitchFamily="-65" charset="0"/>
+              </a:rPr>
+              <a:t>“I</a:t>
+            </a:r>
+            <a:r>
+              <a:rPr lang="en-US" sz="2800" dirty="0">
+                <a:latin typeface="Times New Roman" pitchFamily="-65" charset="0"/>
+              </a:rPr>
+              <a:t> can go here to read this schedule.”</a:t>
+            </a:r>
+            <a:endParaRPr lang="en-US" sz="2800" dirty="0"/>
           </a:p>
         </p:txBody>
       </p:sp>
     </p:spTree>
     <p:extLst>
       <p:ext uri="{BB962C8B-B14F-4D97-AF65-F5344CB8AC3E}">
-        <p14:creationId xmlns:p14="http://schemas.microsoft.com/office/powerpoint/2010/main" val="172072686"/>
+        <p14:creationId xmlns:p14="http://schemas.microsoft.com/office/powerpoint/2010/main" val="305913199"/>
       </p:ext>
     </p:extLst>
   </p:cSld>
   <p:clrMapOvr>
     <a:masterClrMapping/>
   </p:clrMapOvr>
+  <p:transition>
+    <p:random/>
+  </p:transition>
 </p:sld>
 </file>
 
@@ -7868,9 +7875,9 @@
       </p:grpSpPr>
       <p:sp>
         <p:nvSpPr>
-          <p:cNvPr id="2" name="Title 1"/>
-          <p:cNvSpPr>
-            <a:spLocks noGrp="1"/>
+          <p:cNvPr id="150530" name="Rectangle 2"/>
+          <p:cNvSpPr>
+            <a:spLocks noGrp="1" noChangeArrowheads="1"/>
           </p:cNvSpPr>
           <p:nvPr>
             <p:ph type="title"/>
@@ -7882,17 +7889,17 @@
           <a:lstStyle/>
           <a:p>
             <a:r>
-              <a:rPr lang="en-US" dirty="0"/>
-              <a:t>Errorless Learning used in SR</a:t>
-            </a:r>
-          </a:p>
-        </p:txBody>
-      </p:sp>
-      <p:sp>
-        <p:nvSpPr>
-          <p:cNvPr id="3" name="Content Placeholder 2"/>
-          <p:cNvSpPr>
-            <a:spLocks noGrp="1"/>
+              <a:rPr lang="en-US"/>
+              <a:t>Another example…</a:t>
+            </a:r>
+          </a:p>
+        </p:txBody>
+      </p:sp>
+      <p:sp>
+        <p:nvSpPr>
+          <p:cNvPr id="150531" name="Rectangle 3"/>
+          <p:cNvSpPr>
+            <a:spLocks noGrp="1" noChangeArrowheads="1"/>
           </p:cNvSpPr>
           <p:nvPr>
             <p:ph idx="1"/>
@@ -7900,39 +7907,55 @@
         </p:nvSpPr>
         <p:spPr/>
         <p:txBody>
-          <a:bodyPr>
-            <a:normAutofit/>
-          </a:bodyPr>
-          <a:lstStyle/>
-          <a:p>
-            <a:pPr>
-              <a:lnSpc>
-                <a:spcPct val="90000"/>
-              </a:lnSpc>
-            </a:pPr>
-            <a:r>
-              <a:rPr lang="en-US" dirty="0"/>
-              <a:t>Basic principle is: Error reduction by minimizing guessing</a:t>
-            </a:r>
-          </a:p>
-          <a:p>
-            <a:r>
-              <a:rPr lang="en-US" dirty="0"/>
-              <a:t>Errorless learning is an instructional technique part of a number of different approaches</a:t>
-            </a:r>
+          <a:bodyPr/>
+          <a:lstStyle/>
+          <a:p>
+            <a:r>
+              <a:rPr lang="en-US" sz="2800" dirty="0"/>
+              <a:t>“ When you get up in the morning, please go to the refrigerator and read the message I left for you. </a:t>
+            </a:r>
+          </a:p>
+          <a:p>
+            <a:r>
+              <a:rPr lang="en-US" sz="2800" b="1" dirty="0"/>
+              <a:t>Prompt:</a:t>
+            </a:r>
+            <a:r>
+              <a:rPr lang="en-US" sz="2800" dirty="0"/>
+              <a:t> What should you do when  you get up in the morning?”</a:t>
+            </a:r>
+          </a:p>
+          <a:p>
+            <a:r>
+              <a:rPr lang="en-US" sz="2800" b="1" dirty="0"/>
+              <a:t>Response:</a:t>
+            </a:r>
+            <a:r>
+              <a:rPr lang="en-US" sz="2800" dirty="0"/>
+              <a:t>  “I go to the refrigerator and read the message.” </a:t>
+            </a:r>
+          </a:p>
+          <a:p>
+            <a:endParaRPr lang="en-US" dirty="0"/>
+          </a:p>
+          <a:p>
+            <a:endParaRPr lang="en-US" dirty="0"/>
           </a:p>
         </p:txBody>
       </p:sp>
     </p:spTree>
     <p:extLst>
       <p:ext uri="{BB962C8B-B14F-4D97-AF65-F5344CB8AC3E}">
-        <p14:creationId xmlns:p14="http://schemas.microsoft.com/office/powerpoint/2010/main" val="1445477675"/>
+        <p14:creationId xmlns:p14="http://schemas.microsoft.com/office/powerpoint/2010/main" val="1203149736"/>
       </p:ext>
     </p:extLst>
   </p:cSld>
   <p:clrMapOvr>
     <a:masterClrMapping/>
   </p:clrMapOvr>
+  <p:transition>
+    <p:random/>
+  </p:transition>
 </p:sld>
 </file>
 
@@ -7955,9 +7978,9 @@
       </p:grpSpPr>
       <p:sp>
         <p:nvSpPr>
-          <p:cNvPr id="2" name="Title 1"/>
-          <p:cNvSpPr>
-            <a:spLocks noGrp="1"/>
+          <p:cNvPr id="151554" name="Rectangle 1026"/>
+          <p:cNvSpPr>
+            <a:spLocks noGrp="1" noChangeArrowheads="1"/>
           </p:cNvSpPr>
           <p:nvPr>
             <p:ph type="title"/>
@@ -7969,83 +7992,94 @@
           <a:lstStyle/>
           <a:p>
             <a:r>
+              <a:rPr lang="en-US"/>
+              <a:t>Training procedure</a:t>
+            </a:r>
+          </a:p>
+        </p:txBody>
+      </p:sp>
+      <p:sp>
+        <p:nvSpPr>
+          <p:cNvPr id="151555" name="Rectangle 1027"/>
+          <p:cNvSpPr>
+            <a:spLocks noGrp="1" noChangeArrowheads="1"/>
+          </p:cNvSpPr>
+          <p:nvPr>
+            <p:ph type="body" idx="1"/>
+          </p:nvPr>
+        </p:nvSpPr>
+        <p:spPr/>
+        <p:txBody>
+          <a:bodyPr>
+            <a:normAutofit lnSpcReduction="10000"/>
+          </a:bodyPr>
+          <a:lstStyle/>
+          <a:p>
+            <a:r>
               <a:rPr lang="en-US" dirty="0"/>
-              <a:t>Overview</a:t>
-            </a:r>
-          </a:p>
-        </p:txBody>
-      </p:sp>
-      <p:sp>
-        <p:nvSpPr>
-          <p:cNvPr id="3" name="Content Placeholder 2"/>
-          <p:cNvSpPr>
-            <a:spLocks noGrp="1"/>
-          </p:cNvSpPr>
-          <p:nvPr>
-            <p:ph idx="1"/>
-          </p:nvPr>
-        </p:nvSpPr>
-        <p:spPr/>
-        <p:txBody>
-          <a:bodyPr/>
-          <a:lstStyle/>
-          <a:p>
-            <a:pPr marL="457200" indent="-457200">
-              <a:spcBef>
-                <a:spcPct val="50000"/>
-              </a:spcBef>
-            </a:pPr>
-            <a:r>
-              <a:rPr lang="en-US" dirty="0">
-                <a:latin typeface="Times New Roman" pitchFamily="-65" charset="0"/>
-              </a:rPr>
-              <a:t>Identify Goals: ask client and caregivers </a:t>
-            </a:r>
-          </a:p>
-          <a:p>
-            <a:pPr marL="457200" indent="-457200">
-              <a:spcBef>
-                <a:spcPct val="50000"/>
-              </a:spcBef>
-            </a:pPr>
-            <a:r>
-              <a:rPr lang="en-US" dirty="0">
-                <a:latin typeface="Times New Roman" pitchFamily="-65" charset="0"/>
-              </a:rPr>
-              <a:t>Develop Verbal Prompt and Response using client’s own words </a:t>
-            </a:r>
-          </a:p>
-          <a:p>
-            <a:pPr marL="457200" indent="-457200">
-              <a:spcBef>
-                <a:spcPct val="50000"/>
-              </a:spcBef>
-            </a:pPr>
-            <a:r>
-              <a:rPr lang="en-US" dirty="0">
-                <a:solidFill>
-                  <a:schemeClr val="tx2"/>
-                </a:solidFill>
-                <a:latin typeface="Times New Roman" pitchFamily="-65" charset="0"/>
-              </a:rPr>
-              <a:t> Practice phrasing before beginning to train</a:t>
-            </a:r>
-          </a:p>
-          <a:p>
-            <a:endParaRPr lang="en-US" dirty="0"/>
+              <a:t>Prompt:  </a:t>
+            </a:r>
+          </a:p>
+          <a:p>
+            <a:pPr lvl="1"/>
+            <a:r>
+              <a:rPr lang="en-US" dirty="0"/>
+              <a:t>What do you do when you finish your cereal?</a:t>
+            </a:r>
+          </a:p>
+          <a:p>
+            <a:r>
+              <a:rPr lang="en-US" dirty="0"/>
+              <a:t>Correct response: </a:t>
+            </a:r>
+          </a:p>
+          <a:p>
+            <a:pPr lvl="1"/>
+            <a:r>
+              <a:rPr lang="en-US" dirty="0"/>
+              <a:t> I take something out of the freezer for dinner.</a:t>
+            </a:r>
+          </a:p>
+          <a:p>
+            <a:pPr lvl="1"/>
+            <a:r>
+              <a:rPr lang="en-US" dirty="0"/>
+              <a:t>= Immediate Repetition</a:t>
+            </a:r>
+          </a:p>
+          <a:p>
+            <a:r>
+              <a:rPr lang="en-US" dirty="0"/>
+              <a:t>Next prompt in 30 sec.</a:t>
+            </a:r>
+          </a:p>
+          <a:p>
+            <a:r>
+              <a:rPr lang="en-US" dirty="0"/>
+              <a:t>Interval doubles with each correct response.</a:t>
+            </a:r>
+          </a:p>
+          <a:p>
+            <a:r>
+              <a:rPr lang="en-US" dirty="0"/>
+              <a:t>Incorrect response: Immediate repetition of correct response then interval reduces by half.</a:t>
+            </a:r>
           </a:p>
         </p:txBody>
       </p:sp>
     </p:spTree>
     <p:extLst>
       <p:ext uri="{BB962C8B-B14F-4D97-AF65-F5344CB8AC3E}">
-        <p14:creationId xmlns:p14="http://schemas.microsoft.com/office/powerpoint/2010/main" val="617135159"/>
+        <p14:creationId xmlns:p14="http://schemas.microsoft.com/office/powerpoint/2010/main" val="168522479"/>
       </p:ext>
     </p:extLst>
   </p:cSld>
   <p:clrMapOvr>
     <a:masterClrMapping/>
   </p:clrMapOvr>
+  <p:transition>
+    <p:random/>
+  </p:transition>
 </p:sld>
 </file>
 
@@ -8068,86 +8102,31 @@
       </p:grpSpPr>
       <p:sp>
         <p:nvSpPr>
-          <p:cNvPr id="148482" name="Rectangle 2"/>
-          <p:cNvSpPr>
-            <a:spLocks noChangeArrowheads="1"/>
-          </p:cNvSpPr>
-          <p:nvPr/>
-        </p:nvSpPr>
-        <p:spPr bwMode="auto">
-          <a:xfrm flipV="1">
-            <a:off x="609600" y="2002414"/>
-            <a:ext cx="7162800" cy="584776"/>
-          </a:xfrm>
-          <a:prstGeom prst="rect">
-            <a:avLst/>
-          </a:prstGeom>
-          <a:noFill/>
-          <a:ln w="12700" cap="sq">
-            <a:noFill/>
-            <a:miter lim="800000"/>
-            <a:headEnd type="none" w="sm" len="sm"/>
-            <a:tailEnd type="none" w="sm" len="sm"/>
-          </a:ln>
-          <a:effectLst/>
-        </p:spPr>
-        <p:txBody>
-          <a:bodyPr wrap="square">
-            <a:prstTxWarp prst="textNoShape">
-              <a:avLst/>
-            </a:prstTxWarp>
-            <a:spAutoFit/>
+          <p:cNvPr id="2" name="Title 1"/>
+          <p:cNvSpPr>
+            <a:spLocks noGrp="1"/>
+          </p:cNvSpPr>
+          <p:nvPr>
+            <p:ph type="title"/>
+          </p:nvPr>
+        </p:nvSpPr>
+        <p:spPr/>
+        <p:txBody>
+          <a:bodyPr>
+            <a:normAutofit/>
           </a:bodyPr>
           <a:lstStyle/>
           <a:p>
-            <a:pPr eaLnBrk="1" hangingPunct="1">
-              <a:spcBef>
-                <a:spcPct val="50000"/>
-              </a:spcBef>
-            </a:pPr>
-            <a:r>
-              <a:rPr lang="en-US" dirty="0">
-                <a:solidFill>
-                  <a:schemeClr val="tx2"/>
-                </a:solidFill>
-                <a:latin typeface="Times New Roman" pitchFamily="-65" charset="0"/>
-              </a:rPr>
-              <a:t> </a:t>
-            </a:r>
-            <a:r>
-              <a:rPr lang="en-US" sz="3200" dirty="0">
-                <a:latin typeface="Times New Roman" pitchFamily="-65" charset="0"/>
-              </a:rPr>
-              <a:t> </a:t>
-            </a:r>
-          </a:p>
-        </p:txBody>
-      </p:sp>
-      <p:sp>
-        <p:nvSpPr>
-          <p:cNvPr id="148483" name="Rectangle 3"/>
-          <p:cNvSpPr>
-            <a:spLocks noGrp="1" noChangeArrowheads="1"/>
-          </p:cNvSpPr>
-          <p:nvPr>
-            <p:ph type="title"/>
-          </p:nvPr>
-        </p:nvSpPr>
-        <p:spPr/>
-        <p:txBody>
-          <a:bodyPr/>
-          <a:lstStyle/>
-          <a:p>
             <a:r>
               <a:rPr lang="en-US" dirty="0"/>
-              <a:t>An example…</a:t>
-            </a:r>
-          </a:p>
-        </p:txBody>
-      </p:sp>
-      <p:sp>
-        <p:nvSpPr>
-          <p:cNvPr id="4" name="Content Placeholder 3"/>
+              <a:t>Theoretical rationale</a:t>
+            </a:r>
+          </a:p>
+        </p:txBody>
+      </p:sp>
+      <p:sp>
+        <p:nvSpPr>
+          <p:cNvPr id="3" name="Content Placeholder 2"/>
           <p:cNvSpPr>
             <a:spLocks noGrp="1"/>
           </p:cNvSpPr>
@@ -8157,83 +8136,73 @@
         </p:nvSpPr>
         <p:spPr/>
         <p:txBody>
-          <a:bodyPr>
-            <a:noAutofit/>
-          </a:bodyPr>
-          <a:lstStyle/>
-          <a:p>
-            <a:pPr>
-              <a:spcBef>
-                <a:spcPct val="50000"/>
-              </a:spcBef>
-            </a:pPr>
-            <a:r>
-              <a:rPr lang="en-US" sz="2800" dirty="0">
-                <a:latin typeface="Times New Roman" pitchFamily="-65" charset="0"/>
-              </a:rPr>
-              <a:t>“If you want to know what activities we have planned today, you can come over here and read this schedule.  </a:t>
-            </a:r>
-          </a:p>
-          <a:p>
-            <a:pPr>
-              <a:spcBef>
-                <a:spcPct val="50000"/>
-              </a:spcBef>
-            </a:pPr>
-            <a:r>
-              <a:rPr lang="en-US" sz="2800" b="1" dirty="0">
-                <a:latin typeface="Times New Roman" pitchFamily="-65" charset="0"/>
-              </a:rPr>
-              <a:t>Prompt:</a:t>
-            </a:r>
-            <a:r>
-              <a:rPr lang="en-US" sz="2800" dirty="0">
-                <a:latin typeface="Times New Roman" pitchFamily="-65" charset="0"/>
-              </a:rPr>
-              <a:t>  Where can you look to find out what is planned for the day?”</a:t>
-            </a:r>
-          </a:p>
-          <a:p>
-            <a:pPr>
-              <a:spcBef>
-                <a:spcPct val="50000"/>
-              </a:spcBef>
-            </a:pPr>
-            <a:r>
-              <a:rPr lang="en-US" sz="2800" b="1" dirty="0" err="1">
-                <a:latin typeface="Times New Roman" pitchFamily="-65" charset="0"/>
-              </a:rPr>
-              <a:t>Response:</a:t>
-            </a:r>
-            <a:r>
-              <a:rPr lang="en-US" sz="2800" dirty="0" err="1">
-                <a:latin typeface="Times New Roman" pitchFamily="-65" charset="0"/>
-              </a:rPr>
-              <a:t>“I</a:t>
-            </a:r>
-            <a:r>
-              <a:rPr lang="en-US" sz="2800" dirty="0">
-                <a:latin typeface="Times New Roman" pitchFamily="-65" charset="0"/>
-              </a:rPr>
-              <a:t> can go here to read this schedule.”</a:t>
-            </a:r>
-            <a:endParaRPr lang="en-US" sz="2800" dirty="0"/>
+          <a:bodyPr/>
+          <a:lstStyle/>
+          <a:p>
+            <a:r>
+              <a:rPr lang="en-US" dirty="0"/>
+              <a:t>Relies on implicit or </a:t>
+            </a:r>
+            <a:r>
+              <a:rPr lang="en-US" dirty="0" err="1"/>
+              <a:t>nondeclarative</a:t>
+            </a:r>
+            <a:r>
+              <a:rPr lang="en-US" dirty="0"/>
+              <a:t> memory</a:t>
+            </a:r>
+          </a:p>
+          <a:p>
+            <a:r>
+              <a:rPr lang="en-US" dirty="0"/>
+              <a:t>Exploits residual but impaired declarative memory</a:t>
+            </a:r>
+          </a:p>
+          <a:p>
+            <a:endParaRPr lang="en-US" dirty="0"/>
+          </a:p>
+          <a:p>
+            <a:r>
+              <a:rPr lang="en-US" dirty="0"/>
+              <a:t>Look at </a:t>
+            </a:r>
+            <a:r>
+              <a:rPr lang="en-US" dirty="0" err="1"/>
+              <a:t>Valitchka</a:t>
+            </a:r>
+            <a:r>
+              <a:rPr lang="en-US" dirty="0"/>
+              <a:t> &amp; </a:t>
+            </a:r>
+            <a:r>
+              <a:rPr lang="en-US" dirty="0" err="1"/>
+              <a:t>Turkstra</a:t>
+            </a:r>
+            <a:r>
+              <a:rPr lang="en-US" dirty="0"/>
+              <a:t> (2013). Take one of their examples where the </a:t>
+            </a:r>
+            <a:r>
+              <a:rPr lang="en-US" dirty="0" err="1"/>
+              <a:t>careprovider</a:t>
+            </a:r>
+            <a:r>
+              <a:rPr lang="en-US" dirty="0"/>
+              <a:t> used declarative questions and turn it into a spaced retrieval target.</a:t>
+            </a:r>
           </a:p>
         </p:txBody>
       </p:sp>
     </p:spTree>
     <p:extLst>
       <p:ext uri="{BB962C8B-B14F-4D97-AF65-F5344CB8AC3E}">
-        <p14:creationId xmlns:p14="http://schemas.microsoft.com/office/powerpoint/2010/main" val="305913199"/>
+        <p14:creationId xmlns:p14="http://schemas.microsoft.com/office/powerpoint/2010/main" val="300783393"/>
       </p:ext>
     </p:extLst>
   </p:cSld>
   <p:clrMapOvr>
     <a:masterClrMapping/>
   </p:clrMapOvr>
-  <p:transition>
-    <p:random/>
-  </p:transition>
 </p:sld>
 </file>
 
@@ -8256,7 +8225,7 @@
       </p:grpSpPr>
       <p:sp>
         <p:nvSpPr>
-          <p:cNvPr id="15361" name="Rectangle 2"/>
+          <p:cNvPr id="15362" name="Rectangle 2"/>
           <p:cNvSpPr>
             <a:spLocks noGrp="1" noChangeArrowheads="1"/>
           </p:cNvSpPr>
@@ -8266,12 +8235,16 @@
         </p:nvSpPr>
         <p:spPr/>
         <p:txBody>
-          <a:bodyPr/>
-          <a:lstStyle/>
-          <a:p>
-            <a:pPr eaLnBrk="1" hangingPunct="1"/>
-            <a:r>
-              <a:rPr lang="en-US" dirty="0">
+          <a:bodyPr>
+            <a:normAutofit/>
+          </a:bodyPr>
+          <a:lstStyle/>
+          <a:p>
+            <a:pPr eaLnBrk="1" hangingPunct="1">
+              <a:defRPr/>
+            </a:pPr>
+            <a:r>
+              <a:rPr lang="en-US" sz="3000">
                 <a:solidFill>
                   <a:srgbClr val="7B9899"/>
                 </a:solidFill>
@@ -8279,14 +8252,14 @@
                 <a:ea typeface="ＭＳ Ｐゴシック" charset="0"/>
                 <a:cs typeface="ＭＳ Ｐゴシック" charset="0"/>
               </a:rPr>
-              <a:t>Big Picture: Learning &amp; Memory</a:t>
-            </a:r>
-          </a:p>
-        </p:txBody>
-      </p:sp>
-      <p:sp>
-        <p:nvSpPr>
-          <p:cNvPr id="15362" name="Rectangle 3"/>
+              <a:t>Stages for remembering &amp; neuroanatomical correlates</a:t>
+            </a:r>
+          </a:p>
+        </p:txBody>
+      </p:sp>
+      <p:sp>
+        <p:nvSpPr>
+          <p:cNvPr id="16386" name="Rectangle 3"/>
           <p:cNvSpPr>
             <a:spLocks noGrp="1" noChangeArrowheads="1"/>
           </p:cNvSpPr>
@@ -8301,47 +8274,193 @@
           </a:xfrm>
         </p:spPr>
         <p:txBody>
-          <a:bodyPr/>
-          <a:lstStyle/>
-          <a:p>
-            <a:pPr eaLnBrk="1" hangingPunct="1"/>
+          <a:bodyPr>
+            <a:normAutofit/>
+          </a:bodyPr>
+          <a:lstStyle/>
+          <a:p>
+            <a:pPr eaLnBrk="1" hangingPunct="1">
+              <a:lnSpc>
+                <a:spcPct val="80000"/>
+              </a:lnSpc>
+            </a:pPr>
+            <a:r>
+              <a:rPr lang="en-US" sz="2600" b="1" dirty="0">
+                <a:solidFill>
+                  <a:schemeClr val="accent2"/>
+                </a:solidFill>
+                <a:latin typeface="Georgia" charset="0"/>
+                <a:ea typeface="ＭＳ Ｐゴシック" charset="0"/>
+                <a:cs typeface="ＭＳ Ｐゴシック" charset="0"/>
+              </a:rPr>
+              <a:t>Attention</a:t>
+            </a:r>
+            <a:r>
+              <a:rPr lang="en-US" sz="2600" dirty="0">
+                <a:latin typeface="Georgia" charset="0"/>
+                <a:ea typeface="ＭＳ Ｐゴシック" charset="0"/>
+                <a:cs typeface="ＭＳ Ｐゴシック" charset="0"/>
+              </a:rPr>
+              <a:t>/Initial registration (reticular activating system/corresponding sensory cortex)</a:t>
+            </a:r>
+          </a:p>
+          <a:p>
+            <a:pPr eaLnBrk="1" hangingPunct="1">
+              <a:lnSpc>
+                <a:spcPct val="80000"/>
+              </a:lnSpc>
+            </a:pPr>
+            <a:r>
+              <a:rPr lang="en-US" sz="2600" b="1" dirty="0">
+                <a:solidFill>
+                  <a:schemeClr val="accent2"/>
+                </a:solidFill>
+                <a:latin typeface="Georgia" charset="0"/>
+                <a:ea typeface="ＭＳ Ｐゴシック" charset="0"/>
+                <a:cs typeface="ＭＳ Ｐゴシック" charset="0"/>
+              </a:rPr>
+              <a:t>Encoding</a:t>
+            </a:r>
+            <a:r>
+              <a:rPr lang="en-US" sz="2600" dirty="0">
+                <a:latin typeface="Georgia" charset="0"/>
+                <a:ea typeface="ＭＳ Ｐゴシック" charset="0"/>
+                <a:cs typeface="ＭＳ Ｐゴシック" charset="0"/>
+              </a:rPr>
+              <a:t> (corresponding sensory cortex/basal ganglia/diencephalon)</a:t>
+            </a:r>
+          </a:p>
+          <a:p>
+            <a:pPr lvl="1" eaLnBrk="1" hangingPunct="1">
+              <a:lnSpc>
+                <a:spcPct val="80000"/>
+              </a:lnSpc>
+            </a:pPr>
             <a:r>
               <a:rPr lang="en-US" dirty="0">
                 <a:latin typeface="Georgia" charset="0"/>
                 <a:ea typeface="ＭＳ Ｐゴシック" charset="0"/>
-                <a:cs typeface="ＭＳ Ｐゴシック" charset="0"/>
-              </a:rPr>
-              <a:t>Engage a wide range of brain regions</a:t>
-            </a:r>
-          </a:p>
-          <a:p>
-            <a:pPr eaLnBrk="1" hangingPunct="1"/>
-            <a:r>
-              <a:rPr lang="en-US" dirty="0">
+              </a:rPr>
+              <a:t>Working Memory (prefrontal/parietal structures)</a:t>
+            </a:r>
+          </a:p>
+          <a:p>
+            <a:pPr>
+              <a:lnSpc>
+                <a:spcPct val="80000"/>
+              </a:lnSpc>
+            </a:pPr>
+            <a:r>
+              <a:rPr lang="en-US" sz="2600" b="1" dirty="0">
+                <a:solidFill>
+                  <a:schemeClr val="accent2"/>
+                </a:solidFill>
                 <a:latin typeface="Georgia" charset="0"/>
                 <a:ea typeface="ＭＳ Ｐゴシック" charset="0"/>
                 <a:cs typeface="ＭＳ Ｐゴシック" charset="0"/>
               </a:rPr>
-              <a:t>There are both modality &amp; material-specific channels for information encoding, storage &amp; even retrieval</a:t>
-            </a:r>
-          </a:p>
-          <a:p>
-            <a:pPr eaLnBrk="1" hangingPunct="1"/>
-            <a:r>
-              <a:rPr lang="en-US" dirty="0">
+              <a:t>Consolidation/Storage</a:t>
+            </a:r>
+            <a:r>
+              <a:rPr lang="en-US" sz="2600" dirty="0">
                 <a:latin typeface="Georgia" charset="0"/>
                 <a:ea typeface="ＭＳ Ｐゴシック" charset="0"/>
                 <a:cs typeface="ＭＳ Ｐゴシック" charset="0"/>
               </a:rPr>
-              <a:t>Information is not represented statically in the brain--(e.g., attention, emotion, hormonal levels) influence, modify and rearrange our knowledge</a:t>
-            </a:r>
+              <a:t> (medial temporal lobes/limbic systems/hippocampi)</a:t>
+            </a:r>
+          </a:p>
+          <a:p>
+            <a:pPr eaLnBrk="1" hangingPunct="1">
+              <a:lnSpc>
+                <a:spcPct val="80000"/>
+              </a:lnSpc>
+            </a:pPr>
+            <a:r>
+              <a:rPr lang="en-US" sz="2600" b="1" dirty="0">
+                <a:solidFill>
+                  <a:schemeClr val="accent2"/>
+                </a:solidFill>
+                <a:latin typeface="Georgia" charset="0"/>
+                <a:ea typeface="ＭＳ Ｐゴシック" charset="0"/>
+                <a:cs typeface="ＭＳ Ｐゴシック" charset="0"/>
+              </a:rPr>
+              <a:t>Retrieval</a:t>
+            </a:r>
+            <a:r>
+              <a:rPr lang="en-US" sz="2600" dirty="0">
+                <a:latin typeface="Georgia" charset="0"/>
+                <a:ea typeface="ＭＳ Ｐゴシック" charset="0"/>
+                <a:cs typeface="ＭＳ Ｐゴシック" charset="0"/>
+              </a:rPr>
+              <a:t> (frontal structures)</a:t>
+            </a:r>
+          </a:p>
+          <a:p>
+            <a:pPr eaLnBrk="1" hangingPunct="1">
+              <a:lnSpc>
+                <a:spcPct val="80000"/>
+              </a:lnSpc>
+              <a:buFontTx/>
+              <a:buNone/>
+            </a:pPr>
+            <a:r>
+              <a:rPr lang="en-US" sz="2600" dirty="0">
+                <a:latin typeface="Georgia" charset="0"/>
+                <a:ea typeface="ＭＳ Ｐゴシック" charset="0"/>
+                <a:cs typeface="ＭＳ Ｐゴシック" charset="0"/>
+              </a:rPr>
+              <a:t>[medial temporal lobes, diencephalon (thalamus), basal forebrain (hippocampus), </a:t>
+            </a:r>
+            <a:r>
+              <a:rPr lang="en-US" sz="2600" dirty="0" err="1">
+                <a:latin typeface="Georgia" charset="0"/>
+                <a:ea typeface="ＭＳ Ｐゴシック" charset="0"/>
+                <a:cs typeface="ＭＳ Ｐゴシック" charset="0"/>
+              </a:rPr>
+              <a:t>neocortex</a:t>
+            </a:r>
+            <a:r>
+              <a:rPr lang="en-US" sz="2600" dirty="0">
+                <a:latin typeface="Georgia" charset="0"/>
+                <a:ea typeface="ＭＳ Ｐゴシック" charset="0"/>
+                <a:cs typeface="ＭＳ Ｐゴシック" charset="0"/>
+              </a:rPr>
+              <a:t> of frontal lobes and temporal lobes]</a:t>
+            </a:r>
+          </a:p>
+          <a:p>
+            <a:pPr eaLnBrk="1" hangingPunct="1">
+              <a:lnSpc>
+                <a:spcPct val="80000"/>
+              </a:lnSpc>
+              <a:buFontTx/>
+              <a:buNone/>
+            </a:pPr>
+            <a:endParaRPr lang="en-US" sz="2600" dirty="0">
+              <a:latin typeface="Georgia" charset="0"/>
+              <a:ea typeface="ＭＳ Ｐゴシック" charset="0"/>
+              <a:cs typeface="ＭＳ Ｐゴシック" charset="0"/>
+            </a:endParaRPr>
+          </a:p>
+          <a:p>
+            <a:pPr eaLnBrk="1" hangingPunct="1">
+              <a:lnSpc>
+                <a:spcPct val="80000"/>
+              </a:lnSpc>
+            </a:pPr>
+            <a:endParaRPr lang="en-US" sz="2600" dirty="0">
+              <a:latin typeface="Georgia" charset="0"/>
+              <a:ea typeface="ＭＳ Ｐゴシック" charset="0"/>
+              <a:cs typeface="ＭＳ Ｐゴシック" charset="0"/>
+            </a:endParaRPr>
           </a:p>
         </p:txBody>
       </p:sp>
     </p:spTree>
     <p:extLst>
       <p:ext uri="{BB962C8B-B14F-4D97-AF65-F5344CB8AC3E}">
-        <p14:creationId xmlns:p14="http://schemas.microsoft.com/office/powerpoint/2010/main" val="436654101"/>
+        <p14:creationId xmlns:p14="http://schemas.microsoft.com/office/powerpoint/2010/main" val="3121178510"/>
       </p:ext>
     </p:extLst>
   </p:cSld>
@@ -8370,7 +8489,7 @@
       </p:grpSpPr>
       <p:sp>
         <p:nvSpPr>
-          <p:cNvPr id="150530" name="Rectangle 2"/>
+          <p:cNvPr id="152578" name="Rectangle 2"/>
           <p:cNvSpPr>
             <a:spLocks noGrp="1" noChangeArrowheads="1"/>
           </p:cNvSpPr>
@@ -8380,58 +8499,93 @@
         </p:nvSpPr>
         <p:spPr/>
         <p:txBody>
-          <a:bodyPr/>
-          <a:lstStyle/>
-          <a:p>
-            <a:r>
-              <a:rPr lang="en-US"/>
-              <a:t>Another example…</a:t>
-            </a:r>
-          </a:p>
-        </p:txBody>
-      </p:sp>
-      <p:sp>
-        <p:nvSpPr>
-          <p:cNvPr id="150531" name="Rectangle 3"/>
+          <a:bodyPr>
+            <a:normAutofit fontScale="90000"/>
+          </a:bodyPr>
+          <a:lstStyle/>
+          <a:p>
+            <a:r>
+              <a:rPr lang="en-US" dirty="0"/>
+              <a:t>Sample SR Training Session (30 min)</a:t>
+            </a:r>
+          </a:p>
+        </p:txBody>
+      </p:sp>
+      <p:sp>
+        <p:nvSpPr>
+          <p:cNvPr id="152579" name="Rectangle 3"/>
           <p:cNvSpPr>
             <a:spLocks noGrp="1" noChangeArrowheads="1"/>
           </p:cNvSpPr>
           <p:nvPr>
-            <p:ph idx="1"/>
-          </p:nvPr>
-        </p:nvSpPr>
-        <p:spPr/>
-        <p:txBody>
-          <a:bodyPr/>
-          <a:lstStyle/>
-          <a:p>
-            <a:r>
-              <a:rPr lang="en-US" sz="2800" dirty="0"/>
-              <a:t>“ When you get up in the morning, please go to the refrigerator and read the message I left for you. </a:t>
-            </a:r>
-          </a:p>
-          <a:p>
-            <a:r>
-              <a:rPr lang="en-US" sz="2800" b="1" dirty="0"/>
-              <a:t>Prompt:</a:t>
-            </a:r>
-            <a:r>
-              <a:rPr lang="en-US" sz="2800" dirty="0"/>
-              <a:t> What should you do when  you get up in the morning?”</a:t>
-            </a:r>
-          </a:p>
-          <a:p>
-            <a:r>
-              <a:rPr lang="en-US" sz="2800" b="1" dirty="0"/>
-              <a:t>Response:</a:t>
-            </a:r>
-            <a:r>
-              <a:rPr lang="en-US" sz="2800" dirty="0"/>
-              <a:t>  “I go to the refrigerator and read the message.” </a:t>
-            </a:r>
-          </a:p>
-          <a:p>
-            <a:endParaRPr lang="en-US" dirty="0"/>
+            <p:ph type="body" idx="1"/>
+          </p:nvPr>
+        </p:nvSpPr>
+        <p:spPr/>
+        <p:txBody>
+          <a:bodyPr>
+            <a:normAutofit fontScale="70000" lnSpcReduction="20000"/>
+          </a:bodyPr>
+          <a:lstStyle/>
+          <a:p>
+            <a:r>
+              <a:rPr lang="en-US" dirty="0"/>
+              <a:t>Hello, are you ready to start?</a:t>
+            </a:r>
+          </a:p>
+          <a:p>
+            <a:r>
+              <a:rPr lang="en-US" dirty="0"/>
+              <a:t>Prompt: “what is your telephone number?</a:t>
+            </a:r>
+          </a:p>
+          <a:p>
+            <a:r>
+              <a:rPr lang="en-US" dirty="0"/>
+              <a:t>Response: “my telephone number is 123-4567”</a:t>
+            </a:r>
+          </a:p>
+          <a:p>
+            <a:r>
+              <a:rPr lang="en-US" dirty="0"/>
+              <a:t>That’s right.  How have you been? Anything new happening in your life?</a:t>
+            </a:r>
+          </a:p>
+          <a:p>
+            <a:r>
+              <a:rPr lang="en-US" dirty="0"/>
+              <a:t>30 sec later: Now I need to ask you, “what is your telephone number?</a:t>
+            </a:r>
+          </a:p>
+          <a:p>
+            <a:r>
+              <a:rPr lang="en-US" dirty="0"/>
+              <a:t>Response: “my telephone number is 123-4567”</a:t>
+            </a:r>
+          </a:p>
+          <a:p>
+            <a:r>
+              <a:rPr lang="en-US" dirty="0"/>
+              <a:t>Good, you were telling me…..</a:t>
+            </a:r>
+          </a:p>
+          <a:p>
+            <a:r>
+              <a:rPr lang="en-US" dirty="0"/>
+              <a:t>1 min later: Again, I need to ask you, “what is your telephone number</a:t>
+            </a:r>
+          </a:p>
+          <a:p>
+            <a:r>
+              <a:rPr lang="en-US" dirty="0"/>
+              <a:t>“my telephone number is 123-4567”</a:t>
+            </a:r>
+          </a:p>
+          <a:p>
+            <a:r>
+              <a:rPr lang="en-US" dirty="0"/>
+              <a:t>Keeps repeating at 2 min, 4 min, 8 min, 16 min.</a:t>
+            </a:r>
           </a:p>
           <a:p>
             <a:endParaRPr lang="en-US" dirty="0"/>
@@ -8441,7 +8595,7 @@
     </p:spTree>
     <p:extLst>
       <p:ext uri="{BB962C8B-B14F-4D97-AF65-F5344CB8AC3E}">
-        <p14:creationId xmlns:p14="http://schemas.microsoft.com/office/powerpoint/2010/main" val="1203149736"/>
+        <p14:creationId xmlns:p14="http://schemas.microsoft.com/office/powerpoint/2010/main" val="1836658986"/>
       </p:ext>
     </p:extLst>
   </p:cSld>
@@ -8473,391 +8627,6 @@
       </p:grpSpPr>
       <p:sp>
         <p:nvSpPr>
-          <p:cNvPr id="151554" name="Rectangle 1026"/>
-          <p:cNvSpPr>
-            <a:spLocks noGrp="1" noChangeArrowheads="1"/>
-          </p:cNvSpPr>
-          <p:nvPr>
-            <p:ph type="title"/>
-          </p:nvPr>
-        </p:nvSpPr>
-        <p:spPr/>
-        <p:txBody>
-          <a:bodyPr/>
-          <a:lstStyle/>
-          <a:p>
-            <a:r>
-              <a:rPr lang="en-US"/>
-              <a:t>Training procedure</a:t>
-            </a:r>
-          </a:p>
-        </p:txBody>
-      </p:sp>
-      <p:sp>
-        <p:nvSpPr>
-          <p:cNvPr id="151555" name="Rectangle 1027"/>
-          <p:cNvSpPr>
-            <a:spLocks noGrp="1" noChangeArrowheads="1"/>
-          </p:cNvSpPr>
-          <p:nvPr>
-            <p:ph type="body" idx="1"/>
-          </p:nvPr>
-        </p:nvSpPr>
-        <p:spPr/>
-        <p:txBody>
-          <a:bodyPr>
-            <a:normAutofit lnSpcReduction="10000"/>
-          </a:bodyPr>
-          <a:lstStyle/>
-          <a:p>
-            <a:r>
-              <a:rPr lang="en-US" dirty="0"/>
-              <a:t>Prompt:  </a:t>
-            </a:r>
-          </a:p>
-          <a:p>
-            <a:pPr lvl="1"/>
-            <a:r>
-              <a:rPr lang="en-US" dirty="0"/>
-              <a:t>What do you do when you finish your cereal?</a:t>
-            </a:r>
-          </a:p>
-          <a:p>
-            <a:r>
-              <a:rPr lang="en-US" dirty="0"/>
-              <a:t>Correct response: </a:t>
-            </a:r>
-          </a:p>
-          <a:p>
-            <a:pPr lvl="1"/>
-            <a:r>
-              <a:rPr lang="en-US" dirty="0"/>
-              <a:t> I take something out of the freezer for dinner.</a:t>
-            </a:r>
-          </a:p>
-          <a:p>
-            <a:pPr lvl="1"/>
-            <a:r>
-              <a:rPr lang="en-US" dirty="0"/>
-              <a:t>= Immediate Repetition</a:t>
-            </a:r>
-          </a:p>
-          <a:p>
-            <a:r>
-              <a:rPr lang="en-US" dirty="0"/>
-              <a:t>Next prompt in 30 sec.</a:t>
-            </a:r>
-          </a:p>
-          <a:p>
-            <a:r>
-              <a:rPr lang="en-US" dirty="0"/>
-              <a:t>Interval doubles with each correct response.</a:t>
-            </a:r>
-          </a:p>
-          <a:p>
-            <a:r>
-              <a:rPr lang="en-US" dirty="0"/>
-              <a:t>Incorrect response: Immediate repetition of correct response then interval reduces by half.</a:t>
-            </a:r>
-          </a:p>
-        </p:txBody>
-      </p:sp>
-    </p:spTree>
-    <p:extLst>
-      <p:ext uri="{BB962C8B-B14F-4D97-AF65-F5344CB8AC3E}">
-        <p14:creationId xmlns:p14="http://schemas.microsoft.com/office/powerpoint/2010/main" val="168522479"/>
-      </p:ext>
-    </p:extLst>
-  </p:cSld>
-  <p:clrMapOvr>
-    <a:masterClrMapping/>
-  </p:clrMapOvr>
-  <p:transition>
-    <p:random/>
-  </p:transition>
-</p:sld>
-</file>
-
-<file path=ppt/slides/slide32.xml><?xml version="1.0" encoding="utf-8"?>
-<p:sld xmlns:a="http://schemas.openxmlformats.org/drawingml/2006/main" xmlns:r="http://schemas.openxmlformats.org/officeDocument/2006/relationships" xmlns:p="http://schemas.openxmlformats.org/presentationml/2006/main">
-  <p:cSld>
-    <p:spTree>
-      <p:nvGrpSpPr>
-        <p:cNvPr id="1" name=""/>
-        <p:cNvGrpSpPr/>
-        <p:nvPr/>
-      </p:nvGrpSpPr>
-      <p:grpSpPr>
-        <a:xfrm>
-          <a:off x="0" y="0"/>
-          <a:ext cx="0" cy="0"/>
-          <a:chOff x="0" y="0"/>
-          <a:chExt cx="0" cy="0"/>
-        </a:xfrm>
-      </p:grpSpPr>
-      <p:sp>
-        <p:nvSpPr>
-          <p:cNvPr id="2" name="Title 1"/>
-          <p:cNvSpPr>
-            <a:spLocks noGrp="1"/>
-          </p:cNvSpPr>
-          <p:nvPr>
-            <p:ph type="title"/>
-          </p:nvPr>
-        </p:nvSpPr>
-        <p:spPr/>
-        <p:txBody>
-          <a:bodyPr>
-            <a:normAutofit/>
-          </a:bodyPr>
-          <a:lstStyle/>
-          <a:p>
-            <a:r>
-              <a:rPr lang="en-US" dirty="0"/>
-              <a:t>Theoretical rationale</a:t>
-            </a:r>
-          </a:p>
-        </p:txBody>
-      </p:sp>
-      <p:sp>
-        <p:nvSpPr>
-          <p:cNvPr id="3" name="Content Placeholder 2"/>
-          <p:cNvSpPr>
-            <a:spLocks noGrp="1"/>
-          </p:cNvSpPr>
-          <p:nvPr>
-            <p:ph idx="1"/>
-          </p:nvPr>
-        </p:nvSpPr>
-        <p:spPr/>
-        <p:txBody>
-          <a:bodyPr/>
-          <a:lstStyle/>
-          <a:p>
-            <a:r>
-              <a:rPr lang="en-US" dirty="0"/>
-              <a:t>Relies on implicit or </a:t>
-            </a:r>
-            <a:r>
-              <a:rPr lang="en-US" dirty="0" err="1"/>
-              <a:t>nondeclarative</a:t>
-            </a:r>
-            <a:r>
-              <a:rPr lang="en-US" dirty="0"/>
-              <a:t> memory</a:t>
-            </a:r>
-          </a:p>
-          <a:p>
-            <a:r>
-              <a:rPr lang="en-US" dirty="0"/>
-              <a:t>Exploits residual but impaired declarative memory</a:t>
-            </a:r>
-          </a:p>
-          <a:p>
-            <a:endParaRPr lang="en-US" dirty="0"/>
-          </a:p>
-          <a:p>
-            <a:r>
-              <a:rPr lang="en-US" dirty="0"/>
-              <a:t>Look at </a:t>
-            </a:r>
-            <a:r>
-              <a:rPr lang="en-US" dirty="0" err="1"/>
-              <a:t>Valitchka</a:t>
-            </a:r>
-            <a:r>
-              <a:rPr lang="en-US" dirty="0"/>
-              <a:t> &amp; </a:t>
-            </a:r>
-            <a:r>
-              <a:rPr lang="en-US" dirty="0" err="1"/>
-              <a:t>Turkstra</a:t>
-            </a:r>
-            <a:r>
-              <a:rPr lang="en-US" dirty="0"/>
-              <a:t> (2013). Take one of their examples where the </a:t>
-            </a:r>
-            <a:r>
-              <a:rPr lang="en-US" dirty="0" err="1"/>
-              <a:t>careprovider</a:t>
-            </a:r>
-            <a:r>
-              <a:rPr lang="en-US" dirty="0"/>
-              <a:t> used declarative questions and turn it into a spaced retrieval target.</a:t>
-            </a:r>
-          </a:p>
-        </p:txBody>
-      </p:sp>
-    </p:spTree>
-    <p:extLst>
-      <p:ext uri="{BB962C8B-B14F-4D97-AF65-F5344CB8AC3E}">
-        <p14:creationId xmlns:p14="http://schemas.microsoft.com/office/powerpoint/2010/main" val="300783393"/>
-      </p:ext>
-    </p:extLst>
-  </p:cSld>
-  <p:clrMapOvr>
-    <a:masterClrMapping/>
-  </p:clrMapOvr>
-</p:sld>
-</file>
-
-<file path=ppt/slides/slide33.xml><?xml version="1.0" encoding="utf-8"?>
-<p:sld xmlns:a="http://schemas.openxmlformats.org/drawingml/2006/main" xmlns:r="http://schemas.openxmlformats.org/officeDocument/2006/relationships" xmlns:p="http://schemas.openxmlformats.org/presentationml/2006/main">
-  <p:cSld>
-    <p:spTree>
-      <p:nvGrpSpPr>
-        <p:cNvPr id="1" name=""/>
-        <p:cNvGrpSpPr/>
-        <p:nvPr/>
-      </p:nvGrpSpPr>
-      <p:grpSpPr>
-        <a:xfrm>
-          <a:off x="0" y="0"/>
-          <a:ext cx="0" cy="0"/>
-          <a:chOff x="0" y="0"/>
-          <a:chExt cx="0" cy="0"/>
-        </a:xfrm>
-      </p:grpSpPr>
-      <p:sp>
-        <p:nvSpPr>
-          <p:cNvPr id="152578" name="Rectangle 2"/>
-          <p:cNvSpPr>
-            <a:spLocks noGrp="1" noChangeArrowheads="1"/>
-          </p:cNvSpPr>
-          <p:nvPr>
-            <p:ph type="title"/>
-          </p:nvPr>
-        </p:nvSpPr>
-        <p:spPr/>
-        <p:txBody>
-          <a:bodyPr>
-            <a:normAutofit fontScale="90000"/>
-          </a:bodyPr>
-          <a:lstStyle/>
-          <a:p>
-            <a:r>
-              <a:rPr lang="en-US" dirty="0"/>
-              <a:t>Sample SR Training Session (30 min)</a:t>
-            </a:r>
-          </a:p>
-        </p:txBody>
-      </p:sp>
-      <p:sp>
-        <p:nvSpPr>
-          <p:cNvPr id="152579" name="Rectangle 3"/>
-          <p:cNvSpPr>
-            <a:spLocks noGrp="1" noChangeArrowheads="1"/>
-          </p:cNvSpPr>
-          <p:nvPr>
-            <p:ph type="body" idx="1"/>
-          </p:nvPr>
-        </p:nvSpPr>
-        <p:spPr/>
-        <p:txBody>
-          <a:bodyPr>
-            <a:normAutofit fontScale="70000" lnSpcReduction="20000"/>
-          </a:bodyPr>
-          <a:lstStyle/>
-          <a:p>
-            <a:r>
-              <a:rPr lang="en-US" dirty="0"/>
-              <a:t>Hello, are you ready to start?</a:t>
-            </a:r>
-          </a:p>
-          <a:p>
-            <a:r>
-              <a:rPr lang="en-US" dirty="0"/>
-              <a:t>Prompt: “what is your telephone number?</a:t>
-            </a:r>
-          </a:p>
-          <a:p>
-            <a:r>
-              <a:rPr lang="en-US" dirty="0"/>
-              <a:t>Response: “my telephone number is 123-4567”</a:t>
-            </a:r>
-          </a:p>
-          <a:p>
-            <a:r>
-              <a:rPr lang="en-US" dirty="0"/>
-              <a:t>That’s right.  How have you been? Anything new happening in your life?</a:t>
-            </a:r>
-          </a:p>
-          <a:p>
-            <a:r>
-              <a:rPr lang="en-US" dirty="0"/>
-              <a:t>30 sec later: Now I need to ask you, “what is your telephone number?</a:t>
-            </a:r>
-          </a:p>
-          <a:p>
-            <a:r>
-              <a:rPr lang="en-US" dirty="0"/>
-              <a:t>Response: “my telephone number is 123-4567”</a:t>
-            </a:r>
-          </a:p>
-          <a:p>
-            <a:r>
-              <a:rPr lang="en-US" dirty="0"/>
-              <a:t>Good, you were telling me…..</a:t>
-            </a:r>
-          </a:p>
-          <a:p>
-            <a:r>
-              <a:rPr lang="en-US" dirty="0"/>
-              <a:t>1 min later: Again, I need to ask you, “what is your telephone number</a:t>
-            </a:r>
-          </a:p>
-          <a:p>
-            <a:r>
-              <a:rPr lang="en-US" dirty="0"/>
-              <a:t>“my telephone number is 123-4567”</a:t>
-            </a:r>
-          </a:p>
-          <a:p>
-            <a:r>
-              <a:rPr lang="en-US" dirty="0"/>
-              <a:t>Keeps repeating at 2 min, 4 min, 8 min, 16 min.</a:t>
-            </a:r>
-          </a:p>
-          <a:p>
-            <a:endParaRPr lang="en-US" dirty="0"/>
-          </a:p>
-        </p:txBody>
-      </p:sp>
-    </p:spTree>
-    <p:extLst>
-      <p:ext uri="{BB962C8B-B14F-4D97-AF65-F5344CB8AC3E}">
-        <p14:creationId xmlns:p14="http://schemas.microsoft.com/office/powerpoint/2010/main" val="1836658986"/>
-      </p:ext>
-    </p:extLst>
-  </p:cSld>
-  <p:clrMapOvr>
-    <a:masterClrMapping/>
-  </p:clrMapOvr>
-  <p:transition>
-    <p:random/>
-  </p:transition>
-</p:sld>
-</file>
-
-<file path=ppt/slides/slide34.xml><?xml version="1.0" encoding="utf-8"?>
-<p:sld xmlns:a="http://schemas.openxmlformats.org/drawingml/2006/main" xmlns:r="http://schemas.openxmlformats.org/officeDocument/2006/relationships" xmlns:p="http://schemas.openxmlformats.org/presentationml/2006/main">
-  <p:cSld>
-    <p:spTree>
-      <p:nvGrpSpPr>
-        <p:cNvPr id="1" name=""/>
-        <p:cNvGrpSpPr/>
-        <p:nvPr/>
-      </p:nvGrpSpPr>
-      <p:grpSpPr>
-        <a:xfrm>
-          <a:off x="0" y="0"/>
-          <a:ext cx="0" cy="0"/>
-          <a:chOff x="0" y="0"/>
-          <a:chExt cx="0" cy="0"/>
-        </a:xfrm>
-      </p:grpSpPr>
-      <p:sp>
-        <p:nvSpPr>
           <p:cNvPr id="153602" name="Rectangle 2"/>
           <p:cNvSpPr>
             <a:spLocks noGrp="1" noChangeArrowheads="1"/>
@@ -8967,7 +8736,7 @@
 </p:sld>
 </file>
 
-<file path=ppt/slides/slide35.xml><?xml version="1.0" encoding="utf-8"?>
+<file path=ppt/slides/slide32.xml><?xml version="1.0" encoding="utf-8"?>
 <p:sld xmlns:a="http://schemas.openxmlformats.org/drawingml/2006/main" xmlns:r="http://schemas.openxmlformats.org/officeDocument/2006/relationships" xmlns:p="http://schemas.openxmlformats.org/presentationml/2006/main">
   <p:cSld>
     <p:spTree>
@@ -9037,25 +8806,6 @@
       </p:sp>
       <p:sp>
         <p:nvSpPr>
-          <p:cNvPr id="14" name="Content Placeholder 13"/>
-          <p:cNvSpPr>
-            <a:spLocks noGrp="1"/>
-          </p:cNvSpPr>
-          <p:nvPr>
-            <p:ph idx="1"/>
-          </p:nvPr>
-        </p:nvSpPr>
-        <p:spPr/>
-        <p:txBody>
-          <a:bodyPr/>
-          <a:lstStyle/>
-          <a:p>
-            <a:endParaRPr lang="en-US" dirty="0"/>
-          </a:p>
-        </p:txBody>
-      </p:sp>
-      <p:sp>
-        <p:nvSpPr>
           <p:cNvPr id="15" name="Text Placeholder 14"/>
           <p:cNvSpPr>
             <a:spLocks noGrp="1"/>
@@ -9118,7 +8868,7 @@
 </p:sld>
 </file>
 
-<file path=ppt/slides/slide36.xml><?xml version="1.0" encoding="utf-8"?>
+<file path=ppt/slides/slide33.xml><?xml version="1.0" encoding="utf-8"?>
 <p:sld xmlns:a="http://schemas.openxmlformats.org/drawingml/2006/main" xmlns:r="http://schemas.openxmlformats.org/officeDocument/2006/relationships" xmlns:p="http://schemas.openxmlformats.org/presentationml/2006/main">
   <p:cSld>
     <p:spTree>
@@ -9159,25 +8909,6 @@
       </p:sp>
       <p:sp>
         <p:nvSpPr>
-          <p:cNvPr id="3" name="Content Placeholder 2"/>
-          <p:cNvSpPr>
-            <a:spLocks noGrp="1"/>
-          </p:cNvSpPr>
-          <p:nvPr>
-            <p:ph idx="1"/>
-          </p:nvPr>
-        </p:nvSpPr>
-        <p:spPr/>
-        <p:txBody>
-          <a:bodyPr/>
-          <a:lstStyle/>
-          <a:p>
-            <a:endParaRPr lang="en-US" dirty="0"/>
-          </a:p>
-        </p:txBody>
-      </p:sp>
-      <p:sp>
-        <p:nvSpPr>
           <p:cNvPr id="4" name="Text Placeholder 3"/>
           <p:cNvSpPr>
             <a:spLocks noGrp="1"/>
@@ -9220,7 +8951,7 @@
           <a:graphicData uri="http://schemas.openxmlformats.org/presentationml/2006/ole">
             <mc:AlternateContent xmlns:mc="http://schemas.openxmlformats.org/markup-compatibility/2006">
               <mc:Choice xmlns:v="urn:schemas-microsoft-com:vml" Requires="v">
-                <p:oleObj spid="_x0000_s1046" name="Document" r:id="rId3" imgW="6451600" imgH="8496300" progId="Word.Document.8">
+                <p:oleObj spid="_x0000_s1053" name="Document" r:id="rId3" imgW="6451600" imgH="8496300" progId="Word.Document.8">
                   <p:embed/>
                 </p:oleObj>
               </mc:Choice>
@@ -9280,6 +9011,705 @@
 </p:sld>
 </file>
 
+<file path=ppt/slides/slide34.xml><?xml version="1.0" encoding="utf-8"?>
+<p:sld xmlns:a="http://schemas.openxmlformats.org/drawingml/2006/main" xmlns:r="http://schemas.openxmlformats.org/officeDocument/2006/relationships" xmlns:p="http://schemas.openxmlformats.org/presentationml/2006/main">
+  <p:cSld>
+    <p:spTree>
+      <p:nvGrpSpPr>
+        <p:cNvPr id="1" name=""/>
+        <p:cNvGrpSpPr/>
+        <p:nvPr/>
+      </p:nvGrpSpPr>
+      <p:grpSpPr>
+        <a:xfrm>
+          <a:off x="0" y="0"/>
+          <a:ext cx="0" cy="0"/>
+          <a:chOff x="0" y="0"/>
+          <a:chExt cx="0" cy="0"/>
+        </a:xfrm>
+      </p:grpSpPr>
+      <p:sp>
+        <p:nvSpPr>
+          <p:cNvPr id="2" name="Title 1">
+            <a:extLst>
+              <a:ext uri="{FF2B5EF4-FFF2-40B4-BE49-F238E27FC236}">
+                <a16:creationId xmlns:a16="http://schemas.microsoft.com/office/drawing/2014/main" id="{D5EA04A4-E58D-4E49-AAD2-85AB6681EEA7}"/>
+              </a:ext>
+            </a:extLst>
+          </p:cNvPr>
+          <p:cNvSpPr>
+            <a:spLocks noGrp="1"/>
+          </p:cNvSpPr>
+          <p:nvPr>
+            <p:ph type="title"/>
+          </p:nvPr>
+        </p:nvSpPr>
+        <p:spPr/>
+        <p:txBody>
+          <a:bodyPr/>
+          <a:lstStyle/>
+          <a:p>
+            <a:r>
+              <a:rPr lang="en-US" dirty="0"/>
+              <a:t>Spaced Retrieval App</a:t>
+            </a:r>
+          </a:p>
+        </p:txBody>
+      </p:sp>
+      <p:pic>
+        <p:nvPicPr>
+          <p:cNvPr id="5" name="Content Placeholder 4">
+            <a:extLst>
+              <a:ext uri="{FF2B5EF4-FFF2-40B4-BE49-F238E27FC236}">
+                <a16:creationId xmlns:a16="http://schemas.microsoft.com/office/drawing/2014/main" id="{751AC832-985F-2A4A-925A-CA40CA8E59A4}"/>
+              </a:ext>
+            </a:extLst>
+          </p:cNvPr>
+          <p:cNvPicPr>
+            <a:picLocks noGrp="1" noChangeAspect="1"/>
+          </p:cNvPicPr>
+          <p:nvPr>
+            <p:ph idx="1"/>
+          </p:nvPr>
+        </p:nvPicPr>
+        <p:blipFill>
+          <a:blip r:embed="rId2"/>
+          <a:stretch>
+            <a:fillRect/>
+          </a:stretch>
+        </p:blipFill>
+        <p:spPr>
+          <a:xfrm>
+            <a:off x="-98749" y="1106661"/>
+            <a:ext cx="9330677" cy="4479751"/>
+          </a:xfrm>
+        </p:spPr>
+      </p:pic>
+      <p:sp>
+        <p:nvSpPr>
+          <p:cNvPr id="6" name="TextBox 5">
+            <a:extLst>
+              <a:ext uri="{FF2B5EF4-FFF2-40B4-BE49-F238E27FC236}">
+                <a16:creationId xmlns:a16="http://schemas.microsoft.com/office/drawing/2014/main" id="{69648083-36D6-1A42-BA5C-2F4016DA673C}"/>
+              </a:ext>
+            </a:extLst>
+          </p:cNvPr>
+          <p:cNvSpPr txBox="1"/>
+          <p:nvPr/>
+        </p:nvSpPr>
+        <p:spPr>
+          <a:xfrm>
+            <a:off x="1685924" y="5956770"/>
+            <a:ext cx="6729413" cy="923330"/>
+          </a:xfrm>
+          <a:prstGeom prst="rect">
+            <a:avLst/>
+          </a:prstGeom>
+          <a:noFill/>
+        </p:spPr>
+        <p:txBody>
+          <a:bodyPr wrap="square" rtlCol="0">
+            <a:spAutoFit/>
+          </a:bodyPr>
+          <a:lstStyle/>
+          <a:p>
+            <a:r>
+              <a:rPr lang="en-US" b="1" dirty="0"/>
+              <a:t>Spaced Retrieval Therapy 4+  </a:t>
+            </a:r>
+            <a:r>
+              <a:rPr lang="en-US" dirty="0"/>
+              <a:t>Memory Training for Dementia</a:t>
+            </a:r>
+          </a:p>
+          <a:p>
+            <a:r>
+              <a:rPr lang="en-US" dirty="0">
+                <a:hlinkClick r:id="rId3"/>
+              </a:rPr>
+              <a:t>Tactus Therapy Solutions Ltd.</a:t>
+            </a:r>
+            <a:endParaRPr lang="en-US" dirty="0"/>
+          </a:p>
+          <a:p>
+            <a:endParaRPr lang="en-US" dirty="0"/>
+          </a:p>
+        </p:txBody>
+      </p:sp>
+    </p:spTree>
+    <p:extLst>
+      <p:ext uri="{BB962C8B-B14F-4D97-AF65-F5344CB8AC3E}">
+        <p14:creationId xmlns:p14="http://schemas.microsoft.com/office/powerpoint/2010/main" val="2260187652"/>
+      </p:ext>
+    </p:extLst>
+  </p:cSld>
+  <p:clrMapOvr>
+    <a:masterClrMapping/>
+  </p:clrMapOvr>
+</p:sld>
+</file>
+
+<file path=ppt/slides/slide35.xml><?xml version="1.0" encoding="utf-8"?>
+<p:sld xmlns:a="http://schemas.openxmlformats.org/drawingml/2006/main" xmlns:r="http://schemas.openxmlformats.org/officeDocument/2006/relationships" xmlns:p="http://schemas.openxmlformats.org/presentationml/2006/main">
+  <p:cSld>
+    <p:spTree>
+      <p:nvGrpSpPr>
+        <p:cNvPr id="1" name=""/>
+        <p:cNvGrpSpPr/>
+        <p:nvPr/>
+      </p:nvGrpSpPr>
+      <p:grpSpPr>
+        <a:xfrm>
+          <a:off x="0" y="0"/>
+          <a:ext cx="0" cy="0"/>
+          <a:chOff x="0" y="0"/>
+          <a:chExt cx="0" cy="0"/>
+        </a:xfrm>
+      </p:grpSpPr>
+      <p:sp>
+        <p:nvSpPr>
+          <p:cNvPr id="5" name="Rectangle 4"/>
+          <p:cNvSpPr/>
+          <p:nvPr/>
+        </p:nvSpPr>
+        <p:spPr>
+          <a:xfrm>
+            <a:off x="0" y="533401"/>
+            <a:ext cx="8991600" cy="6740308"/>
+          </a:xfrm>
+          <a:prstGeom prst="rect">
+            <a:avLst/>
+          </a:prstGeom>
+        </p:spPr>
+        <p:txBody>
+          <a:bodyPr wrap="square">
+            <a:spAutoFit/>
+          </a:bodyPr>
+          <a:lstStyle/>
+          <a:p>
+            <a:pPr algn="ctr"/>
+            <a:r>
+              <a:rPr lang="en-US" b="1" dirty="0">
+                <a:latin typeface="Arial" charset="0"/>
+                <a:ea typeface="Arial" charset="0"/>
+                <a:cs typeface="Arial" charset="0"/>
+              </a:rPr>
+              <a:t>Examples of SR Goals</a:t>
+            </a:r>
+          </a:p>
+          <a:p>
+            <a:r>
+              <a:rPr lang="en-US" u="sng" dirty="0">
+                <a:latin typeface="Arial" charset="0"/>
+                <a:ea typeface="Arial" charset="0"/>
+                <a:cs typeface="Arial" charset="0"/>
+              </a:rPr>
+              <a:t>Type of Goal</a:t>
+            </a:r>
+            <a:r>
+              <a:rPr lang="en-US" dirty="0">
+                <a:latin typeface="Arial" charset="0"/>
+                <a:ea typeface="Arial" charset="0"/>
+                <a:cs typeface="Arial" charset="0"/>
+              </a:rPr>
+              <a:t>					</a:t>
+            </a:r>
+            <a:r>
+              <a:rPr lang="en-US" u="sng" dirty="0">
+                <a:latin typeface="Arial" charset="0"/>
+                <a:ea typeface="Arial" charset="0"/>
+                <a:cs typeface="Arial" charset="0"/>
+              </a:rPr>
+              <a:t>Diagnosis</a:t>
+            </a:r>
+            <a:r>
+              <a:rPr lang="en-US" dirty="0">
+                <a:latin typeface="Arial" charset="0"/>
+                <a:ea typeface="Arial" charset="0"/>
+                <a:cs typeface="Arial" charset="0"/>
+              </a:rPr>
+              <a:t>	 	</a:t>
+            </a:r>
+            <a:r>
+              <a:rPr lang="en-US" u="sng" dirty="0">
+                <a:latin typeface="Arial" charset="0"/>
+                <a:ea typeface="Arial" charset="0"/>
+                <a:cs typeface="Arial" charset="0"/>
+              </a:rPr>
+              <a:t>Source</a:t>
+            </a:r>
+            <a:endParaRPr lang="en-US" dirty="0">
+              <a:latin typeface="Arial" charset="0"/>
+              <a:ea typeface="Arial" charset="0"/>
+              <a:cs typeface="Arial" charset="0"/>
+            </a:endParaRPr>
+          </a:p>
+          <a:p>
+            <a:r>
+              <a:rPr lang="en-US" dirty="0">
+                <a:latin typeface="Arial" charset="0"/>
+                <a:ea typeface="Arial" charset="0"/>
+                <a:cs typeface="Arial" charset="0"/>
+              </a:rPr>
+              <a:t>*Using a calendar to remember	AD			Camp et al., 1996</a:t>
+            </a:r>
+          </a:p>
+          <a:p>
+            <a:r>
+              <a:rPr lang="en-US" dirty="0">
+                <a:latin typeface="Arial" charset="0"/>
+                <a:ea typeface="Arial" charset="0"/>
+                <a:cs typeface="Arial" charset="0"/>
+              </a:rPr>
+              <a:t>daily tasks</a:t>
+            </a:r>
+          </a:p>
+          <a:p>
+            <a:r>
+              <a:rPr lang="en-US" dirty="0">
+                <a:latin typeface="Arial" charset="0"/>
+                <a:ea typeface="Arial" charset="0"/>
+                <a:cs typeface="Arial" charset="0"/>
+              </a:rPr>
+              <a:t>*Remembering to redeem a 		AD			</a:t>
+            </a:r>
+            <a:r>
+              <a:rPr lang="en-US" dirty="0" err="1">
+                <a:latin typeface="Arial" charset="0"/>
+                <a:ea typeface="Arial" charset="0"/>
+                <a:cs typeface="Arial" charset="0"/>
+              </a:rPr>
+              <a:t>McKitrick</a:t>
+            </a:r>
+            <a:r>
+              <a:rPr lang="en-US" dirty="0">
+                <a:latin typeface="Arial" charset="0"/>
+                <a:ea typeface="Arial" charset="0"/>
+                <a:cs typeface="Arial" charset="0"/>
+              </a:rPr>
+              <a:t>, Camp, &amp; Black, 1992</a:t>
+            </a:r>
+          </a:p>
+          <a:p>
+            <a:r>
+              <a:rPr lang="en-US" dirty="0">
+                <a:latin typeface="Arial" charset="0"/>
+                <a:ea typeface="Arial" charset="0"/>
+                <a:cs typeface="Arial" charset="0"/>
+              </a:rPr>
+              <a:t>coupon 								</a:t>
+            </a:r>
+          </a:p>
+          <a:p>
+            <a:r>
+              <a:rPr lang="en-US" dirty="0">
+                <a:latin typeface="Arial" charset="0"/>
+                <a:ea typeface="Arial" charset="0"/>
+                <a:cs typeface="Arial" charset="0"/>
+              </a:rPr>
+              <a:t>*Object naming				AD (Vascular)	Abrahams &amp; Camp, 1993</a:t>
+            </a:r>
+          </a:p>
+          <a:p>
+            <a:r>
+              <a:rPr lang="en-US" dirty="0">
+                <a:latin typeface="Arial" charset="0"/>
+                <a:ea typeface="Arial" charset="0"/>
+                <a:cs typeface="Arial" charset="0"/>
+              </a:rPr>
+              <a:t>*Remember to eat			HAD			</a:t>
+            </a:r>
+            <a:r>
+              <a:rPr lang="en-US" dirty="0" err="1">
+                <a:latin typeface="Arial" charset="0"/>
+                <a:ea typeface="Arial" charset="0"/>
+                <a:cs typeface="Arial" charset="0"/>
+              </a:rPr>
+              <a:t>Neundorfer</a:t>
+            </a:r>
+            <a:r>
+              <a:rPr lang="en-US" dirty="0">
+                <a:latin typeface="Arial" charset="0"/>
+                <a:ea typeface="Arial" charset="0"/>
+                <a:cs typeface="Arial" charset="0"/>
+              </a:rPr>
+              <a:t> et al., 2004</a:t>
+            </a:r>
+          </a:p>
+          <a:p>
+            <a:r>
+              <a:rPr lang="en-US" dirty="0">
+                <a:latin typeface="Arial" charset="0"/>
+                <a:ea typeface="Arial" charset="0"/>
+                <a:cs typeface="Arial" charset="0"/>
+              </a:rPr>
+              <a:t>*Describe an item if you		CVA			Brush &amp; Camp, 1998b</a:t>
+            </a:r>
+          </a:p>
+          <a:p>
+            <a:r>
+              <a:rPr lang="en-US" dirty="0">
+                <a:latin typeface="Arial" charset="0"/>
+                <a:ea typeface="Arial" charset="0"/>
+                <a:cs typeface="Arial" charset="0"/>
+              </a:rPr>
+              <a:t>cannot name it</a:t>
+            </a:r>
+          </a:p>
+          <a:p>
+            <a:r>
+              <a:rPr lang="en-US" dirty="0">
+                <a:latin typeface="Arial" charset="0"/>
+                <a:ea typeface="Arial" charset="0"/>
+                <a:cs typeface="Arial" charset="0"/>
+              </a:rPr>
+              <a:t>*Room number				Dementia		Brush &amp; Camp, 1998b</a:t>
+            </a:r>
+          </a:p>
+          <a:p>
+            <a:r>
+              <a:rPr lang="en-US" dirty="0">
+                <a:latin typeface="Arial" charset="0"/>
+                <a:ea typeface="Arial" charset="0"/>
+                <a:cs typeface="Arial" charset="0"/>
+              </a:rPr>
+              <a:t>*Speak into a voice			CVA/</a:t>
+            </a:r>
+            <a:r>
+              <a:rPr lang="en-US" dirty="0" err="1">
+                <a:latin typeface="Arial" charset="0"/>
+                <a:ea typeface="Arial" charset="0"/>
+                <a:cs typeface="Arial" charset="0"/>
+              </a:rPr>
+              <a:t>Dysarthria</a:t>
+            </a:r>
+            <a:r>
+              <a:rPr lang="en-US" dirty="0">
+                <a:latin typeface="Arial" charset="0"/>
+                <a:ea typeface="Arial" charset="0"/>
+                <a:cs typeface="Arial" charset="0"/>
+              </a:rPr>
+              <a:t>	Brush &amp; Camp, 1998b</a:t>
+            </a:r>
+          </a:p>
+          <a:p>
+            <a:r>
+              <a:rPr lang="en-US" dirty="0">
+                <a:latin typeface="Arial" charset="0"/>
+                <a:ea typeface="Arial" charset="0"/>
+                <a:cs typeface="Arial" charset="0"/>
+              </a:rPr>
+              <a:t>amplifier when talking</a:t>
+            </a:r>
+          </a:p>
+          <a:p>
+            <a:r>
+              <a:rPr lang="en-US" dirty="0">
+                <a:latin typeface="Arial" charset="0"/>
+                <a:ea typeface="Arial" charset="0"/>
+                <a:cs typeface="Arial" charset="0"/>
+              </a:rPr>
+              <a:t>*Take a sip of liquid after		Dementia		Brush &amp; Camp, 1998c</a:t>
+            </a:r>
+          </a:p>
+          <a:p>
+            <a:r>
+              <a:rPr lang="en-US" dirty="0">
+                <a:latin typeface="Arial" charset="0"/>
+                <a:ea typeface="Arial" charset="0"/>
+                <a:cs typeface="Arial" charset="0"/>
+              </a:rPr>
+              <a:t>eating a bite of food</a:t>
+            </a:r>
+          </a:p>
+          <a:p>
+            <a:r>
+              <a:rPr lang="en-US" dirty="0">
+                <a:latin typeface="Arial" charset="0"/>
+                <a:ea typeface="Arial" charset="0"/>
+                <a:cs typeface="Arial" charset="0"/>
+              </a:rPr>
+              <a:t>*Face-name association		AD				Clare et al., 2002; </a:t>
+            </a:r>
+          </a:p>
+          <a:p>
+            <a:r>
+              <a:rPr lang="en-US" dirty="0">
+                <a:latin typeface="Arial" charset="0"/>
+                <a:ea typeface="Arial" charset="0"/>
+                <a:cs typeface="Arial" charset="0"/>
+              </a:rPr>
+              <a:t>											</a:t>
+            </a:r>
+            <a:r>
+              <a:rPr lang="en-US" dirty="0" err="1">
+                <a:latin typeface="Arial" charset="0"/>
+                <a:ea typeface="Arial" charset="0"/>
+                <a:cs typeface="Arial" charset="0"/>
+              </a:rPr>
+              <a:t>Loewenstein</a:t>
+            </a:r>
+            <a:r>
+              <a:rPr lang="en-US" dirty="0">
+                <a:latin typeface="Arial" charset="0"/>
+                <a:ea typeface="Arial" charset="0"/>
+                <a:cs typeface="Arial" charset="0"/>
+              </a:rPr>
+              <a:t> et al., 2004</a:t>
+            </a:r>
+          </a:p>
+          <a:p>
+            <a:r>
+              <a:rPr lang="en-US" dirty="0">
+                <a:latin typeface="Arial" charset="0"/>
+                <a:ea typeface="Arial" charset="0"/>
+                <a:cs typeface="Arial" charset="0"/>
+              </a:rPr>
+              <a:t>*Use a notebook to find	AD (Vascular) 		Bird &amp; </a:t>
+            </a:r>
+            <a:r>
+              <a:rPr lang="en-US" dirty="0" err="1">
+                <a:latin typeface="Arial" charset="0"/>
+                <a:ea typeface="Arial" charset="0"/>
+                <a:cs typeface="Arial" charset="0"/>
+              </a:rPr>
+              <a:t>Kinsella</a:t>
+            </a:r>
+            <a:r>
+              <a:rPr lang="en-US" dirty="0">
+                <a:latin typeface="Arial" charset="0"/>
+                <a:ea typeface="Arial" charset="0"/>
+                <a:cs typeface="Arial" charset="0"/>
+              </a:rPr>
+              <a:t>, 1996</a:t>
+            </a:r>
+          </a:p>
+          <a:p>
+            <a:r>
+              <a:rPr lang="en-US" dirty="0">
+                <a:latin typeface="Arial" charset="0"/>
+                <a:ea typeface="Arial" charset="0"/>
+                <a:cs typeface="Arial" charset="0"/>
+              </a:rPr>
+              <a:t>answers to questions		</a:t>
+            </a:r>
+          </a:p>
+          <a:p>
+            <a:r>
+              <a:rPr lang="en-US" dirty="0">
+                <a:latin typeface="Arial" charset="0"/>
+                <a:ea typeface="Arial" charset="0"/>
+                <a:cs typeface="Arial" charset="0"/>
+              </a:rPr>
+              <a:t>*Address “paranoid		AD					Bird, 2001</a:t>
+            </a:r>
+          </a:p>
+          <a:p>
+            <a:r>
+              <a:rPr lang="en-US" dirty="0">
+                <a:latin typeface="Arial" charset="0"/>
+                <a:ea typeface="Arial" charset="0"/>
+                <a:cs typeface="Arial" charset="0"/>
+              </a:rPr>
+              <a:t>delusions” &amp; violence	</a:t>
+            </a:r>
+          </a:p>
+          <a:p>
+            <a:r>
+              <a:rPr lang="en-US" dirty="0">
+                <a:latin typeface="Arial" charset="0"/>
+                <a:ea typeface="Arial" charset="0"/>
+                <a:cs typeface="Arial" charset="0"/>
+              </a:rPr>
+              <a:t>*Obsessive toileting		Hypoxia				Bird, 2001</a:t>
+            </a:r>
+          </a:p>
+          <a:p>
+            <a:r>
+              <a:rPr lang="en-US" dirty="0">
+                <a:latin typeface="Arial" charset="0"/>
+                <a:ea typeface="Arial" charset="0"/>
+                <a:cs typeface="Arial" charset="0"/>
+              </a:rPr>
+              <a:t>*Anger management		TBI					Melton &amp;  Bourgeois, 2005</a:t>
+            </a:r>
+          </a:p>
+          <a:p>
+            <a:endParaRPr lang="en-US" dirty="0">
+              <a:latin typeface="Times New Roman" charset="0"/>
+            </a:endParaRPr>
+          </a:p>
+        </p:txBody>
+      </p:sp>
+    </p:spTree>
+    <p:extLst>
+      <p:ext uri="{BB962C8B-B14F-4D97-AF65-F5344CB8AC3E}">
+        <p14:creationId xmlns:p14="http://schemas.microsoft.com/office/powerpoint/2010/main" val="293637213"/>
+      </p:ext>
+    </p:extLst>
+  </p:cSld>
+  <p:clrMapOvr>
+    <a:masterClrMapping/>
+  </p:clrMapOvr>
+</p:sld>
+</file>
+
+<file path=ppt/slides/slide36.xml><?xml version="1.0" encoding="utf-8"?>
+<p:sld xmlns:a="http://schemas.openxmlformats.org/drawingml/2006/main" xmlns:r="http://schemas.openxmlformats.org/officeDocument/2006/relationships" xmlns:p="http://schemas.openxmlformats.org/presentationml/2006/main">
+  <p:cSld>
+    <p:spTree>
+      <p:nvGrpSpPr>
+        <p:cNvPr id="1" name=""/>
+        <p:cNvGrpSpPr/>
+        <p:nvPr/>
+      </p:nvGrpSpPr>
+      <p:grpSpPr>
+        <a:xfrm>
+          <a:off x="0" y="0"/>
+          <a:ext cx="0" cy="0"/>
+          <a:chOff x="0" y="0"/>
+          <a:chExt cx="0" cy="0"/>
+        </a:xfrm>
+      </p:grpSpPr>
+      <p:sp>
+        <p:nvSpPr>
+          <p:cNvPr id="2" name="Title 1"/>
+          <p:cNvSpPr>
+            <a:spLocks noGrp="1"/>
+          </p:cNvSpPr>
+          <p:nvPr>
+            <p:ph type="title"/>
+          </p:nvPr>
+        </p:nvSpPr>
+        <p:spPr/>
+        <p:txBody>
+          <a:bodyPr/>
+          <a:lstStyle/>
+          <a:p>
+            <a:r>
+              <a:rPr lang="en-US" dirty="0"/>
+              <a:t>Types of Instructional Targets</a:t>
+            </a:r>
+          </a:p>
+        </p:txBody>
+      </p:sp>
+      <p:sp>
+        <p:nvSpPr>
+          <p:cNvPr id="3" name="Content Placeholder 2"/>
+          <p:cNvSpPr>
+            <a:spLocks noGrp="1"/>
+          </p:cNvSpPr>
+          <p:nvPr>
+            <p:ph idx="1"/>
+          </p:nvPr>
+        </p:nvSpPr>
+        <p:spPr>
+          <a:xfrm>
+            <a:off x="457200" y="1417638"/>
+            <a:ext cx="8229600" cy="5166042"/>
+          </a:xfrm>
+        </p:spPr>
+        <p:txBody>
+          <a:bodyPr>
+            <a:normAutofit lnSpcReduction="10000"/>
+          </a:bodyPr>
+          <a:lstStyle/>
+          <a:p>
+            <a:r>
+              <a:rPr lang="en-US" dirty="0"/>
+              <a:t>Metacognitive strategies</a:t>
+            </a:r>
+          </a:p>
+          <a:p>
+            <a:pPr lvl="1"/>
+            <a:r>
+              <a:rPr lang="en-US" dirty="0"/>
+              <a:t>Task specific strategies</a:t>
+            </a:r>
+          </a:p>
+          <a:p>
+            <a:pPr lvl="1"/>
+            <a:r>
+              <a:rPr lang="en-US" dirty="0"/>
+              <a:t>General strategies</a:t>
+            </a:r>
+          </a:p>
+          <a:p>
+            <a:r>
+              <a:rPr lang="en-US" dirty="0"/>
+              <a:t>External aids/Tools or Multistep Tasks</a:t>
+            </a:r>
+          </a:p>
+          <a:p>
+            <a:pPr lvl="1"/>
+            <a:r>
+              <a:rPr lang="en-US" dirty="0"/>
+              <a:t>Smartphone apps</a:t>
+            </a:r>
+          </a:p>
+          <a:p>
+            <a:r>
+              <a:rPr lang="en-US" dirty="0"/>
+              <a:t>Facts/Information; Simple routines*</a:t>
+            </a:r>
+          </a:p>
+          <a:p>
+            <a:pPr lvl="1"/>
+            <a:r>
+              <a:rPr lang="en-US" dirty="0"/>
+              <a:t>Names/</a:t>
+            </a:r>
+            <a:r>
+              <a:rPr lang="en-US" dirty="0" err="1"/>
+              <a:t>addressess</a:t>
+            </a:r>
+            <a:endParaRPr lang="en-US" dirty="0"/>
+          </a:p>
+          <a:p>
+            <a:pPr lvl="1"/>
+            <a:r>
+              <a:rPr lang="en-US" dirty="0"/>
+              <a:t>Vocabulary</a:t>
+            </a:r>
+          </a:p>
+          <a:p>
+            <a:pPr lvl="1"/>
+            <a:r>
+              <a:rPr lang="en-US" dirty="0"/>
+              <a:t>Dressing or swallowing routines</a:t>
+            </a:r>
+          </a:p>
+          <a:p>
+            <a:pPr marL="457200" lvl="1" indent="0">
+              <a:buNone/>
+            </a:pPr>
+            <a:r>
+              <a:rPr lang="en-US" dirty="0"/>
+              <a:t>*BEST FOR SPACED RETRIEVAL</a:t>
+            </a:r>
+          </a:p>
+          <a:p>
+            <a:pPr lvl="1"/>
+            <a:endParaRPr lang="en-US" dirty="0"/>
+          </a:p>
+          <a:p>
+            <a:endParaRPr lang="en-US" dirty="0"/>
+          </a:p>
+        </p:txBody>
+      </p:sp>
+    </p:spTree>
+    <p:extLst>
+      <p:ext uri="{BB962C8B-B14F-4D97-AF65-F5344CB8AC3E}">
+        <p14:creationId xmlns:p14="http://schemas.microsoft.com/office/powerpoint/2010/main" val="243218085"/>
+      </p:ext>
+    </p:extLst>
+  </p:cSld>
+  <p:clrMapOvr>
+    <a:masterClrMapping/>
+  </p:clrMapOvr>
+</p:sld>
+</file>
+
 <file path=ppt/slides/slide37.xml><?xml version="1.0" encoding="utf-8"?>
 <p:sld xmlns:a="http://schemas.openxmlformats.org/drawingml/2006/main" xmlns:r="http://schemas.openxmlformats.org/officeDocument/2006/relationships" xmlns:p="http://schemas.openxmlformats.org/presentationml/2006/main">
   <p:cSld>
@@ -9299,13 +9729,7 @@
       </p:grpSpPr>
       <p:sp>
         <p:nvSpPr>
-          <p:cNvPr id="2" name="Title 1">
-            <a:extLst>
-              <a:ext uri="{FF2B5EF4-FFF2-40B4-BE49-F238E27FC236}">
-                <a16:creationId xmlns:a16="http://schemas.microsoft.com/office/drawing/2014/main" id="{D5EA04A4-E58D-4E49-AAD2-85AB6681EEA7}"/>
-              </a:ext>
-            </a:extLst>
-          </p:cNvPr>
+          <p:cNvPr id="2" name="Title 1"/>
           <p:cNvSpPr>
             <a:spLocks noGrp="1"/>
           </p:cNvSpPr>
@@ -9320,656 +9744,65 @@
           <a:p>
             <a:r>
               <a:rPr lang="en-US" dirty="0"/>
-              <a:t>Spaced Retrieval App</a:t>
-            </a:r>
-          </a:p>
-        </p:txBody>
-      </p:sp>
-      <p:pic>
-        <p:nvPicPr>
-          <p:cNvPr id="5" name="Content Placeholder 4">
-            <a:extLst>
-              <a:ext uri="{FF2B5EF4-FFF2-40B4-BE49-F238E27FC236}">
-                <a16:creationId xmlns:a16="http://schemas.microsoft.com/office/drawing/2014/main" id="{751AC832-985F-2A4A-925A-CA40CA8E59A4}"/>
-              </a:ext>
-            </a:extLst>
-          </p:cNvPr>
-          <p:cNvPicPr>
-            <a:picLocks noGrp="1" noChangeAspect="1"/>
-          </p:cNvPicPr>
+              <a:t>SR promotes rote learning</a:t>
+            </a:r>
+          </a:p>
+        </p:txBody>
+      </p:sp>
+      <p:sp>
+        <p:nvSpPr>
+          <p:cNvPr id="3" name="Content Placeholder 2"/>
+          <p:cNvSpPr>
+            <a:spLocks noGrp="1"/>
+          </p:cNvSpPr>
           <p:nvPr>
             <p:ph idx="1"/>
           </p:nvPr>
-        </p:nvPicPr>
-        <p:blipFill>
-          <a:blip r:embed="rId2"/>
-          <a:stretch>
-            <a:fillRect/>
-          </a:stretch>
-        </p:blipFill>
-        <p:spPr>
-          <a:xfrm>
-            <a:off x="-98749" y="1106661"/>
-            <a:ext cx="9330677" cy="4479751"/>
-          </a:xfrm>
-        </p:spPr>
-      </p:pic>
-      <p:sp>
-        <p:nvSpPr>
-          <p:cNvPr id="6" name="TextBox 5">
-            <a:extLst>
-              <a:ext uri="{FF2B5EF4-FFF2-40B4-BE49-F238E27FC236}">
-                <a16:creationId xmlns:a16="http://schemas.microsoft.com/office/drawing/2014/main" id="{69648083-36D6-1A42-BA5C-2F4016DA673C}"/>
-              </a:ext>
-            </a:extLst>
-          </p:cNvPr>
-          <p:cNvSpPr txBox="1"/>
-          <p:nvPr/>
-        </p:nvSpPr>
-        <p:spPr>
-          <a:xfrm>
-            <a:off x="1685924" y="5956770"/>
-            <a:ext cx="6729413" cy="923330"/>
-          </a:xfrm>
-          <a:prstGeom prst="rect">
-            <a:avLst/>
-          </a:prstGeom>
-          <a:noFill/>
-        </p:spPr>
-        <p:txBody>
-          <a:bodyPr wrap="square" rtlCol="0">
-            <a:spAutoFit/>
+        </p:nvSpPr>
+        <p:spPr/>
+        <p:txBody>
+          <a:bodyPr>
+            <a:normAutofit fontScale="92500" lnSpcReduction="10000"/>
           </a:bodyPr>
           <a:lstStyle/>
           <a:p>
             <a:r>
-              <a:rPr lang="en-US" b="1" dirty="0"/>
-              <a:t>Spaced Retrieval Therapy 4+  </a:t>
-            </a:r>
-            <a:r>
               <a:rPr lang="en-US" dirty="0"/>
-              <a:t>Memory Training for Dementia</a:t>
-            </a:r>
-          </a:p>
-          <a:p>
-            <a:r>
-              <a:rPr lang="en-US" dirty="0">
-                <a:hlinkClick r:id="rId3"/>
-              </a:rPr>
-              <a:t>Tactus Therapy Solutions Ltd.</a:t>
-            </a:r>
-            <a:endParaRPr lang="en-US" dirty="0"/>
-          </a:p>
-          <a:p>
-            <a:endParaRPr lang="en-US" dirty="0"/>
+              <a:t>Does not encourage self monitoring, reflection, or other metacognitive skills</a:t>
+            </a:r>
+          </a:p>
+          <a:p>
+            <a:r>
+              <a:rPr lang="en-US" dirty="0"/>
+              <a:t>Relies on establishing automaticity so generalization is limited</a:t>
+            </a:r>
+          </a:p>
+          <a:p>
+            <a:r>
+              <a:rPr lang="en-US" dirty="0"/>
+              <a:t>MOST of our instruction will encourage both implicit and explicit memory </a:t>
+            </a:r>
+          </a:p>
+          <a:p>
+            <a:pPr lvl="1"/>
+            <a:r>
+              <a:rPr lang="en-US" dirty="0"/>
+              <a:t>Metacognitive components that rely on declarative memory</a:t>
+            </a:r>
+          </a:p>
+          <a:p>
+            <a:pPr lvl="1"/>
+            <a:r>
+              <a:rPr lang="en-US" dirty="0"/>
+              <a:t>Error reduction, chaining, repetition that promote automaticity and rely primarily on implicit memory</a:t>
+            </a:r>
           </a:p>
         </p:txBody>
       </p:sp>
     </p:spTree>
     <p:extLst>
       <p:ext uri="{BB962C8B-B14F-4D97-AF65-F5344CB8AC3E}">
-        <p14:creationId xmlns:p14="http://schemas.microsoft.com/office/powerpoint/2010/main" val="2260187652"/>
-      </p:ext>
-    </p:extLst>
-  </p:cSld>
-  <p:clrMapOvr>
-    <a:masterClrMapping/>
-  </p:clrMapOvr>
-</p:sld>
-</file>
-
-<file path=ppt/slides/slide38.xml><?xml version="1.0" encoding="utf-8"?>
-<p:sld xmlns:a="http://schemas.openxmlformats.org/drawingml/2006/main" xmlns:r="http://schemas.openxmlformats.org/officeDocument/2006/relationships" xmlns:p="http://schemas.openxmlformats.org/presentationml/2006/main">
-  <p:cSld>
-    <p:spTree>
-      <p:nvGrpSpPr>
-        <p:cNvPr id="1" name=""/>
-        <p:cNvGrpSpPr/>
-        <p:nvPr/>
-      </p:nvGrpSpPr>
-      <p:grpSpPr>
-        <a:xfrm>
-          <a:off x="0" y="0"/>
-          <a:ext cx="0" cy="0"/>
-          <a:chOff x="0" y="0"/>
-          <a:chExt cx="0" cy="0"/>
-        </a:xfrm>
-      </p:grpSpPr>
-      <p:sp>
-        <p:nvSpPr>
-          <p:cNvPr id="5" name="Rectangle 4"/>
-          <p:cNvSpPr/>
-          <p:nvPr/>
-        </p:nvSpPr>
-        <p:spPr>
-          <a:xfrm>
-            <a:off x="0" y="533401"/>
-            <a:ext cx="8991600" cy="6740308"/>
-          </a:xfrm>
-          <a:prstGeom prst="rect">
-            <a:avLst/>
-          </a:prstGeom>
-        </p:spPr>
-        <p:txBody>
-          <a:bodyPr wrap="square">
-            <a:spAutoFit/>
-          </a:bodyPr>
-          <a:lstStyle/>
-          <a:p>
-            <a:pPr algn="ctr"/>
-            <a:r>
-              <a:rPr lang="en-US" b="1" dirty="0">
-                <a:latin typeface="Arial" charset="0"/>
-                <a:ea typeface="Arial" charset="0"/>
-                <a:cs typeface="Arial" charset="0"/>
-              </a:rPr>
-              <a:t>Examples of SR Goals</a:t>
-            </a:r>
-          </a:p>
-          <a:p>
-            <a:r>
-              <a:rPr lang="en-US" u="sng" dirty="0">
-                <a:latin typeface="Arial" charset="0"/>
-                <a:ea typeface="Arial" charset="0"/>
-                <a:cs typeface="Arial" charset="0"/>
-              </a:rPr>
-              <a:t>Type of Goal</a:t>
-            </a:r>
-            <a:r>
-              <a:rPr lang="en-US" dirty="0">
-                <a:latin typeface="Arial" charset="0"/>
-                <a:ea typeface="Arial" charset="0"/>
-                <a:cs typeface="Arial" charset="0"/>
-              </a:rPr>
-              <a:t>					</a:t>
-            </a:r>
-            <a:r>
-              <a:rPr lang="en-US" u="sng" dirty="0">
-                <a:latin typeface="Arial" charset="0"/>
-                <a:ea typeface="Arial" charset="0"/>
-                <a:cs typeface="Arial" charset="0"/>
-              </a:rPr>
-              <a:t>Diagnosis</a:t>
-            </a:r>
-            <a:r>
-              <a:rPr lang="en-US" dirty="0">
-                <a:latin typeface="Arial" charset="0"/>
-                <a:ea typeface="Arial" charset="0"/>
-                <a:cs typeface="Arial" charset="0"/>
-              </a:rPr>
-              <a:t>	 	</a:t>
-            </a:r>
-            <a:r>
-              <a:rPr lang="en-US" u="sng" dirty="0">
-                <a:latin typeface="Arial" charset="0"/>
-                <a:ea typeface="Arial" charset="0"/>
-                <a:cs typeface="Arial" charset="0"/>
-              </a:rPr>
-              <a:t>Source</a:t>
-            </a:r>
-            <a:endParaRPr lang="en-US" dirty="0">
-              <a:latin typeface="Arial" charset="0"/>
-              <a:ea typeface="Arial" charset="0"/>
-              <a:cs typeface="Arial" charset="0"/>
-            </a:endParaRPr>
-          </a:p>
-          <a:p>
-            <a:r>
-              <a:rPr lang="en-US" dirty="0">
-                <a:latin typeface="Arial" charset="0"/>
-                <a:ea typeface="Arial" charset="0"/>
-                <a:cs typeface="Arial" charset="0"/>
-              </a:rPr>
-              <a:t>*Using a calendar to remember	AD			Camp et al., 1996</a:t>
-            </a:r>
-          </a:p>
-          <a:p>
-            <a:r>
-              <a:rPr lang="en-US" dirty="0">
-                <a:latin typeface="Arial" charset="0"/>
-                <a:ea typeface="Arial" charset="0"/>
-                <a:cs typeface="Arial" charset="0"/>
-              </a:rPr>
-              <a:t>daily tasks</a:t>
-            </a:r>
-          </a:p>
-          <a:p>
-            <a:r>
-              <a:rPr lang="en-US" dirty="0">
-                <a:latin typeface="Arial" charset="0"/>
-                <a:ea typeface="Arial" charset="0"/>
-                <a:cs typeface="Arial" charset="0"/>
-              </a:rPr>
-              <a:t>*Remembering to redeem a 		AD			</a:t>
-            </a:r>
-            <a:r>
-              <a:rPr lang="en-US" dirty="0" err="1">
-                <a:latin typeface="Arial" charset="0"/>
-                <a:ea typeface="Arial" charset="0"/>
-                <a:cs typeface="Arial" charset="0"/>
-              </a:rPr>
-              <a:t>McKitrick</a:t>
-            </a:r>
-            <a:r>
-              <a:rPr lang="en-US" dirty="0">
-                <a:latin typeface="Arial" charset="0"/>
-                <a:ea typeface="Arial" charset="0"/>
-                <a:cs typeface="Arial" charset="0"/>
-              </a:rPr>
-              <a:t>, Camp, &amp; Black, 1992</a:t>
-            </a:r>
-          </a:p>
-          <a:p>
-            <a:r>
-              <a:rPr lang="en-US" dirty="0">
-                <a:latin typeface="Arial" charset="0"/>
-                <a:ea typeface="Arial" charset="0"/>
-                <a:cs typeface="Arial" charset="0"/>
-              </a:rPr>
-              <a:t>coupon 								</a:t>
-            </a:r>
-          </a:p>
-          <a:p>
-            <a:r>
-              <a:rPr lang="en-US" dirty="0">
-                <a:latin typeface="Arial" charset="0"/>
-                <a:ea typeface="Arial" charset="0"/>
-                <a:cs typeface="Arial" charset="0"/>
-              </a:rPr>
-              <a:t>*Object naming				AD (Vascular)	Abrahams &amp; Camp, 1993</a:t>
-            </a:r>
-          </a:p>
-          <a:p>
-            <a:r>
-              <a:rPr lang="en-US" dirty="0">
-                <a:latin typeface="Arial" charset="0"/>
-                <a:ea typeface="Arial" charset="0"/>
-                <a:cs typeface="Arial" charset="0"/>
-              </a:rPr>
-              <a:t>*Remember to eat			HAD			</a:t>
-            </a:r>
-            <a:r>
-              <a:rPr lang="en-US" dirty="0" err="1">
-                <a:latin typeface="Arial" charset="0"/>
-                <a:ea typeface="Arial" charset="0"/>
-                <a:cs typeface="Arial" charset="0"/>
-              </a:rPr>
-              <a:t>Neundorfer</a:t>
-            </a:r>
-            <a:r>
-              <a:rPr lang="en-US" dirty="0">
-                <a:latin typeface="Arial" charset="0"/>
-                <a:ea typeface="Arial" charset="0"/>
-                <a:cs typeface="Arial" charset="0"/>
-              </a:rPr>
-              <a:t> et al., 2004</a:t>
-            </a:r>
-          </a:p>
-          <a:p>
-            <a:r>
-              <a:rPr lang="en-US" dirty="0">
-                <a:latin typeface="Arial" charset="0"/>
-                <a:ea typeface="Arial" charset="0"/>
-                <a:cs typeface="Arial" charset="0"/>
-              </a:rPr>
-              <a:t>*Describe an item if you		CVA			Brush &amp; Camp, 1998b</a:t>
-            </a:r>
-          </a:p>
-          <a:p>
-            <a:r>
-              <a:rPr lang="en-US" dirty="0">
-                <a:latin typeface="Arial" charset="0"/>
-                <a:ea typeface="Arial" charset="0"/>
-                <a:cs typeface="Arial" charset="0"/>
-              </a:rPr>
-              <a:t>cannot name it</a:t>
-            </a:r>
-          </a:p>
-          <a:p>
-            <a:r>
-              <a:rPr lang="en-US" dirty="0">
-                <a:latin typeface="Arial" charset="0"/>
-                <a:ea typeface="Arial" charset="0"/>
-                <a:cs typeface="Arial" charset="0"/>
-              </a:rPr>
-              <a:t>*Room number				Dementia		Brush &amp; Camp, 1998b</a:t>
-            </a:r>
-          </a:p>
-          <a:p>
-            <a:r>
-              <a:rPr lang="en-US" dirty="0">
-                <a:latin typeface="Arial" charset="0"/>
-                <a:ea typeface="Arial" charset="0"/>
-                <a:cs typeface="Arial" charset="0"/>
-              </a:rPr>
-              <a:t>*Speak into a voice			CVA/</a:t>
-            </a:r>
-            <a:r>
-              <a:rPr lang="en-US" dirty="0" err="1">
-                <a:latin typeface="Arial" charset="0"/>
-                <a:ea typeface="Arial" charset="0"/>
-                <a:cs typeface="Arial" charset="0"/>
-              </a:rPr>
-              <a:t>Dysarthria</a:t>
-            </a:r>
-            <a:r>
-              <a:rPr lang="en-US" dirty="0">
-                <a:latin typeface="Arial" charset="0"/>
-                <a:ea typeface="Arial" charset="0"/>
-                <a:cs typeface="Arial" charset="0"/>
-              </a:rPr>
-              <a:t>	Brush &amp; Camp, 1998b</a:t>
-            </a:r>
-          </a:p>
-          <a:p>
-            <a:r>
-              <a:rPr lang="en-US" dirty="0">
-                <a:latin typeface="Arial" charset="0"/>
-                <a:ea typeface="Arial" charset="0"/>
-                <a:cs typeface="Arial" charset="0"/>
-              </a:rPr>
-              <a:t>amplifier when talking</a:t>
-            </a:r>
-          </a:p>
-          <a:p>
-            <a:r>
-              <a:rPr lang="en-US" dirty="0">
-                <a:latin typeface="Arial" charset="0"/>
-                <a:ea typeface="Arial" charset="0"/>
-                <a:cs typeface="Arial" charset="0"/>
-              </a:rPr>
-              <a:t>*Take a sip of liquid after		Dementia		Brush &amp; Camp, 1998c</a:t>
-            </a:r>
-          </a:p>
-          <a:p>
-            <a:r>
-              <a:rPr lang="en-US" dirty="0">
-                <a:latin typeface="Arial" charset="0"/>
-                <a:ea typeface="Arial" charset="0"/>
-                <a:cs typeface="Arial" charset="0"/>
-              </a:rPr>
-              <a:t>eating a bite of food</a:t>
-            </a:r>
-          </a:p>
-          <a:p>
-            <a:r>
-              <a:rPr lang="en-US" dirty="0">
-                <a:latin typeface="Arial" charset="0"/>
-                <a:ea typeface="Arial" charset="0"/>
-                <a:cs typeface="Arial" charset="0"/>
-              </a:rPr>
-              <a:t>*Face-name association		AD				Clare et al., 2002; </a:t>
-            </a:r>
-          </a:p>
-          <a:p>
-            <a:r>
-              <a:rPr lang="en-US" dirty="0">
-                <a:latin typeface="Arial" charset="0"/>
-                <a:ea typeface="Arial" charset="0"/>
-                <a:cs typeface="Arial" charset="0"/>
-              </a:rPr>
-              <a:t>											</a:t>
-            </a:r>
-            <a:r>
-              <a:rPr lang="en-US" dirty="0" err="1">
-                <a:latin typeface="Arial" charset="0"/>
-                <a:ea typeface="Arial" charset="0"/>
-                <a:cs typeface="Arial" charset="0"/>
-              </a:rPr>
-              <a:t>Loewenstein</a:t>
-            </a:r>
-            <a:r>
-              <a:rPr lang="en-US" dirty="0">
-                <a:latin typeface="Arial" charset="0"/>
-                <a:ea typeface="Arial" charset="0"/>
-                <a:cs typeface="Arial" charset="0"/>
-              </a:rPr>
-              <a:t> et al., 2004</a:t>
-            </a:r>
-          </a:p>
-          <a:p>
-            <a:r>
-              <a:rPr lang="en-US" dirty="0">
-                <a:latin typeface="Arial" charset="0"/>
-                <a:ea typeface="Arial" charset="0"/>
-                <a:cs typeface="Arial" charset="0"/>
-              </a:rPr>
-              <a:t>*Use a notebook to find	AD (Vascular) 		Bird &amp; </a:t>
-            </a:r>
-            <a:r>
-              <a:rPr lang="en-US" dirty="0" err="1">
-                <a:latin typeface="Arial" charset="0"/>
-                <a:ea typeface="Arial" charset="0"/>
-                <a:cs typeface="Arial" charset="0"/>
-              </a:rPr>
-              <a:t>Kinsella</a:t>
-            </a:r>
-            <a:r>
-              <a:rPr lang="en-US" dirty="0">
-                <a:latin typeface="Arial" charset="0"/>
-                <a:ea typeface="Arial" charset="0"/>
-                <a:cs typeface="Arial" charset="0"/>
-              </a:rPr>
-              <a:t>, 1996</a:t>
-            </a:r>
-          </a:p>
-          <a:p>
-            <a:r>
-              <a:rPr lang="en-US" dirty="0">
-                <a:latin typeface="Arial" charset="0"/>
-                <a:ea typeface="Arial" charset="0"/>
-                <a:cs typeface="Arial" charset="0"/>
-              </a:rPr>
-              <a:t>answers to questions		</a:t>
-            </a:r>
-          </a:p>
-          <a:p>
-            <a:r>
-              <a:rPr lang="en-US" dirty="0">
-                <a:latin typeface="Arial" charset="0"/>
-                <a:ea typeface="Arial" charset="0"/>
-                <a:cs typeface="Arial" charset="0"/>
-              </a:rPr>
-              <a:t>*Address “paranoid		AD					Bird, 2001</a:t>
-            </a:r>
-          </a:p>
-          <a:p>
-            <a:r>
-              <a:rPr lang="en-US" dirty="0">
-                <a:latin typeface="Arial" charset="0"/>
-                <a:ea typeface="Arial" charset="0"/>
-                <a:cs typeface="Arial" charset="0"/>
-              </a:rPr>
-              <a:t>delusions” &amp; violence	</a:t>
-            </a:r>
-          </a:p>
-          <a:p>
-            <a:r>
-              <a:rPr lang="en-US" dirty="0">
-                <a:latin typeface="Arial" charset="0"/>
-                <a:ea typeface="Arial" charset="0"/>
-                <a:cs typeface="Arial" charset="0"/>
-              </a:rPr>
-              <a:t>*Obsessive toileting		Hypoxia				Bird, 2001</a:t>
-            </a:r>
-          </a:p>
-          <a:p>
-            <a:r>
-              <a:rPr lang="en-US" dirty="0">
-                <a:latin typeface="Arial" charset="0"/>
-                <a:ea typeface="Arial" charset="0"/>
-                <a:cs typeface="Arial" charset="0"/>
-              </a:rPr>
-              <a:t>*Anger management		TBI					Melton &amp;  Bourgeois, 2005</a:t>
-            </a:r>
-          </a:p>
-          <a:p>
-            <a:endParaRPr lang="en-US" dirty="0">
-              <a:latin typeface="Times New Roman" charset="0"/>
-            </a:endParaRPr>
-          </a:p>
-        </p:txBody>
-      </p:sp>
-    </p:spTree>
-    <p:extLst>
-      <p:ext uri="{BB962C8B-B14F-4D97-AF65-F5344CB8AC3E}">
-        <p14:creationId xmlns:p14="http://schemas.microsoft.com/office/powerpoint/2010/main" val="293637213"/>
-      </p:ext>
-    </p:extLst>
-  </p:cSld>
-  <p:clrMapOvr>
-    <a:masterClrMapping/>
-  </p:clrMapOvr>
-</p:sld>
-</file>
-
-<file path=ppt/slides/slide39.xml><?xml version="1.0" encoding="utf-8"?>
-<p:sld xmlns:a="http://schemas.openxmlformats.org/drawingml/2006/main" xmlns:r="http://schemas.openxmlformats.org/officeDocument/2006/relationships" xmlns:p="http://schemas.openxmlformats.org/presentationml/2006/main">
-  <p:cSld>
-    <p:spTree>
-      <p:nvGrpSpPr>
-        <p:cNvPr id="1" name=""/>
-        <p:cNvGrpSpPr/>
-        <p:nvPr/>
-      </p:nvGrpSpPr>
-      <p:grpSpPr>
-        <a:xfrm>
-          <a:off x="0" y="0"/>
-          <a:ext cx="0" cy="0"/>
-          <a:chOff x="0" y="0"/>
-          <a:chExt cx="0" cy="0"/>
-        </a:xfrm>
-      </p:grpSpPr>
-      <p:sp>
-        <p:nvSpPr>
-          <p:cNvPr id="2" name="Title 1"/>
-          <p:cNvSpPr>
-            <a:spLocks noGrp="1"/>
-          </p:cNvSpPr>
-          <p:nvPr>
-            <p:ph type="title"/>
-          </p:nvPr>
-        </p:nvSpPr>
-        <p:spPr/>
-        <p:txBody>
-          <a:bodyPr/>
-          <a:lstStyle/>
-          <a:p>
-            <a:r>
-              <a:rPr lang="en-US" dirty="0"/>
-              <a:t>Types of Instructional Targets</a:t>
-            </a:r>
-          </a:p>
-        </p:txBody>
-      </p:sp>
-      <p:sp>
-        <p:nvSpPr>
-          <p:cNvPr id="3" name="Content Placeholder 2"/>
-          <p:cNvSpPr>
-            <a:spLocks noGrp="1"/>
-          </p:cNvSpPr>
-          <p:nvPr>
-            <p:ph idx="1"/>
-          </p:nvPr>
-        </p:nvSpPr>
-        <p:spPr>
-          <a:xfrm>
-            <a:off x="457200" y="1417638"/>
-            <a:ext cx="8229600" cy="5166042"/>
-          </a:xfrm>
-        </p:spPr>
-        <p:txBody>
-          <a:bodyPr>
-            <a:normAutofit lnSpcReduction="10000"/>
-          </a:bodyPr>
-          <a:lstStyle/>
-          <a:p>
-            <a:r>
-              <a:rPr lang="en-US" dirty="0"/>
-              <a:t>Metacognitive strategies</a:t>
-            </a:r>
-          </a:p>
-          <a:p>
-            <a:pPr lvl="1"/>
-            <a:r>
-              <a:rPr lang="en-US" dirty="0"/>
-              <a:t>Task specific strategies</a:t>
-            </a:r>
-          </a:p>
-          <a:p>
-            <a:pPr lvl="1"/>
-            <a:r>
-              <a:rPr lang="en-US" dirty="0"/>
-              <a:t>General strategies</a:t>
-            </a:r>
-          </a:p>
-          <a:p>
-            <a:r>
-              <a:rPr lang="en-US" dirty="0"/>
-              <a:t>External aids/Tools or Multistep Tasks</a:t>
-            </a:r>
-          </a:p>
-          <a:p>
-            <a:pPr lvl="1"/>
-            <a:r>
-              <a:rPr lang="en-US" dirty="0"/>
-              <a:t>Smartphone apps</a:t>
-            </a:r>
-          </a:p>
-          <a:p>
-            <a:r>
-              <a:rPr lang="en-US" dirty="0"/>
-              <a:t>Facts/Information; Simple routines*</a:t>
-            </a:r>
-          </a:p>
-          <a:p>
-            <a:pPr lvl="1"/>
-            <a:r>
-              <a:rPr lang="en-US" dirty="0"/>
-              <a:t>Names/</a:t>
-            </a:r>
-            <a:r>
-              <a:rPr lang="en-US" dirty="0" err="1"/>
-              <a:t>addressess</a:t>
-            </a:r>
-            <a:endParaRPr lang="en-US" dirty="0"/>
-          </a:p>
-          <a:p>
-            <a:pPr lvl="1"/>
-            <a:r>
-              <a:rPr lang="en-US" dirty="0"/>
-              <a:t>Vocabulary</a:t>
-            </a:r>
-          </a:p>
-          <a:p>
-            <a:pPr lvl="1"/>
-            <a:r>
-              <a:rPr lang="en-US" dirty="0"/>
-              <a:t>Dressing or swallowing routines</a:t>
-            </a:r>
-          </a:p>
-          <a:p>
-            <a:pPr marL="457200" lvl="1" indent="0">
-              <a:buNone/>
-            </a:pPr>
-            <a:r>
-              <a:rPr lang="en-US" dirty="0"/>
-              <a:t>*BEST FOR SPACED RETRIEVAL</a:t>
-            </a:r>
-          </a:p>
-          <a:p>
-            <a:pPr lvl="1"/>
-            <a:endParaRPr lang="en-US" dirty="0"/>
-          </a:p>
-          <a:p>
-            <a:endParaRPr lang="en-US" dirty="0"/>
-          </a:p>
-        </p:txBody>
-      </p:sp>
-    </p:spTree>
-    <p:extLst>
-      <p:ext uri="{BB962C8B-B14F-4D97-AF65-F5344CB8AC3E}">
-        <p14:creationId xmlns:p14="http://schemas.microsoft.com/office/powerpoint/2010/main" val="243218085"/>
+        <p14:creationId xmlns:p14="http://schemas.microsoft.com/office/powerpoint/2010/main" val="1679259939"/>
       </p:ext>
     </p:extLst>
   </p:cSld>
@@ -9998,7 +9831,7 @@
       </p:grpSpPr>
       <p:sp>
         <p:nvSpPr>
-          <p:cNvPr id="15362" name="Rectangle 2"/>
+          <p:cNvPr id="16386" name="Rectangle 2"/>
           <p:cNvSpPr>
             <a:spLocks noGrp="1" noChangeArrowheads="1"/>
           </p:cNvSpPr>
@@ -10025,14 +9858,35 @@
                 <a:ea typeface="ＭＳ Ｐゴシック" charset="0"/>
                 <a:cs typeface="ＭＳ Ｐゴシック" charset="0"/>
               </a:rPr>
-              <a:t>Stages for remembering &amp; neuroanatomical correlates</a:t>
-            </a:r>
-          </a:p>
-        </p:txBody>
-      </p:sp>
-      <p:sp>
-        <p:nvSpPr>
-          <p:cNvPr id="16386" name="Rectangle 3"/>
+              <a:t>Types of Memory</a:t>
+            </a:r>
+            <a:br>
+              <a:rPr lang="en-US" sz="3000">
+                <a:solidFill>
+                  <a:srgbClr val="7B9899"/>
+                </a:solidFill>
+                <a:latin typeface="Georgia" charset="0"/>
+                <a:ea typeface="ＭＳ Ｐゴシック" charset="0"/>
+                <a:cs typeface="ＭＳ Ｐゴシック" charset="0"/>
+              </a:rPr>
+            </a:br>
+            <a:r>
+              <a:rPr lang="en-US" sz="3000">
+                <a:solidFill>
+                  <a:srgbClr val="7B9899"/>
+                </a:solidFill>
+                <a:latin typeface="Georgia" charset="0"/>
+                <a:ea typeface="ＭＳ Ｐゴシック" charset="0"/>
+                <a:cs typeface="ＭＳ Ｐゴシック" charset="0"/>
+              </a:rPr>
+              <a:t>time-dependent forms</a:t>
+            </a:r>
+          </a:p>
+        </p:txBody>
+      </p:sp>
+      <p:sp>
+        <p:nvSpPr>
+          <p:cNvPr id="17410" name="Rectangle 3"/>
           <p:cNvSpPr>
             <a:spLocks noGrp="1" noChangeArrowheads="1"/>
           </p:cNvSpPr>
@@ -10047,601 +9901,44 @@
           </a:xfrm>
         </p:spPr>
         <p:txBody>
-          <a:bodyPr>
-            <a:normAutofit/>
-          </a:bodyPr>
-          <a:lstStyle/>
-          <a:p>
-            <a:pPr eaLnBrk="1" hangingPunct="1">
-              <a:lnSpc>
-                <a:spcPct val="80000"/>
-              </a:lnSpc>
-            </a:pPr>
-            <a:r>
-              <a:rPr lang="en-US" sz="2600" b="1" dirty="0">
-                <a:solidFill>
-                  <a:schemeClr val="accent2"/>
-                </a:solidFill>
+          <a:bodyPr/>
+          <a:lstStyle/>
+          <a:p>
+            <a:pPr eaLnBrk="1" hangingPunct="1"/>
+            <a:r>
+              <a:rPr lang="en-US" dirty="0">
                 <a:latin typeface="Georgia" charset="0"/>
                 <a:ea typeface="ＭＳ Ｐゴシック" charset="0"/>
                 <a:cs typeface="ＭＳ Ｐゴシック" charset="0"/>
               </a:rPr>
-              <a:t>Attention</a:t>
-            </a:r>
-            <a:r>
-              <a:rPr lang="en-US" sz="2600" dirty="0">
+              <a:t>Short term (includes working memory-an active construct)</a:t>
+            </a:r>
+          </a:p>
+          <a:p>
+            <a:pPr eaLnBrk="1" hangingPunct="1"/>
+            <a:r>
+              <a:rPr lang="en-US" dirty="0">
                 <a:latin typeface="Georgia" charset="0"/>
                 <a:ea typeface="ＭＳ Ｐゴシック" charset="0"/>
                 <a:cs typeface="ＭＳ Ｐゴシック" charset="0"/>
               </a:rPr>
-              <a:t>/Initial registration (reticular activating system/corresponding sensory cortex)</a:t>
-            </a:r>
-          </a:p>
-          <a:p>
-            <a:pPr eaLnBrk="1" hangingPunct="1">
-              <a:lnSpc>
-                <a:spcPct val="80000"/>
-              </a:lnSpc>
-            </a:pPr>
-            <a:r>
-              <a:rPr lang="en-US" sz="2600" b="1" dirty="0">
-                <a:solidFill>
-                  <a:schemeClr val="accent2"/>
-                </a:solidFill>
-                <a:latin typeface="Georgia" charset="0"/>
-                <a:ea typeface="ＭＳ Ｐゴシック" charset="0"/>
-                <a:cs typeface="ＭＳ Ｐゴシック" charset="0"/>
-              </a:rPr>
-              <a:t>Encoding</a:t>
-            </a:r>
-            <a:r>
-              <a:rPr lang="en-US" sz="2600" dirty="0">
-                <a:latin typeface="Georgia" charset="0"/>
-                <a:ea typeface="ＭＳ Ｐゴシック" charset="0"/>
-                <a:cs typeface="ＭＳ Ｐゴシック" charset="0"/>
-              </a:rPr>
-              <a:t> (corresponding sensory cortex/basal ganglia/diencephalon)</a:t>
-            </a:r>
-          </a:p>
-          <a:p>
-            <a:pPr lvl="1" eaLnBrk="1" hangingPunct="1">
-              <a:lnSpc>
-                <a:spcPct val="80000"/>
-              </a:lnSpc>
-            </a:pPr>
-            <a:r>
-              <a:rPr lang="en-US" dirty="0">
-                <a:latin typeface="Georgia" charset="0"/>
-                <a:ea typeface="ＭＳ Ｐゴシック" charset="0"/>
-              </a:rPr>
-              <a:t>Working Memory (prefrontal/parietal structures)</a:t>
-            </a:r>
-          </a:p>
-          <a:p>
-            <a:pPr>
-              <a:lnSpc>
-                <a:spcPct val="80000"/>
-              </a:lnSpc>
-            </a:pPr>
-            <a:r>
-              <a:rPr lang="en-US" sz="2600" b="1" dirty="0">
-                <a:solidFill>
-                  <a:schemeClr val="accent2"/>
-                </a:solidFill>
-                <a:latin typeface="Georgia" charset="0"/>
-                <a:ea typeface="ＭＳ Ｐゴシック" charset="0"/>
-                <a:cs typeface="ＭＳ Ｐゴシック" charset="0"/>
-              </a:rPr>
-              <a:t>Consolidation/Storage</a:t>
-            </a:r>
-            <a:r>
-              <a:rPr lang="en-US" sz="2600" dirty="0">
-                <a:latin typeface="Georgia" charset="0"/>
-                <a:ea typeface="ＭＳ Ｐゴシック" charset="0"/>
-                <a:cs typeface="ＭＳ Ｐゴシック" charset="0"/>
-              </a:rPr>
-              <a:t> (medial temporal lobes/limbic systems/hippocampi)</a:t>
-            </a:r>
-          </a:p>
-          <a:p>
-            <a:pPr eaLnBrk="1" hangingPunct="1">
-              <a:lnSpc>
-                <a:spcPct val="80000"/>
-              </a:lnSpc>
-            </a:pPr>
-            <a:r>
-              <a:rPr lang="en-US" sz="2600" b="1" dirty="0">
-                <a:solidFill>
-                  <a:schemeClr val="accent2"/>
-                </a:solidFill>
-                <a:latin typeface="Georgia" charset="0"/>
-                <a:ea typeface="ＭＳ Ｐゴシック" charset="0"/>
-                <a:cs typeface="ＭＳ Ｐゴシック" charset="0"/>
-              </a:rPr>
-              <a:t>Retrieval</a:t>
-            </a:r>
-            <a:r>
-              <a:rPr lang="en-US" sz="2600" dirty="0">
-                <a:latin typeface="Georgia" charset="0"/>
-                <a:ea typeface="ＭＳ Ｐゴシック" charset="0"/>
-                <a:cs typeface="ＭＳ Ｐゴシック" charset="0"/>
-              </a:rPr>
-              <a:t> (frontal structures)</a:t>
-            </a:r>
-          </a:p>
-          <a:p>
-            <a:pPr eaLnBrk="1" hangingPunct="1">
-              <a:lnSpc>
-                <a:spcPct val="80000"/>
-              </a:lnSpc>
-              <a:buFontTx/>
-              <a:buNone/>
-            </a:pPr>
-            <a:r>
-              <a:rPr lang="en-US" sz="2600" dirty="0">
-                <a:latin typeface="Georgia" charset="0"/>
-                <a:ea typeface="ＭＳ Ｐゴシック" charset="0"/>
-                <a:cs typeface="ＭＳ Ｐゴシック" charset="0"/>
-              </a:rPr>
-              <a:t>[medial temporal lobes, diencephalon (thalamus), basal forebrain (hippocampus), </a:t>
-            </a:r>
-            <a:r>
-              <a:rPr lang="en-US" sz="2600" dirty="0" err="1">
-                <a:latin typeface="Georgia" charset="0"/>
-                <a:ea typeface="ＭＳ Ｐゴシック" charset="0"/>
-                <a:cs typeface="ＭＳ Ｐゴシック" charset="0"/>
-              </a:rPr>
-              <a:t>neocortex</a:t>
-            </a:r>
-            <a:r>
-              <a:rPr lang="en-US" sz="2600" dirty="0">
-                <a:latin typeface="Georgia" charset="0"/>
-                <a:ea typeface="ＭＳ Ｐゴシック" charset="0"/>
-                <a:cs typeface="ＭＳ Ｐゴシック" charset="0"/>
-              </a:rPr>
-              <a:t> of frontal lobes and temporal lobes]</a:t>
-            </a:r>
-          </a:p>
-          <a:p>
-            <a:pPr eaLnBrk="1" hangingPunct="1">
-              <a:lnSpc>
-                <a:spcPct val="80000"/>
-              </a:lnSpc>
-              <a:buFontTx/>
-              <a:buNone/>
-            </a:pPr>
-            <a:endParaRPr lang="en-US" sz="2600" dirty="0">
+              <a:t>Long term</a:t>
+            </a:r>
+          </a:p>
+          <a:p>
+            <a:pPr eaLnBrk="1" hangingPunct="1"/>
+            <a:endParaRPr lang="en-US" dirty="0">
               <a:latin typeface="Georgia" charset="0"/>
               <a:ea typeface="ＭＳ Ｐゴシック" charset="0"/>
               <a:cs typeface="ＭＳ Ｐゴシック" charset="0"/>
             </a:endParaRPr>
           </a:p>
-          <a:p>
-            <a:pPr eaLnBrk="1" hangingPunct="1">
-              <a:lnSpc>
-                <a:spcPct val="80000"/>
-              </a:lnSpc>
-            </a:pPr>
-            <a:endParaRPr lang="en-US" sz="2600" dirty="0">
-              <a:latin typeface="Georgia" charset="0"/>
-              <a:ea typeface="ＭＳ Ｐゴシック" charset="0"/>
-              <a:cs typeface="ＭＳ Ｐゴシック" charset="0"/>
-            </a:endParaRPr>
-          </a:p>
         </p:txBody>
       </p:sp>
     </p:spTree>
     <p:extLst>
       <p:ext uri="{BB962C8B-B14F-4D97-AF65-F5344CB8AC3E}">
-        <p14:creationId xmlns:p14="http://schemas.microsoft.com/office/powerpoint/2010/main" val="3121178510"/>
-      </p:ext>
-    </p:extLst>
-  </p:cSld>
-  <p:clrMapOvr>
-    <a:masterClrMapping/>
-  </p:clrMapOvr>
-</p:sld>
-</file>
-
-<file path=ppt/slides/slide40.xml><?xml version="1.0" encoding="utf-8"?>
-<p:sld xmlns:a="http://schemas.openxmlformats.org/drawingml/2006/main" xmlns:r="http://schemas.openxmlformats.org/officeDocument/2006/relationships" xmlns:p="http://schemas.openxmlformats.org/presentationml/2006/main">
-  <p:cSld>
-    <p:spTree>
-      <p:nvGrpSpPr>
-        <p:cNvPr id="1" name=""/>
-        <p:cNvGrpSpPr/>
-        <p:nvPr/>
-      </p:nvGrpSpPr>
-      <p:grpSpPr>
-        <a:xfrm>
-          <a:off x="0" y="0"/>
-          <a:ext cx="0" cy="0"/>
-          <a:chOff x="0" y="0"/>
-          <a:chExt cx="0" cy="0"/>
-        </a:xfrm>
-      </p:grpSpPr>
-      <p:sp>
-        <p:nvSpPr>
-          <p:cNvPr id="2" name="Title 1"/>
-          <p:cNvSpPr>
-            <a:spLocks noGrp="1"/>
-          </p:cNvSpPr>
-          <p:nvPr>
-            <p:ph type="title"/>
-          </p:nvPr>
-        </p:nvSpPr>
-        <p:spPr/>
-        <p:txBody>
-          <a:bodyPr/>
-          <a:lstStyle/>
-          <a:p>
-            <a:r>
-              <a:rPr lang="en-US" dirty="0"/>
-              <a:t>SR promotes rote learning</a:t>
-            </a:r>
-          </a:p>
-        </p:txBody>
-      </p:sp>
-      <p:sp>
-        <p:nvSpPr>
-          <p:cNvPr id="3" name="Content Placeholder 2"/>
-          <p:cNvSpPr>
-            <a:spLocks noGrp="1"/>
-          </p:cNvSpPr>
-          <p:nvPr>
-            <p:ph idx="1"/>
-          </p:nvPr>
-        </p:nvSpPr>
-        <p:spPr/>
-        <p:txBody>
-          <a:bodyPr>
-            <a:normAutofit fontScale="92500" lnSpcReduction="10000"/>
-          </a:bodyPr>
-          <a:lstStyle/>
-          <a:p>
-            <a:r>
-              <a:rPr lang="en-US" dirty="0"/>
-              <a:t>Does not encourage self monitoring, reflection, or other metacognitive skills</a:t>
-            </a:r>
-          </a:p>
-          <a:p>
-            <a:r>
-              <a:rPr lang="en-US" dirty="0"/>
-              <a:t>Relies on establishing automaticity so generalization is limited</a:t>
-            </a:r>
-          </a:p>
-          <a:p>
-            <a:r>
-              <a:rPr lang="en-US" dirty="0"/>
-              <a:t>MOST of our instruction will encourage both implicit and explicit memory </a:t>
-            </a:r>
-          </a:p>
-          <a:p>
-            <a:pPr lvl="1"/>
-            <a:r>
-              <a:rPr lang="en-US" dirty="0"/>
-              <a:t>Metacognitive components that rely on declarative memory</a:t>
-            </a:r>
-          </a:p>
-          <a:p>
-            <a:pPr lvl="1"/>
-            <a:r>
-              <a:rPr lang="en-US" dirty="0"/>
-              <a:t>Error reduction, chaining, repetition that promote automaticity and rely primarily on implicit memory</a:t>
-            </a:r>
-          </a:p>
-        </p:txBody>
-      </p:sp>
-    </p:spTree>
-    <p:extLst>
-      <p:ext uri="{BB962C8B-B14F-4D97-AF65-F5344CB8AC3E}">
-        <p14:creationId xmlns:p14="http://schemas.microsoft.com/office/powerpoint/2010/main" val="1679259939"/>
-      </p:ext>
-    </p:extLst>
-  </p:cSld>
-  <p:clrMapOvr>
-    <a:masterClrMapping/>
-  </p:clrMapOvr>
-</p:sld>
-</file>
-
-<file path=ppt/slides/slide41.xml><?xml version="1.0" encoding="utf-8"?>
-<p:sld xmlns:a="http://schemas.openxmlformats.org/drawingml/2006/main" xmlns:r="http://schemas.openxmlformats.org/officeDocument/2006/relationships" xmlns:p="http://schemas.openxmlformats.org/presentationml/2006/main">
-  <p:cSld>
-    <p:spTree>
-      <p:nvGrpSpPr>
-        <p:cNvPr id="1" name=""/>
-        <p:cNvGrpSpPr/>
-        <p:nvPr/>
-      </p:nvGrpSpPr>
-      <p:grpSpPr>
-        <a:xfrm>
-          <a:off x="0" y="0"/>
-          <a:ext cx="0" cy="0"/>
-          <a:chOff x="0" y="0"/>
-          <a:chExt cx="0" cy="0"/>
-        </a:xfrm>
-      </p:grpSpPr>
-      <p:sp>
-        <p:nvSpPr>
-          <p:cNvPr id="2" name="Title 1">
-            <a:extLst>
-              <a:ext uri="{FF2B5EF4-FFF2-40B4-BE49-F238E27FC236}">
-                <a16:creationId xmlns:a16="http://schemas.microsoft.com/office/drawing/2014/main" id="{6524ADF6-2C76-5644-899E-2B9ACD92F9BB}"/>
-              </a:ext>
-            </a:extLst>
-          </p:cNvPr>
-          <p:cNvSpPr>
-            <a:spLocks noGrp="1"/>
-          </p:cNvSpPr>
-          <p:nvPr>
-            <p:ph type="title"/>
-          </p:nvPr>
-        </p:nvSpPr>
-        <p:spPr/>
-        <p:txBody>
-          <a:bodyPr/>
-          <a:lstStyle/>
-          <a:p>
-            <a:r>
-              <a:rPr lang="en-US" dirty="0"/>
-              <a:t>Sample Multiple Choice Question</a:t>
-            </a:r>
-          </a:p>
-        </p:txBody>
-      </p:sp>
-      <p:sp>
-        <p:nvSpPr>
-          <p:cNvPr id="3" name="Content Placeholder 2">
-            <a:extLst>
-              <a:ext uri="{FF2B5EF4-FFF2-40B4-BE49-F238E27FC236}">
-                <a16:creationId xmlns:a16="http://schemas.microsoft.com/office/drawing/2014/main" id="{1D159B2D-A389-3941-9AC8-32C1C07EAAC0}"/>
-              </a:ext>
-            </a:extLst>
-          </p:cNvPr>
-          <p:cNvSpPr>
-            <a:spLocks noGrp="1"/>
-          </p:cNvSpPr>
-          <p:nvPr>
-            <p:ph idx="1"/>
-          </p:nvPr>
-        </p:nvSpPr>
-        <p:spPr/>
-        <p:txBody>
-          <a:bodyPr>
-            <a:normAutofit fontScale="77500" lnSpcReduction="20000"/>
-          </a:bodyPr>
-          <a:lstStyle/>
-          <a:p>
-            <a:pPr marL="514350" indent="-514350">
-              <a:buAutoNum type="arabicPeriod"/>
-            </a:pPr>
-            <a:r>
-              <a:rPr lang="en-US" dirty="0"/>
-              <a:t>Think about the tripartite (3 pronged) RTSS model classifying treatment. Which of the following would be true if you applied it to Direct Attention Training as described in class?</a:t>
-            </a:r>
-          </a:p>
-          <a:p>
-            <a:pPr marL="914400" lvl="1" indent="-514350">
-              <a:buFont typeface="+mj-lt"/>
-              <a:buAutoNum type="alphaLcPeriod"/>
-            </a:pPr>
-            <a:r>
-              <a:rPr lang="en-US" dirty="0"/>
-              <a:t>Active ingredients would include drills targeting specific attention impairments, strategies to increase or compensate for attention deficits, and client engagement components like self monitoring.</a:t>
-            </a:r>
-          </a:p>
-          <a:p>
-            <a:pPr marL="914400" lvl="1" indent="-514350">
-              <a:buFont typeface="+mj-lt"/>
-              <a:buAutoNum type="alphaLcPeriod"/>
-            </a:pPr>
-            <a:r>
-              <a:rPr lang="en-US" dirty="0"/>
-              <a:t>Active ingredients would only include attention drills</a:t>
-            </a:r>
-          </a:p>
-          <a:p>
-            <a:pPr marL="914400" lvl="1" indent="-514350">
-              <a:buFont typeface="+mj-lt"/>
-              <a:buAutoNum type="alphaLcPeriod"/>
-            </a:pPr>
-            <a:r>
-              <a:rPr lang="en-US" dirty="0"/>
-              <a:t>Targets might include improved sustained attention</a:t>
-            </a:r>
-          </a:p>
-          <a:p>
-            <a:pPr marL="914400" lvl="1" indent="-514350">
-              <a:buFont typeface="+mj-lt"/>
-              <a:buAutoNum type="alphaLcPeriod"/>
-            </a:pPr>
-            <a:r>
-              <a:rPr lang="en-US" dirty="0"/>
-              <a:t>Mechanism of action might refer to sustained attention</a:t>
-            </a:r>
-          </a:p>
-          <a:p>
-            <a:pPr marL="914400" lvl="1" indent="-514350">
-              <a:buFont typeface="+mj-lt"/>
-              <a:buAutoNum type="alphaLcPeriod"/>
-            </a:pPr>
-            <a:r>
-              <a:rPr lang="en-US" dirty="0"/>
-              <a:t>Mechanism of action might refer to improved cognitive processing</a:t>
-            </a:r>
-          </a:p>
-          <a:p>
-            <a:pPr marL="914400" lvl="1" indent="-514350">
-              <a:buFont typeface="+mj-lt"/>
-              <a:buAutoNum type="alphaLcPeriod"/>
-            </a:pPr>
-            <a:r>
-              <a:rPr lang="en-US" dirty="0"/>
-              <a:t>A, C, &amp; E</a:t>
-            </a:r>
-          </a:p>
-          <a:p>
-            <a:pPr marL="400050" lvl="1" indent="0">
-              <a:buNone/>
-            </a:pPr>
-            <a:endParaRPr lang="en-US" dirty="0"/>
-          </a:p>
-          <a:p>
-            <a:pPr marL="914400" lvl="1" indent="-514350">
-              <a:buAutoNum type="alphaLcPeriod"/>
-            </a:pPr>
-            <a:endParaRPr lang="en-US" dirty="0"/>
-          </a:p>
-        </p:txBody>
-      </p:sp>
-    </p:spTree>
-    <p:extLst>
-      <p:ext uri="{BB962C8B-B14F-4D97-AF65-F5344CB8AC3E}">
-        <p14:creationId xmlns:p14="http://schemas.microsoft.com/office/powerpoint/2010/main" val="1844163272"/>
-      </p:ext>
-    </p:extLst>
-  </p:cSld>
-  <p:clrMapOvr>
-    <a:masterClrMapping/>
-  </p:clrMapOvr>
-</p:sld>
-</file>
-
-<file path=ppt/slides/slide42.xml><?xml version="1.0" encoding="utf-8"?>
-<p:sld xmlns:a="http://schemas.openxmlformats.org/drawingml/2006/main" xmlns:r="http://schemas.openxmlformats.org/officeDocument/2006/relationships" xmlns:p="http://schemas.openxmlformats.org/presentationml/2006/main">
-  <p:cSld>
-    <p:spTree>
-      <p:nvGrpSpPr>
-        <p:cNvPr id="1" name=""/>
-        <p:cNvGrpSpPr/>
-        <p:nvPr/>
-      </p:nvGrpSpPr>
-      <p:grpSpPr>
-        <a:xfrm>
-          <a:off x="0" y="0"/>
-          <a:ext cx="0" cy="0"/>
-          <a:chOff x="0" y="0"/>
-          <a:chExt cx="0" cy="0"/>
-        </a:xfrm>
-      </p:grpSpPr>
-      <p:sp>
-        <p:nvSpPr>
-          <p:cNvPr id="2" name="Title 1">
-            <a:extLst>
-              <a:ext uri="{FF2B5EF4-FFF2-40B4-BE49-F238E27FC236}">
-                <a16:creationId xmlns:a16="http://schemas.microsoft.com/office/drawing/2014/main" id="{103FC1B4-C448-6E41-B6F2-B9AD2220B9F4}"/>
-              </a:ext>
-            </a:extLst>
-          </p:cNvPr>
-          <p:cNvSpPr>
-            <a:spLocks noGrp="1"/>
-          </p:cNvSpPr>
-          <p:nvPr>
-            <p:ph type="title"/>
-          </p:nvPr>
-        </p:nvSpPr>
-        <p:spPr/>
-        <p:txBody>
-          <a:bodyPr>
-            <a:noAutofit/>
-          </a:bodyPr>
-          <a:lstStyle/>
-          <a:p>
-            <a:pPr algn="l"/>
-            <a:r>
-              <a:rPr lang="en-US" sz="2400" b="1" i="1" dirty="0"/>
-              <a:t>What would be important considerations during the “E” phase of the PIE model if a clinician were planning on using assistive technology for cognition as an therapy approach:</a:t>
-            </a:r>
-            <a:r>
-              <a:rPr lang="en-US" sz="2400" i="1" dirty="0"/>
-              <a:t> </a:t>
-            </a:r>
-            <a:br>
-              <a:rPr lang="en-US" sz="2000" dirty="0"/>
-            </a:br>
-            <a:endParaRPr lang="en-US" sz="2000" dirty="0"/>
-          </a:p>
-        </p:txBody>
-      </p:sp>
-      <p:sp>
-        <p:nvSpPr>
-          <p:cNvPr id="3" name="Content Placeholder 2">
-            <a:extLst>
-              <a:ext uri="{FF2B5EF4-FFF2-40B4-BE49-F238E27FC236}">
-                <a16:creationId xmlns:a16="http://schemas.microsoft.com/office/drawing/2014/main" id="{3134D41D-EC49-3D4C-9AA3-D0B3A9815B57}"/>
-              </a:ext>
-            </a:extLst>
-          </p:cNvPr>
-          <p:cNvSpPr>
-            <a:spLocks noGrp="1"/>
-          </p:cNvSpPr>
-          <p:nvPr>
-            <p:ph idx="1"/>
-          </p:nvPr>
-        </p:nvSpPr>
-        <p:spPr/>
-        <p:txBody>
-          <a:bodyPr>
-            <a:normAutofit fontScale="92500" lnSpcReduction="20000"/>
-          </a:bodyPr>
-          <a:lstStyle/>
-          <a:p>
-            <a:pPr marL="514350" indent="-514350">
-              <a:buFont typeface="+mj-lt"/>
-              <a:buAutoNum type="alphaLcPeriod"/>
-            </a:pPr>
-            <a:r>
-              <a:rPr lang="en-US" dirty="0"/>
-              <a:t>Identify a standardized test that meets the SMARTED criteria in order to assess impact of ATC.</a:t>
-            </a:r>
-          </a:p>
-          <a:p>
-            <a:pPr marL="514350" indent="-514350">
-              <a:buFont typeface="+mj-lt"/>
-              <a:buAutoNum type="alphaLcPeriod"/>
-            </a:pPr>
-            <a:r>
-              <a:rPr lang="en-US" dirty="0"/>
-              <a:t>Use multidimensional measures that assess ability to use the device or tool AND impact of tool usage on the corresponding functional goal</a:t>
-            </a:r>
-          </a:p>
-          <a:p>
-            <a:pPr marL="514350" indent="-514350">
-              <a:buFont typeface="+mj-lt"/>
-              <a:buAutoNum type="alphaLcPeriod"/>
-            </a:pPr>
-            <a:r>
-              <a:rPr lang="en-US" dirty="0"/>
-              <a:t> Develop session measures for evaluating learning of tool that probe steps recalled for using the tool</a:t>
-            </a:r>
-          </a:p>
-          <a:p>
-            <a:pPr marL="514350" indent="-514350">
-              <a:buFont typeface="+mj-lt"/>
-              <a:buAutoNum type="alphaLcPeriod"/>
-            </a:pPr>
-            <a:r>
-              <a:rPr lang="en-US" dirty="0"/>
-              <a:t>None of the above</a:t>
-            </a:r>
-          </a:p>
-          <a:p>
-            <a:pPr marL="514350" indent="-514350">
-              <a:buFont typeface="+mj-lt"/>
-              <a:buAutoNum type="alphaLcPeriod"/>
-            </a:pPr>
-            <a:r>
-              <a:rPr lang="en-US" dirty="0"/>
-              <a:t>B &amp; C </a:t>
-            </a:r>
-          </a:p>
-        </p:txBody>
-      </p:sp>
-    </p:spTree>
-    <p:extLst>
-      <p:ext uri="{BB962C8B-B14F-4D97-AF65-F5344CB8AC3E}">
-        <p14:creationId xmlns:p14="http://schemas.microsoft.com/office/powerpoint/2010/main" val="3477975093"/>
+        <p14:creationId xmlns:p14="http://schemas.microsoft.com/office/powerpoint/2010/main" val="2129675504"/>
       </p:ext>
     </p:extLst>
   </p:cSld>
@@ -10670,142 +9967,6 @@
       </p:grpSpPr>
       <p:sp>
         <p:nvSpPr>
-          <p:cNvPr id="16386" name="Rectangle 2"/>
-          <p:cNvSpPr>
-            <a:spLocks noGrp="1" noChangeArrowheads="1"/>
-          </p:cNvSpPr>
-          <p:nvPr>
-            <p:ph type="title"/>
-          </p:nvPr>
-        </p:nvSpPr>
-        <p:spPr/>
-        <p:txBody>
-          <a:bodyPr>
-            <a:normAutofit/>
-          </a:bodyPr>
-          <a:lstStyle/>
-          <a:p>
-            <a:pPr eaLnBrk="1" hangingPunct="1">
-              <a:defRPr/>
-            </a:pPr>
-            <a:r>
-              <a:rPr lang="en-US" sz="3000">
-                <a:solidFill>
-                  <a:srgbClr val="7B9899"/>
-                </a:solidFill>
-                <a:latin typeface="Georgia" charset="0"/>
-                <a:ea typeface="ＭＳ Ｐゴシック" charset="0"/>
-                <a:cs typeface="ＭＳ Ｐゴシック" charset="0"/>
-              </a:rPr>
-              <a:t>Types of Memory</a:t>
-            </a:r>
-            <a:br>
-              <a:rPr lang="en-US" sz="3000">
-                <a:solidFill>
-                  <a:srgbClr val="7B9899"/>
-                </a:solidFill>
-                <a:latin typeface="Georgia" charset="0"/>
-                <a:ea typeface="ＭＳ Ｐゴシック" charset="0"/>
-                <a:cs typeface="ＭＳ Ｐゴシック" charset="0"/>
-              </a:rPr>
-            </a:br>
-            <a:r>
-              <a:rPr lang="en-US" sz="3000">
-                <a:solidFill>
-                  <a:srgbClr val="7B9899"/>
-                </a:solidFill>
-                <a:latin typeface="Georgia" charset="0"/>
-                <a:ea typeface="ＭＳ Ｐゴシック" charset="0"/>
-                <a:cs typeface="ＭＳ Ｐゴシック" charset="0"/>
-              </a:rPr>
-              <a:t>time-dependent forms</a:t>
-            </a:r>
-          </a:p>
-        </p:txBody>
-      </p:sp>
-      <p:sp>
-        <p:nvSpPr>
-          <p:cNvPr id="17410" name="Rectangle 3"/>
-          <p:cNvSpPr>
-            <a:spLocks noGrp="1" noChangeArrowheads="1"/>
-          </p:cNvSpPr>
-          <p:nvPr>
-            <p:ph sz="quarter" idx="1"/>
-          </p:nvPr>
-        </p:nvSpPr>
-        <p:spPr>
-          <a:xfrm>
-            <a:off x="301625" y="1527175"/>
-            <a:ext cx="8504238" cy="4572000"/>
-          </a:xfrm>
-        </p:spPr>
-        <p:txBody>
-          <a:bodyPr/>
-          <a:lstStyle/>
-          <a:p>
-            <a:pPr eaLnBrk="1" hangingPunct="1"/>
-            <a:r>
-              <a:rPr lang="en-US" dirty="0">
-                <a:latin typeface="Georgia" charset="0"/>
-                <a:ea typeface="ＭＳ Ｐゴシック" charset="0"/>
-                <a:cs typeface="ＭＳ Ｐゴシック" charset="0"/>
-              </a:rPr>
-              <a:t>Short term (includes working memory-an active construct)</a:t>
-            </a:r>
-          </a:p>
-          <a:p>
-            <a:pPr eaLnBrk="1" hangingPunct="1"/>
-            <a:r>
-              <a:rPr lang="en-US" dirty="0">
-                <a:latin typeface="Georgia" charset="0"/>
-                <a:ea typeface="ＭＳ Ｐゴシック" charset="0"/>
-                <a:cs typeface="ＭＳ Ｐゴシック" charset="0"/>
-              </a:rPr>
-              <a:t>Long term</a:t>
-            </a:r>
-          </a:p>
-          <a:p>
-            <a:pPr eaLnBrk="1" hangingPunct="1"/>
-            <a:endParaRPr lang="en-US" dirty="0">
-              <a:latin typeface="Georgia" charset="0"/>
-              <a:ea typeface="ＭＳ Ｐゴシック" charset="0"/>
-              <a:cs typeface="ＭＳ Ｐゴシック" charset="0"/>
-            </a:endParaRPr>
-          </a:p>
-        </p:txBody>
-      </p:sp>
-    </p:spTree>
-    <p:extLst>
-      <p:ext uri="{BB962C8B-B14F-4D97-AF65-F5344CB8AC3E}">
-        <p14:creationId xmlns:p14="http://schemas.microsoft.com/office/powerpoint/2010/main" val="2129675504"/>
-      </p:ext>
-    </p:extLst>
-  </p:cSld>
-  <p:clrMapOvr>
-    <a:masterClrMapping/>
-  </p:clrMapOvr>
-</p:sld>
-</file>
-
-<file path=ppt/slides/slide6.xml><?xml version="1.0" encoding="utf-8"?>
-<p:sld xmlns:a="http://schemas.openxmlformats.org/drawingml/2006/main" xmlns:r="http://schemas.openxmlformats.org/officeDocument/2006/relationships" xmlns:p="http://schemas.openxmlformats.org/presentationml/2006/main">
-  <p:cSld>
-    <p:spTree>
-      <p:nvGrpSpPr>
-        <p:cNvPr id="1" name=""/>
-        <p:cNvGrpSpPr/>
-        <p:nvPr/>
-      </p:nvGrpSpPr>
-      <p:grpSpPr>
-        <a:xfrm>
-          <a:off x="0" y="0"/>
-          <a:ext cx="0" cy="0"/>
-          <a:chOff x="0" y="0"/>
-          <a:chExt cx="0" cy="0"/>
-        </a:xfrm>
-      </p:grpSpPr>
-      <p:sp>
-        <p:nvSpPr>
           <p:cNvPr id="17410" name="Rectangle 2"/>
           <p:cNvSpPr>
             <a:spLocks noGrp="1" noChangeArrowheads="1"/>
@@ -11013,7 +10174,7 @@
 </p:sld>
 </file>
 
-<file path=ppt/slides/slide7.xml><?xml version="1.0" encoding="utf-8"?>
+<file path=ppt/slides/slide6.xml><?xml version="1.0" encoding="utf-8"?>
 <p:sld xmlns:a="http://schemas.openxmlformats.org/drawingml/2006/main" xmlns:r="http://schemas.openxmlformats.org/officeDocument/2006/relationships" xmlns:p="http://schemas.openxmlformats.org/presentationml/2006/main">
   <p:cSld>
     <p:spTree>
@@ -11698,14 +10859,14 @@
           </a:ln>
           <a:extLst>
             <a:ext uri="{909E8E84-426E-40dd-AFC4-6F175D3DCCD1}">
-              <a14:hiddenFill xmlns:a14="http://schemas.microsoft.com/office/drawing/2010/main" xmlns="">
+              <a14:hiddenFill xmlns="" xmlns:a14="http://schemas.microsoft.com/office/drawing/2010/main">
                 <a:solidFill>
                   <a:srgbClr val="FFFFFF"/>
                 </a:solidFill>
               </a14:hiddenFill>
             </a:ext>
             <a:ext uri="{91240B29-F687-4f45-9708-019B960494DF}">
-              <a14:hiddenLine xmlns:a14="http://schemas.microsoft.com/office/drawing/2010/main" xmlns="" w="9525">
+              <a14:hiddenLine xmlns="" xmlns:a14="http://schemas.microsoft.com/office/drawing/2010/main" w="9525">
                 <a:solidFill>
                   <a:srgbClr val="000000"/>
                 </a:solidFill>
@@ -11737,6 +10898,499 @@
     <p:extLst>
       <p:ext uri="{BB962C8B-B14F-4D97-AF65-F5344CB8AC3E}">
         <p14:creationId xmlns:p14="http://schemas.microsoft.com/office/powerpoint/2010/main" val="1809800726"/>
+      </p:ext>
+    </p:extLst>
+  </p:cSld>
+  <p:clrMapOvr>
+    <a:masterClrMapping/>
+  </p:clrMapOvr>
+</p:sld>
+</file>
+
+<file path=ppt/slides/slide7.xml><?xml version="1.0" encoding="utf-8"?>
+<p:sld xmlns:a="http://schemas.openxmlformats.org/drawingml/2006/main" xmlns:r="http://schemas.openxmlformats.org/officeDocument/2006/relationships" xmlns:p="http://schemas.openxmlformats.org/presentationml/2006/main">
+  <p:cSld>
+    <p:spTree>
+      <p:nvGrpSpPr>
+        <p:cNvPr id="1" name=""/>
+        <p:cNvGrpSpPr/>
+        <p:nvPr/>
+      </p:nvGrpSpPr>
+      <p:grpSpPr>
+        <a:xfrm>
+          <a:off x="0" y="0"/>
+          <a:ext cx="0" cy="0"/>
+          <a:chOff x="0" y="0"/>
+          <a:chExt cx="0" cy="0"/>
+        </a:xfrm>
+      </p:grpSpPr>
+      <p:sp>
+        <p:nvSpPr>
+          <p:cNvPr id="19459" name="Text Placeholder 2"/>
+          <p:cNvSpPr>
+            <a:spLocks noGrp="1"/>
+          </p:cNvSpPr>
+          <p:nvPr>
+            <p:ph type="body" idx="1"/>
+          </p:nvPr>
+        </p:nvSpPr>
+        <p:spPr>
+          <a:xfrm>
+            <a:off x="301625" y="1524000"/>
+            <a:ext cx="4040188" cy="733425"/>
+          </a:xfrm>
+        </p:spPr>
+        <p:txBody>
+          <a:bodyPr/>
+          <a:lstStyle/>
+          <a:p>
+            <a:pPr eaLnBrk="1" hangingPunct="1">
+              <a:defRPr/>
+            </a:pPr>
+            <a:r>
+              <a:rPr lang="en-US" dirty="0">
+                <a:latin typeface="Georgia" charset="0"/>
+                <a:ea typeface="ＭＳ Ｐゴシック" charset="0"/>
+                <a:cs typeface="ＭＳ Ｐゴシック" charset="0"/>
+              </a:rPr>
+              <a:t>Semantic Memory</a:t>
+            </a:r>
+            <a:endParaRPr dirty="0">
+              <a:latin typeface="Georgia" charset="0"/>
+              <a:ea typeface="ＭＳ Ｐゴシック" charset="0"/>
+              <a:cs typeface="ＭＳ Ｐゴシック" charset="0"/>
+            </a:endParaRPr>
+          </a:p>
+        </p:txBody>
+      </p:sp>
+      <p:sp>
+        <p:nvSpPr>
+          <p:cNvPr id="20483" name="Content Placeholder 3"/>
+          <p:cNvSpPr>
+            <a:spLocks noGrp="1"/>
+          </p:cNvSpPr>
+          <p:nvPr>
+            <p:ph sz="quarter" idx="2"/>
+          </p:nvPr>
+        </p:nvSpPr>
+        <p:spPr>
+          <a:xfrm>
+            <a:off x="301625" y="2471738"/>
+            <a:ext cx="4041775" cy="3817937"/>
+          </a:xfrm>
+        </p:spPr>
+        <p:txBody>
+          <a:bodyPr/>
+          <a:lstStyle/>
+          <a:p>
+            <a:pPr eaLnBrk="1" hangingPunct="1">
+              <a:lnSpc>
+                <a:spcPct val="80000"/>
+              </a:lnSpc>
+            </a:pPr>
+            <a:r>
+              <a:rPr lang="en-US" sz="2500" dirty="0">
+                <a:latin typeface="Georgia" charset="0"/>
+                <a:ea typeface="ＭＳ Ｐゴシック" charset="0"/>
+                <a:cs typeface="ＭＳ Ｐゴシック" charset="0"/>
+              </a:rPr>
+              <a:t>General knowledge about the world</a:t>
+            </a:r>
+          </a:p>
+          <a:p>
+            <a:pPr eaLnBrk="1" hangingPunct="1">
+              <a:lnSpc>
+                <a:spcPct val="80000"/>
+              </a:lnSpc>
+            </a:pPr>
+            <a:r>
+              <a:rPr lang="en-US" sz="2500" dirty="0">
+                <a:latin typeface="Georgia" charset="0"/>
+                <a:ea typeface="ＭＳ Ｐゴシック" charset="0"/>
+                <a:cs typeface="ＭＳ Ｐゴシック" charset="0"/>
+              </a:rPr>
+              <a:t>Mental thesaurus</a:t>
+            </a:r>
+          </a:p>
+          <a:p>
+            <a:pPr eaLnBrk="1" hangingPunct="1">
+              <a:lnSpc>
+                <a:spcPct val="80000"/>
+              </a:lnSpc>
+            </a:pPr>
+            <a:r>
+              <a:rPr lang="en-US" sz="2500" dirty="0">
+                <a:latin typeface="Georgia" charset="0"/>
+                <a:ea typeface="ＭＳ Ｐゴシック" charset="0"/>
+                <a:cs typeface="ＭＳ Ｐゴシック" charset="0"/>
+              </a:rPr>
+              <a:t>The residue of many episodes</a:t>
+            </a:r>
+          </a:p>
+          <a:p>
+            <a:pPr eaLnBrk="1" hangingPunct="1">
+              <a:lnSpc>
+                <a:spcPct val="80000"/>
+              </a:lnSpc>
+            </a:pPr>
+            <a:r>
+              <a:rPr lang="en-US" sz="2500" dirty="0">
+                <a:latin typeface="Georgia" charset="0"/>
+                <a:ea typeface="ＭＳ Ｐゴシック" charset="0"/>
+                <a:cs typeface="ＭＳ Ｐゴシック" charset="0"/>
+              </a:rPr>
+              <a:t>People with amnesia usually have trouble building up new semantic knowledge and they don</a:t>
+            </a:r>
+            <a:r>
+              <a:rPr lang="ja-JP" altLang="en-US" sz="2500" dirty="0">
+                <a:latin typeface="Georgia" charset="0"/>
+                <a:ea typeface="ＭＳ Ｐゴシック" charset="0"/>
+                <a:cs typeface="ＭＳ Ｐゴシック" charset="0"/>
+              </a:rPr>
+              <a:t>’</a:t>
+            </a:r>
+            <a:r>
+              <a:rPr lang="en-US" altLang="ja-JP" sz="2500" dirty="0">
+                <a:latin typeface="Georgia" charset="0"/>
+                <a:ea typeface="ＭＳ Ｐゴシック" charset="0"/>
+                <a:cs typeface="ＭＳ Ｐゴシック" charset="0"/>
+              </a:rPr>
+              <a:t>t have access to episodic memories</a:t>
+            </a:r>
+          </a:p>
+          <a:p>
+            <a:pPr eaLnBrk="1" hangingPunct="1">
+              <a:lnSpc>
+                <a:spcPct val="80000"/>
+              </a:lnSpc>
+            </a:pPr>
+            <a:endParaRPr lang="en-US" sz="2500" dirty="0">
+              <a:latin typeface="Georgia" charset="0"/>
+              <a:ea typeface="ＭＳ Ｐゴシック" charset="0"/>
+              <a:cs typeface="ＭＳ Ｐゴシック" charset="0"/>
+            </a:endParaRPr>
+          </a:p>
+          <a:p>
+            <a:pPr eaLnBrk="1" hangingPunct="1">
+              <a:lnSpc>
+                <a:spcPct val="80000"/>
+              </a:lnSpc>
+            </a:pPr>
+            <a:endParaRPr lang="en-US" sz="2500" dirty="0">
+              <a:latin typeface="Georgia" charset="0"/>
+              <a:ea typeface="ＭＳ Ｐゴシック" charset="0"/>
+              <a:cs typeface="ＭＳ Ｐゴシック" charset="0"/>
+            </a:endParaRPr>
+          </a:p>
+        </p:txBody>
+      </p:sp>
+      <p:sp>
+        <p:nvSpPr>
+          <p:cNvPr id="20484" name="Content Placeholder 5"/>
+          <p:cNvSpPr>
+            <a:spLocks noGrp="1"/>
+          </p:cNvSpPr>
+          <p:nvPr>
+            <p:ph sz="quarter" idx="4"/>
+          </p:nvPr>
+        </p:nvSpPr>
+        <p:spPr>
+          <a:xfrm>
+            <a:off x="4800600" y="2471738"/>
+            <a:ext cx="4038600" cy="3821112"/>
+          </a:xfrm>
+        </p:spPr>
+        <p:txBody>
+          <a:bodyPr/>
+          <a:lstStyle/>
+          <a:p>
+            <a:pPr eaLnBrk="1" hangingPunct="1"/>
+            <a:r>
+              <a:rPr lang="en-US" dirty="0">
+                <a:latin typeface="Georgia" charset="0"/>
+                <a:ea typeface="ＭＳ Ｐゴシック" charset="0"/>
+                <a:cs typeface="ＭＳ Ｐゴシック" charset="0"/>
+              </a:rPr>
+              <a:t>It is the </a:t>
+            </a:r>
+            <a:r>
+              <a:rPr lang="en-US" i="1" dirty="0">
+                <a:latin typeface="Georgia" charset="0"/>
+                <a:ea typeface="ＭＳ Ｐゴシック" charset="0"/>
+                <a:cs typeface="ＭＳ Ｐゴシック" charset="0"/>
+              </a:rPr>
+              <a:t>what when where</a:t>
+            </a:r>
+            <a:r>
+              <a:rPr lang="en-US" dirty="0">
+                <a:latin typeface="Georgia" charset="0"/>
+                <a:ea typeface="ＭＳ Ｐゴシック" charset="0"/>
+                <a:cs typeface="ＭＳ Ｐゴシック" charset="0"/>
+              </a:rPr>
+              <a:t> part of memory</a:t>
+            </a:r>
+            <a:endParaRPr lang="en-US" i="1" dirty="0">
+              <a:latin typeface="Georgia" charset="0"/>
+              <a:ea typeface="ＭＳ Ｐゴシック" charset="0"/>
+              <a:cs typeface="ＭＳ Ｐゴシック" charset="0"/>
+            </a:endParaRPr>
+          </a:p>
+          <a:p>
+            <a:pPr eaLnBrk="1" hangingPunct="1"/>
+            <a:r>
+              <a:rPr lang="en-US" dirty="0">
+                <a:latin typeface="Georgia" charset="0"/>
+                <a:ea typeface="ＭＳ Ｐゴシック" charset="0"/>
+                <a:cs typeface="ＭＳ Ｐゴシック" charset="0"/>
+              </a:rPr>
+              <a:t>Relies on links between the hippocampus, thalamus and cortex—patients with damage to this system are often amnestic</a:t>
+            </a:r>
+          </a:p>
+          <a:p>
+            <a:pPr eaLnBrk="1" hangingPunct="1"/>
+            <a:endParaRPr lang="en-US" dirty="0">
+              <a:latin typeface="Georgia" charset="0"/>
+              <a:ea typeface="ＭＳ Ｐゴシック" charset="0"/>
+              <a:cs typeface="ＭＳ Ｐゴシック" charset="0"/>
+            </a:endParaRPr>
+          </a:p>
+          <a:p>
+            <a:pPr eaLnBrk="1" hangingPunct="1"/>
+            <a:endParaRPr lang="en-US" dirty="0">
+              <a:latin typeface="Georgia" charset="0"/>
+              <a:ea typeface="ＭＳ Ｐゴシック" charset="0"/>
+              <a:cs typeface="ＭＳ Ｐゴシック" charset="0"/>
+            </a:endParaRPr>
+          </a:p>
+        </p:txBody>
+      </p:sp>
+      <p:sp>
+        <p:nvSpPr>
+          <p:cNvPr id="20485" name="Title 1"/>
+          <p:cNvSpPr>
+            <a:spLocks noGrp="1"/>
+          </p:cNvSpPr>
+          <p:nvPr>
+            <p:ph type="title"/>
+          </p:nvPr>
+        </p:nvSpPr>
+        <p:spPr/>
+        <p:txBody>
+          <a:bodyPr>
+            <a:normAutofit fontScale="90000"/>
+          </a:bodyPr>
+          <a:lstStyle/>
+          <a:p>
+            <a:pPr eaLnBrk="1" hangingPunct="1"/>
+            <a:r>
+              <a:rPr lang="en-US" dirty="0">
+                <a:latin typeface="Georgia" charset="0"/>
+                <a:ea typeface="ＭＳ Ｐゴシック" charset="0"/>
+                <a:cs typeface="ＭＳ Ｐゴシック" charset="0"/>
+              </a:rPr>
+              <a:t>Declarative Memory</a:t>
+            </a:r>
+            <a:br>
+              <a:rPr lang="en-US" dirty="0">
+                <a:latin typeface="Georgia" charset="0"/>
+                <a:ea typeface="ＭＳ Ｐゴシック" charset="0"/>
+                <a:cs typeface="ＭＳ Ｐゴシック" charset="0"/>
+              </a:rPr>
+            </a:br>
+            <a:r>
+              <a:rPr lang="en-US" dirty="0">
+                <a:latin typeface="Georgia" charset="0"/>
+                <a:ea typeface="ＭＳ Ｐゴシック" charset="0"/>
+                <a:cs typeface="ＭＳ Ｐゴシック" charset="0"/>
+              </a:rPr>
+              <a:t>Semantic vs. Episodic</a:t>
+            </a:r>
+          </a:p>
+        </p:txBody>
+      </p:sp>
+      <p:sp>
+        <p:nvSpPr>
+          <p:cNvPr id="9" name="Text Placeholder 2">
+            <a:extLst>
+              <a:ext uri="{FF2B5EF4-FFF2-40B4-BE49-F238E27FC236}">
+                <a16:creationId xmlns:a16="http://schemas.microsoft.com/office/drawing/2014/main" id="{8F47B3D8-AFB9-9A4B-9302-4ADF98FB510A}"/>
+              </a:ext>
+            </a:extLst>
+          </p:cNvPr>
+          <p:cNvSpPr txBox="1">
+            <a:spLocks/>
+          </p:cNvSpPr>
+          <p:nvPr/>
+        </p:nvSpPr>
+        <p:spPr>
+          <a:xfrm>
+            <a:off x="4572000" y="1523999"/>
+            <a:ext cx="4040188" cy="733425"/>
+          </a:xfrm>
+          <a:prstGeom prst="rect">
+            <a:avLst/>
+          </a:prstGeom>
+        </p:spPr>
+        <p:txBody>
+          <a:bodyPr vert="horz" lIns="91440" tIns="45720" rIns="91440" bIns="45720" rtlCol="0" anchor="b">
+            <a:normAutofit/>
+          </a:bodyPr>
+          <a:lstStyle>
+            <a:lvl1pPr marL="0" indent="0" algn="l" defTabSz="457200" rtl="0" eaLnBrk="1" latinLnBrk="0" hangingPunct="1">
+              <a:spcBef>
+                <a:spcPct val="20000"/>
+              </a:spcBef>
+              <a:buFont typeface="Arial"/>
+              <a:buNone/>
+              <a:defRPr sz="2400" b="1" kern="1200">
+                <a:solidFill>
+                  <a:schemeClr val="tx1"/>
+                </a:solidFill>
+                <a:latin typeface="+mn-lt"/>
+                <a:ea typeface="+mn-ea"/>
+                <a:cs typeface="+mn-cs"/>
+              </a:defRPr>
+            </a:lvl1pPr>
+            <a:lvl2pPr marL="457200" indent="0" algn="l" defTabSz="457200" rtl="0" eaLnBrk="1" latinLnBrk="0" hangingPunct="1">
+              <a:spcBef>
+                <a:spcPct val="20000"/>
+              </a:spcBef>
+              <a:buFont typeface="Arial"/>
+              <a:buNone/>
+              <a:defRPr sz="2000" b="1" kern="1200">
+                <a:solidFill>
+                  <a:schemeClr val="tx1"/>
+                </a:solidFill>
+                <a:latin typeface="+mn-lt"/>
+                <a:ea typeface="+mn-ea"/>
+                <a:cs typeface="+mn-cs"/>
+              </a:defRPr>
+            </a:lvl2pPr>
+            <a:lvl3pPr marL="914400" indent="0" algn="l" defTabSz="457200" rtl="0" eaLnBrk="1" latinLnBrk="0" hangingPunct="1">
+              <a:spcBef>
+                <a:spcPct val="20000"/>
+              </a:spcBef>
+              <a:buFont typeface="Arial"/>
+              <a:buNone/>
+              <a:defRPr sz="1800" b="1" kern="1200">
+                <a:solidFill>
+                  <a:schemeClr val="tx1"/>
+                </a:solidFill>
+                <a:latin typeface="+mn-lt"/>
+                <a:ea typeface="+mn-ea"/>
+                <a:cs typeface="+mn-cs"/>
+              </a:defRPr>
+            </a:lvl3pPr>
+            <a:lvl4pPr marL="1371600" indent="0" algn="l" defTabSz="457200" rtl="0" eaLnBrk="1" latinLnBrk="0" hangingPunct="1">
+              <a:spcBef>
+                <a:spcPct val="20000"/>
+              </a:spcBef>
+              <a:buFont typeface="Arial"/>
+              <a:buNone/>
+              <a:defRPr sz="1600" b="1" kern="1200">
+                <a:solidFill>
+                  <a:schemeClr val="tx1"/>
+                </a:solidFill>
+                <a:latin typeface="+mn-lt"/>
+                <a:ea typeface="+mn-ea"/>
+                <a:cs typeface="+mn-cs"/>
+              </a:defRPr>
+            </a:lvl4pPr>
+            <a:lvl5pPr marL="1828800" indent="0" algn="l" defTabSz="457200" rtl="0" eaLnBrk="1" latinLnBrk="0" hangingPunct="1">
+              <a:spcBef>
+                <a:spcPct val="20000"/>
+              </a:spcBef>
+              <a:buFont typeface="Arial"/>
+              <a:buNone/>
+              <a:defRPr sz="1600" b="1" kern="1200">
+                <a:solidFill>
+                  <a:schemeClr val="tx1"/>
+                </a:solidFill>
+                <a:latin typeface="+mn-lt"/>
+                <a:ea typeface="+mn-ea"/>
+                <a:cs typeface="+mn-cs"/>
+              </a:defRPr>
+            </a:lvl5pPr>
+            <a:lvl6pPr marL="2286000" indent="0" algn="l" defTabSz="457200" rtl="0" eaLnBrk="1" latinLnBrk="0" hangingPunct="1">
+              <a:spcBef>
+                <a:spcPct val="20000"/>
+              </a:spcBef>
+              <a:buFont typeface="Arial"/>
+              <a:buNone/>
+              <a:defRPr sz="1600" b="1" kern="1200">
+                <a:solidFill>
+                  <a:schemeClr val="tx1"/>
+                </a:solidFill>
+                <a:latin typeface="+mn-lt"/>
+                <a:ea typeface="+mn-ea"/>
+                <a:cs typeface="+mn-cs"/>
+              </a:defRPr>
+            </a:lvl6pPr>
+            <a:lvl7pPr marL="2743200" indent="0" algn="l" defTabSz="457200" rtl="0" eaLnBrk="1" latinLnBrk="0" hangingPunct="1">
+              <a:spcBef>
+                <a:spcPct val="20000"/>
+              </a:spcBef>
+              <a:buFont typeface="Arial"/>
+              <a:buNone/>
+              <a:defRPr sz="1600" b="1" kern="1200">
+                <a:solidFill>
+                  <a:schemeClr val="tx1"/>
+                </a:solidFill>
+                <a:latin typeface="+mn-lt"/>
+                <a:ea typeface="+mn-ea"/>
+                <a:cs typeface="+mn-cs"/>
+              </a:defRPr>
+            </a:lvl7pPr>
+            <a:lvl8pPr marL="3200400" indent="0" algn="l" defTabSz="457200" rtl="0" eaLnBrk="1" latinLnBrk="0" hangingPunct="1">
+              <a:spcBef>
+                <a:spcPct val="20000"/>
+              </a:spcBef>
+              <a:buFont typeface="Arial"/>
+              <a:buNone/>
+              <a:defRPr sz="1600" b="1" kern="1200">
+                <a:solidFill>
+                  <a:schemeClr val="tx1"/>
+                </a:solidFill>
+                <a:latin typeface="+mn-lt"/>
+                <a:ea typeface="+mn-ea"/>
+                <a:cs typeface="+mn-cs"/>
+              </a:defRPr>
+            </a:lvl8pPr>
+            <a:lvl9pPr marL="3657600" indent="0" algn="l" defTabSz="457200" rtl="0" eaLnBrk="1" latinLnBrk="0" hangingPunct="1">
+              <a:spcBef>
+                <a:spcPct val="20000"/>
+              </a:spcBef>
+              <a:buFont typeface="Arial"/>
+              <a:buNone/>
+              <a:defRPr sz="1600" b="1" kern="1200">
+                <a:solidFill>
+                  <a:schemeClr val="tx1"/>
+                </a:solidFill>
+                <a:latin typeface="+mn-lt"/>
+                <a:ea typeface="+mn-ea"/>
+                <a:cs typeface="+mn-cs"/>
+              </a:defRPr>
+            </a:lvl9pPr>
+          </a:lstStyle>
+          <a:p>
+            <a:pPr>
+              <a:defRPr/>
+            </a:pPr>
+            <a:r>
+              <a:rPr lang="en-US" dirty="0">
+                <a:latin typeface="Georgia" charset="0"/>
+                <a:ea typeface="ＭＳ Ｐゴシック" charset="0"/>
+                <a:cs typeface="ＭＳ Ｐゴシック" charset="0"/>
+              </a:rPr>
+              <a:t>Episodic Memory</a:t>
+            </a:r>
+          </a:p>
+        </p:txBody>
+      </p:sp>
+    </p:spTree>
+    <p:extLst>
+      <p:ext uri="{BB962C8B-B14F-4D97-AF65-F5344CB8AC3E}">
+        <p14:creationId xmlns:p14="http://schemas.microsoft.com/office/powerpoint/2010/main" val="222903117"/>
       </p:ext>
     </p:extLst>
   </p:cSld>
@@ -11765,12 +11419,12 @@
       </p:grpSpPr>
       <p:sp>
         <p:nvSpPr>
-          <p:cNvPr id="2" name="Title 1"/>
-          <p:cNvSpPr>
-            <a:spLocks noGrp="1"/>
-          </p:cNvSpPr>
-          <p:nvPr>
-            <p:ph type="ctrTitle"/>
+          <p:cNvPr id="21506" name="Rectangle 2"/>
+          <p:cNvSpPr>
+            <a:spLocks noGrp="1" noChangeArrowheads="1"/>
+          </p:cNvSpPr>
+          <p:nvPr>
+            <p:ph type="title"/>
           </p:nvPr>
         </p:nvSpPr>
         <p:spPr/>
@@ -11780,64 +11434,104 @@
           </a:bodyPr>
           <a:lstStyle/>
           <a:p>
-            <a:r>
-              <a:rPr lang="en-US" dirty="0" err="1"/>
-              <a:t>Valitchka</a:t>
-            </a:r>
-            <a:r>
-              <a:rPr lang="en-US" dirty="0"/>
-              <a:t> &amp; </a:t>
-            </a:r>
-            <a:r>
-              <a:rPr lang="en-US" dirty="0" err="1"/>
-              <a:t>Turkstra</a:t>
-            </a:r>
-            <a:r>
-              <a:rPr lang="en-US" dirty="0"/>
-              <a:t> (2013)</a:t>
-            </a:r>
-          </a:p>
-        </p:txBody>
-      </p:sp>
-      <p:sp>
-        <p:nvSpPr>
-          <p:cNvPr id="5" name="Subtitle 4"/>
-          <p:cNvSpPr>
-            <a:spLocks noGrp="1"/>
-          </p:cNvSpPr>
-          <p:nvPr>
-            <p:ph type="subTitle" idx="1"/>
+            <a:pPr eaLnBrk="1" hangingPunct="1">
+              <a:defRPr/>
+            </a:pPr>
+            <a:r>
+              <a:rPr lang="en-US" sz="3000">
+                <a:solidFill>
+                  <a:srgbClr val="7B9899"/>
+                </a:solidFill>
+                <a:latin typeface="Georgia" charset="0"/>
+                <a:ea typeface="ＭＳ Ｐゴシック" charset="0"/>
+                <a:cs typeface="ＭＳ Ｐゴシック" charset="0"/>
+              </a:rPr>
+              <a:t>Types of memory</a:t>
+            </a:r>
+            <a:br>
+              <a:rPr lang="en-US" sz="3000">
+                <a:solidFill>
+                  <a:srgbClr val="7B9899"/>
+                </a:solidFill>
+                <a:latin typeface="Georgia" charset="0"/>
+                <a:ea typeface="ＭＳ Ｐゴシック" charset="0"/>
+                <a:cs typeface="ＭＳ Ｐゴシック" charset="0"/>
+              </a:rPr>
+            </a:br>
+            <a:r>
+              <a:rPr lang="en-US" sz="3000">
+                <a:solidFill>
+                  <a:srgbClr val="7B9899"/>
+                </a:solidFill>
+                <a:latin typeface="Georgia" charset="0"/>
+                <a:ea typeface="ＭＳ Ｐゴシック" charset="0"/>
+                <a:cs typeface="ＭＳ Ｐゴシック" charset="0"/>
+              </a:rPr>
+              <a:t>Everyday memory</a:t>
+            </a:r>
+          </a:p>
+        </p:txBody>
+      </p:sp>
+      <p:sp>
+        <p:nvSpPr>
+          <p:cNvPr id="23554" name="Rectangle 3"/>
+          <p:cNvSpPr>
+            <a:spLocks noGrp="1" noChangeArrowheads="1"/>
+          </p:cNvSpPr>
+          <p:nvPr>
+            <p:ph sz="quarter" idx="1"/>
           </p:nvPr>
         </p:nvSpPr>
         <p:spPr>
           <a:xfrm>
-            <a:off x="1325880" y="3863340"/>
-            <a:ext cx="6400800" cy="1752600"/>
+            <a:off x="301625" y="1527175"/>
+            <a:ext cx="8504238" cy="4572000"/>
           </a:xfrm>
         </p:spPr>
         <p:txBody>
-          <a:bodyPr>
-            <a:normAutofit fontScale="85000" lnSpcReduction="10000"/>
-          </a:bodyPr>
-          <a:lstStyle/>
-          <a:p>
+          <a:bodyPr/>
+          <a:lstStyle/>
+          <a:p>
+            <a:pPr eaLnBrk="1" hangingPunct="1"/>
             <a:r>
               <a:rPr lang="en-US" dirty="0">
-                <a:solidFill>
-                  <a:schemeClr val="tx1"/>
-                </a:solidFill>
-              </a:rPr>
-              <a:t>Spoiler Alert:</a:t>
-            </a:r>
-          </a:p>
-          <a:p>
+                <a:latin typeface="Georgia" charset="0"/>
+                <a:ea typeface="ＭＳ Ｐゴシック" charset="0"/>
+                <a:cs typeface="ＭＳ Ｐゴシック" charset="0"/>
+              </a:rPr>
+              <a:t>Prospective memory</a:t>
+            </a:r>
+          </a:p>
+          <a:p>
+            <a:pPr lvl="1" eaLnBrk="1" hangingPunct="1"/>
             <a:r>
               <a:rPr lang="en-US" dirty="0">
-                <a:solidFill>
-                  <a:schemeClr val="tx1"/>
-                </a:solidFill>
-              </a:rPr>
-              <a:t>The clinical relevance of this dichotomy to the interactions observed in the acute care setting will be very important.</a:t>
+                <a:latin typeface="Georgia" charset="0"/>
+                <a:ea typeface="ＭＳ Ｐゴシック" charset="0"/>
+              </a:rPr>
+              <a:t>Remembering to carry out intended action in the absence of explicit reminder to do so</a:t>
+            </a:r>
+          </a:p>
+          <a:p>
+            <a:pPr eaLnBrk="1" hangingPunct="1"/>
+            <a:r>
+              <a:rPr lang="en-US" dirty="0">
+                <a:latin typeface="Georgia" charset="0"/>
+                <a:ea typeface="ＭＳ Ｐゴシック" charset="0"/>
+                <a:cs typeface="ＭＳ Ｐゴシック" charset="0"/>
+              </a:rPr>
+              <a:t>Metamemory</a:t>
+            </a:r>
+          </a:p>
+          <a:p>
+            <a:pPr lvl="1"/>
+            <a:r>
+              <a:rPr lang="en-US" dirty="0">
+                <a:latin typeface="Georgia" charset="0"/>
+                <a:ea typeface="ＭＳ Ｐゴシック" charset="0"/>
+                <a:cs typeface="ＭＳ Ｐゴシック" charset="0"/>
+              </a:rPr>
+              <a:t>Knowledge and awareness of our own memory processes</a:t>
             </a:r>
           </a:p>
         </p:txBody>
@@ -11845,7 +11539,7 @@
     </p:spTree>
     <p:extLst>
       <p:ext uri="{BB962C8B-B14F-4D97-AF65-F5344CB8AC3E}">
-        <p14:creationId xmlns:p14="http://schemas.microsoft.com/office/powerpoint/2010/main" val="881861224"/>
+        <p14:creationId xmlns:p14="http://schemas.microsoft.com/office/powerpoint/2010/main" val="712462109"/>
       </p:ext>
     </p:extLst>
   </p:cSld>
@@ -11874,352 +11568,138 @@
       </p:grpSpPr>
       <p:sp>
         <p:nvSpPr>
-          <p:cNvPr id="19459" name="Text Placeholder 2"/>
-          <p:cNvSpPr>
-            <a:spLocks noGrp="1"/>
-          </p:cNvSpPr>
-          <p:nvPr>
-            <p:ph type="body" idx="1"/>
-          </p:nvPr>
-        </p:nvSpPr>
-        <p:spPr>
-          <a:xfrm>
-            <a:off x="301625" y="1524000"/>
-            <a:ext cx="4040188" cy="733425"/>
-          </a:xfrm>
-        </p:spPr>
-        <p:txBody>
-          <a:bodyPr/>
-          <a:lstStyle/>
-          <a:p>
-            <a:pPr eaLnBrk="1" hangingPunct="1">
-              <a:defRPr/>
-            </a:pPr>
-            <a:r>
-              <a:rPr dirty="0">
-                <a:latin typeface="Georgia" charset="0"/>
-                <a:ea typeface="ＭＳ Ｐゴシック" charset="0"/>
-                <a:cs typeface="ＭＳ Ｐゴシック" charset="0"/>
-              </a:rPr>
-              <a:t>Semantic Memory</a:t>
-            </a:r>
-          </a:p>
-        </p:txBody>
-      </p:sp>
-      <p:sp>
-        <p:nvSpPr>
-          <p:cNvPr id="19461" name="Text Placeholder 4"/>
-          <p:cNvSpPr>
-            <a:spLocks noGrp="1"/>
-          </p:cNvSpPr>
-          <p:nvPr>
-            <p:ph type="body" sz="half" idx="3"/>
-          </p:nvPr>
-        </p:nvSpPr>
-        <p:spPr>
-          <a:xfrm>
-            <a:off x="4791075" y="1706247"/>
-            <a:ext cx="4041775" cy="731838"/>
-          </a:xfrm>
-        </p:spPr>
-        <p:txBody>
-          <a:bodyPr>
-            <a:normAutofit fontScale="47500" lnSpcReduction="20000"/>
-          </a:bodyPr>
-          <a:lstStyle/>
-          <a:p>
-            <a:pPr>
-              <a:defRPr/>
-            </a:pPr>
-            <a:r>
-              <a:rPr lang="en-US" sz="5100" dirty="0">
-                <a:latin typeface="Georgia" charset="0"/>
-                <a:ea typeface="ＭＳ Ｐゴシック" charset="0"/>
-                <a:cs typeface="ＭＳ Ｐゴシック" charset="0"/>
-              </a:rPr>
-              <a:t>Episodic Memory</a:t>
-            </a:r>
-          </a:p>
-          <a:p>
-            <a:pPr>
-              <a:defRPr/>
-            </a:pPr>
-            <a:endParaRPr lang="en-US" dirty="0">
-              <a:latin typeface="Georgia" charset="0"/>
-              <a:ea typeface="ＭＳ Ｐゴシック" charset="0"/>
-              <a:cs typeface="ＭＳ Ｐゴシック" charset="0"/>
-            </a:endParaRPr>
-          </a:p>
-          <a:p>
-            <a:pPr eaLnBrk="1" hangingPunct="1">
-              <a:defRPr/>
-            </a:pPr>
-            <a:r>
-              <a:rPr lang="en-US" dirty="0" err="1">
+          <p:cNvPr id="24577" name="Rectangle 2"/>
+          <p:cNvSpPr>
+            <a:spLocks noGrp="1" noChangeArrowheads="1"/>
+          </p:cNvSpPr>
+          <p:nvPr>
+            <p:ph type="title"/>
+          </p:nvPr>
+        </p:nvSpPr>
+        <p:spPr/>
+        <p:txBody>
+          <a:bodyPr/>
+          <a:lstStyle/>
+          <a:p>
+            <a:pPr eaLnBrk="1" hangingPunct="1"/>
+            <a:r>
+              <a:rPr lang="en-US">
                 <a:solidFill>
-                  <a:srgbClr val="FFFFFF"/>
+                  <a:srgbClr val="7B9899"/>
                 </a:solidFill>
                 <a:latin typeface="Georgia" charset="0"/>
                 <a:ea typeface="ＭＳ Ｐゴシック" charset="0"/>
                 <a:cs typeface="ＭＳ Ｐゴシック" charset="0"/>
               </a:rPr>
-              <a:t>dic</a:t>
-            </a:r>
-            <a:r>
-              <a:rPr lang="en-US" dirty="0">
-                <a:solidFill>
-                  <a:srgbClr val="FFFFFF"/>
-                </a:solidFill>
+              <a:t>Amnesia Terms</a:t>
+            </a:r>
+          </a:p>
+        </p:txBody>
+      </p:sp>
+      <p:sp>
+        <p:nvSpPr>
+          <p:cNvPr id="24578" name="Rectangle 3"/>
+          <p:cNvSpPr>
+            <a:spLocks noGrp="1" noChangeArrowheads="1"/>
+          </p:cNvSpPr>
+          <p:nvPr>
+            <p:ph sz="quarter" idx="1"/>
+          </p:nvPr>
+        </p:nvSpPr>
+        <p:spPr>
+          <a:xfrm>
+            <a:off x="301625" y="1527175"/>
+            <a:ext cx="8504238" cy="4572000"/>
+          </a:xfrm>
+        </p:spPr>
+        <p:txBody>
+          <a:bodyPr/>
+          <a:lstStyle/>
+          <a:p>
+            <a:pPr eaLnBrk="1" hangingPunct="1"/>
+            <a:r>
+              <a:rPr lang="en-US">
                 <a:latin typeface="Georgia" charset="0"/>
                 <a:ea typeface="ＭＳ Ｐゴシック" charset="0"/>
                 <a:cs typeface="ＭＳ Ｐゴシック" charset="0"/>
               </a:rPr>
-              <a:t> memory</a:t>
-            </a:r>
-          </a:p>
-        </p:txBody>
-      </p:sp>
-      <p:sp>
-        <p:nvSpPr>
-          <p:cNvPr id="20483" name="Content Placeholder 3"/>
-          <p:cNvSpPr>
-            <a:spLocks noGrp="1"/>
-          </p:cNvSpPr>
-          <p:nvPr>
-            <p:ph sz="quarter" idx="2"/>
-          </p:nvPr>
-        </p:nvSpPr>
-        <p:spPr>
-          <a:xfrm>
-            <a:off x="301625" y="2471738"/>
-            <a:ext cx="4041775" cy="3817937"/>
-          </a:xfrm>
-        </p:spPr>
-        <p:txBody>
-          <a:bodyPr/>
-          <a:lstStyle/>
-          <a:p>
-            <a:pPr eaLnBrk="1" hangingPunct="1">
-              <a:lnSpc>
-                <a:spcPct val="80000"/>
-              </a:lnSpc>
-            </a:pPr>
-            <a:r>
-              <a:rPr lang="en-US" sz="2500" dirty="0">
+              <a:t>Anterograde amnesia</a:t>
+            </a:r>
+          </a:p>
+          <a:p>
+            <a:pPr lvl="1" eaLnBrk="1" hangingPunct="1"/>
+            <a:r>
+              <a:rPr lang="en-US">
+                <a:latin typeface="Georgia" charset="0"/>
+                <a:ea typeface="ＭＳ Ｐゴシック" charset="0"/>
+              </a:rPr>
+              <a:t>Problem with encoding, storing or retrieving information that can be used in the future</a:t>
+            </a:r>
+          </a:p>
+          <a:p>
+            <a:pPr eaLnBrk="1" hangingPunct="1"/>
+            <a:r>
+              <a:rPr lang="en-US">
                 <a:latin typeface="Georgia" charset="0"/>
                 <a:ea typeface="ＭＳ Ｐゴシック" charset="0"/>
                 <a:cs typeface="ＭＳ Ｐゴシック" charset="0"/>
               </a:rPr>
-              <a:t>General knowledge about the world</a:t>
-            </a:r>
-          </a:p>
-          <a:p>
-            <a:pPr eaLnBrk="1" hangingPunct="1">
-              <a:lnSpc>
-                <a:spcPct val="80000"/>
-              </a:lnSpc>
-            </a:pPr>
-            <a:r>
-              <a:rPr lang="en-US" sz="2500" dirty="0">
+              <a:t>Retrograde amnesia</a:t>
+            </a:r>
+          </a:p>
+          <a:p>
+            <a:pPr lvl="1" eaLnBrk="1" hangingPunct="1"/>
+            <a:r>
+              <a:rPr lang="en-US">
                 <a:latin typeface="Georgia" charset="0"/>
                 <a:ea typeface="ＭＳ Ｐゴシック" charset="0"/>
-                <a:cs typeface="ＭＳ Ｐゴシック" charset="0"/>
-              </a:rPr>
-              <a:t>Mental thesaurus</a:t>
-            </a:r>
-          </a:p>
-          <a:p>
-            <a:pPr eaLnBrk="1" hangingPunct="1">
-              <a:lnSpc>
-                <a:spcPct val="80000"/>
-              </a:lnSpc>
-            </a:pPr>
-            <a:r>
-              <a:rPr lang="en-US" sz="2500" dirty="0">
+              </a:rPr>
+              <a:t>Loss of access to events that happened in the past, typically before the onset of the disease</a:t>
+            </a:r>
+          </a:p>
+          <a:p>
+            <a:pPr lvl="1" eaLnBrk="1" hangingPunct="1"/>
+            <a:r>
+              <a:rPr lang="en-US">
                 <a:latin typeface="Georgia" charset="0"/>
                 <a:ea typeface="ＭＳ Ｐゴシック" charset="0"/>
-                <a:cs typeface="ＭＳ Ｐゴシック" charset="0"/>
-              </a:rPr>
-              <a:t>The residue of many episodes</a:t>
-            </a:r>
-          </a:p>
-          <a:p>
-            <a:pPr eaLnBrk="1" hangingPunct="1">
-              <a:lnSpc>
-                <a:spcPct val="80000"/>
-              </a:lnSpc>
-            </a:pPr>
-            <a:r>
-              <a:rPr lang="en-US" sz="2500" dirty="0">
+              </a:rPr>
+              <a:t> Can occur on a gradient </a:t>
+            </a:r>
+            <a:r>
+              <a:rPr lang="ja-JP" altLang="en-US">
                 <a:latin typeface="Georgia" charset="0"/>
                 <a:ea typeface="ＭＳ Ｐゴシック" charset="0"/>
-                <a:cs typeface="ＭＳ Ｐゴシック" charset="0"/>
-              </a:rPr>
-              <a:t>People with amnesia usually have trouble building up new semantic knowledge and they don</a:t>
-            </a:r>
-            <a:r>
-              <a:rPr lang="ja-JP" altLang="en-US" sz="2500" dirty="0">
+              </a:rPr>
+              <a:t>“</a:t>
+            </a:r>
+            <a:r>
+              <a:rPr lang="en-US" altLang="ja-JP">
                 <a:latin typeface="Georgia" charset="0"/>
                 <a:ea typeface="ＭＳ Ｐゴシック" charset="0"/>
-                <a:cs typeface="ＭＳ Ｐゴシック" charset="0"/>
-              </a:rPr>
-              <a:t>’</a:t>
-            </a:r>
-            <a:r>
-              <a:rPr lang="en-US" altLang="ja-JP" sz="2500" dirty="0">
+              </a:rPr>
+              <a:t>shrinking RA</a:t>
+            </a:r>
+            <a:r>
+              <a:rPr lang="ja-JP" altLang="en-US">
                 <a:latin typeface="Georgia" charset="0"/>
                 <a:ea typeface="ＭＳ Ｐゴシック" charset="0"/>
-                <a:cs typeface="ＭＳ Ｐゴシック" charset="0"/>
-              </a:rPr>
-              <a:t>t have access to episodic memories</a:t>
-            </a:r>
-          </a:p>
-          <a:p>
-            <a:pPr eaLnBrk="1" hangingPunct="1">
-              <a:lnSpc>
-                <a:spcPct val="80000"/>
-              </a:lnSpc>
-            </a:pPr>
-            <a:endParaRPr lang="en-US" sz="2500" dirty="0">
+              </a:rPr>
+              <a:t>”</a:t>
+            </a:r>
+            <a:endParaRPr lang="en-US" altLang="ja-JP">
               <a:latin typeface="Georgia" charset="0"/>
               <a:ea typeface="ＭＳ Ｐゴシック" charset="0"/>
-              <a:cs typeface="ＭＳ Ｐゴシック" charset="0"/>
             </a:endParaRPr>
           </a:p>
           <a:p>
-            <a:pPr eaLnBrk="1" hangingPunct="1">
-              <a:lnSpc>
-                <a:spcPct val="80000"/>
-              </a:lnSpc>
-            </a:pPr>
-            <a:endParaRPr lang="en-US" sz="2500" dirty="0">
-              <a:latin typeface="Georgia" charset="0"/>
-              <a:ea typeface="ＭＳ Ｐゴシック" charset="0"/>
-              <a:cs typeface="ＭＳ Ｐゴシック" charset="0"/>
-            </a:endParaRPr>
-          </a:p>
-        </p:txBody>
-      </p:sp>
-      <p:sp>
-        <p:nvSpPr>
-          <p:cNvPr id="20484" name="Content Placeholder 5"/>
-          <p:cNvSpPr>
-            <a:spLocks noGrp="1"/>
-          </p:cNvSpPr>
-          <p:nvPr>
-            <p:ph sz="quarter" idx="4"/>
-          </p:nvPr>
-        </p:nvSpPr>
-        <p:spPr>
-          <a:xfrm>
-            <a:off x="4800600" y="2471738"/>
-            <a:ext cx="4038600" cy="3821112"/>
-          </a:xfrm>
-        </p:spPr>
-        <p:txBody>
-          <a:bodyPr/>
-          <a:lstStyle/>
-          <a:p>
-            <a:pPr eaLnBrk="1" hangingPunct="1"/>
-            <a:r>
-              <a:rPr lang="en-US" dirty="0">
+            <a:pPr lvl="1" eaLnBrk="1" hangingPunct="1"/>
+            <a:r>
+              <a:rPr lang="en-US">
                 <a:latin typeface="Georgia" charset="0"/>
                 <a:ea typeface="ＭＳ Ｐゴシック" charset="0"/>
-                <a:cs typeface="ＭＳ Ｐゴシック" charset="0"/>
-              </a:rPr>
-              <a:t>It is the </a:t>
-            </a:r>
-            <a:r>
-              <a:rPr lang="en-US" i="1" dirty="0">
-                <a:latin typeface="Georgia" charset="0"/>
-                <a:ea typeface="ＭＳ Ｐゴシック" charset="0"/>
-                <a:cs typeface="ＭＳ Ｐゴシック" charset="0"/>
-              </a:rPr>
-              <a:t>what when where</a:t>
-            </a:r>
-            <a:r>
-              <a:rPr lang="en-US" dirty="0">
-                <a:latin typeface="Georgia" charset="0"/>
-                <a:ea typeface="ＭＳ Ｐゴシック" charset="0"/>
-                <a:cs typeface="ＭＳ Ｐゴシック" charset="0"/>
-              </a:rPr>
-              <a:t> part of memory</a:t>
-            </a:r>
-            <a:endParaRPr lang="en-US" i="1" dirty="0">
-              <a:latin typeface="Georgia" charset="0"/>
-              <a:ea typeface="ＭＳ Ｐゴシック" charset="0"/>
-              <a:cs typeface="ＭＳ Ｐゴシック" charset="0"/>
-            </a:endParaRPr>
-          </a:p>
-          <a:p>
-            <a:pPr eaLnBrk="1" hangingPunct="1"/>
-            <a:r>
-              <a:rPr lang="en-US" dirty="0">
-                <a:latin typeface="Georgia" charset="0"/>
-                <a:ea typeface="ＭＳ Ｐゴシック" charset="0"/>
-                <a:cs typeface="ＭＳ Ｐゴシック" charset="0"/>
-              </a:rPr>
-              <a:t>Relies on links between the hippocampus, thalamus and cortex—patients with damage to this system are often amnestic</a:t>
-            </a:r>
-          </a:p>
-          <a:p>
-            <a:pPr eaLnBrk="1" hangingPunct="1"/>
-            <a:endParaRPr lang="en-US" dirty="0">
-              <a:latin typeface="Georgia" charset="0"/>
-              <a:ea typeface="ＭＳ Ｐゴシック" charset="0"/>
-              <a:cs typeface="ＭＳ Ｐゴシック" charset="0"/>
-            </a:endParaRPr>
-          </a:p>
-          <a:p>
-            <a:pPr eaLnBrk="1" hangingPunct="1"/>
-            <a:endParaRPr lang="en-US" dirty="0">
-              <a:latin typeface="Georgia" charset="0"/>
-              <a:ea typeface="ＭＳ Ｐゴシック" charset="0"/>
-              <a:cs typeface="ＭＳ Ｐゴシック" charset="0"/>
-            </a:endParaRPr>
-          </a:p>
-        </p:txBody>
-      </p:sp>
-      <p:sp>
-        <p:nvSpPr>
-          <p:cNvPr id="20485" name="Title 1"/>
-          <p:cNvSpPr>
-            <a:spLocks noGrp="1"/>
-          </p:cNvSpPr>
-          <p:nvPr>
-            <p:ph type="title"/>
-          </p:nvPr>
-        </p:nvSpPr>
-        <p:spPr/>
-        <p:txBody>
-          <a:bodyPr>
-            <a:normAutofit fontScale="90000"/>
-          </a:bodyPr>
-          <a:lstStyle/>
-          <a:p>
-            <a:pPr eaLnBrk="1" hangingPunct="1"/>
-            <a:r>
-              <a:rPr lang="en-US" dirty="0">
-                <a:latin typeface="Georgia" charset="0"/>
-                <a:ea typeface="ＭＳ Ｐゴシック" charset="0"/>
-                <a:cs typeface="ＭＳ Ｐゴシック" charset="0"/>
-              </a:rPr>
-              <a:t>Declarative Memory</a:t>
-            </a:r>
-            <a:br>
-              <a:rPr lang="en-US" dirty="0">
-                <a:latin typeface="Georgia" charset="0"/>
-                <a:ea typeface="ＭＳ Ｐゴシック" charset="0"/>
-                <a:cs typeface="ＭＳ Ｐゴシック" charset="0"/>
-              </a:rPr>
-            </a:br>
-            <a:r>
-              <a:rPr lang="en-US" dirty="0">
-                <a:latin typeface="Georgia" charset="0"/>
-                <a:ea typeface="ＭＳ Ｐゴシック" charset="0"/>
-                <a:cs typeface="ＭＳ Ｐゴシック" charset="0"/>
-              </a:rPr>
-              <a:t>Semantic vs. Episodic</a:t>
+              </a:rPr>
+              <a:t>Often co-occurs with anterograde amnesia</a:t>
             </a:r>
           </a:p>
         </p:txBody>
@@ -12227,7 +11707,7 @@
     </p:spTree>
     <p:extLst>
       <p:ext uri="{BB962C8B-B14F-4D97-AF65-F5344CB8AC3E}">
-        <p14:creationId xmlns:p14="http://schemas.microsoft.com/office/powerpoint/2010/main" val="2654954223"/>
+        <p14:creationId xmlns:p14="http://schemas.microsoft.com/office/powerpoint/2010/main" val="468996438"/>
       </p:ext>
     </p:extLst>
   </p:cSld>
